--- a/课程PPT/03.基本（原始）数据类型进阶.pptx
+++ b/课程PPT/03.基本（原始）数据类型进阶.pptx
@@ -5,21 +5,23 @@
     <p:sldMasterId id="2147483648" r:id="rId1"/>
   </p:sldMasterIdLst>
   <p:notesMasterIdLst>
-    <p:notesMasterId r:id="rId14"/>
+    <p:notesMasterId r:id="rId6"/>
   </p:notesMasterIdLst>
   <p:sldIdLst>
-    <p:sldId id="1117" r:id="rId2"/>
-    <p:sldId id="1118" r:id="rId3"/>
-    <p:sldId id="1120" r:id="rId4"/>
-    <p:sldId id="1121" r:id="rId5"/>
-    <p:sldId id="1123" r:id="rId6"/>
-    <p:sldId id="1122" r:id="rId7"/>
-    <p:sldId id="1124" r:id="rId8"/>
-    <p:sldId id="1132" r:id="rId9"/>
-    <p:sldId id="1133" r:id="rId10"/>
-    <p:sldId id="1134" r:id="rId11"/>
-    <p:sldId id="1125" r:id="rId12"/>
-    <p:sldId id="1128" r:id="rId13"/>
+    <p:sldId id="1117" r:id="rId3"/>
+    <p:sldId id="1121" r:id="rId4"/>
+    <p:sldId id="1120" r:id="rId5"/>
+    <p:sldId id="1123" r:id="rId7"/>
+    <p:sldId id="1139" r:id="rId8"/>
+    <p:sldId id="1124" r:id="rId9"/>
+    <p:sldId id="1141" r:id="rId10"/>
+    <p:sldId id="1132" r:id="rId11"/>
+    <p:sldId id="1133" r:id="rId12"/>
+    <p:sldId id="1134" r:id="rId13"/>
+    <p:sldId id="1140" r:id="rId14"/>
+    <p:sldId id="1137" r:id="rId15"/>
+    <p:sldId id="1138" r:id="rId16"/>
+    <p:sldId id="1128" r:id="rId17"/>
   </p:sldIdLst>
   <p:sldSz cx="12192000" cy="6858000"/>
   <p:notesSz cx="6797675" cy="9928225"/>
@@ -336,6 +338,7 @@
               <a:rPr lang="zh-CN" altLang="zh-CN" noProof="0" smtClean="0"/>
               <a:t>                                                   </a:t>
             </a:r>
+            <a:endParaRPr lang="zh-CN" altLang="zh-CN" noProof="0" smtClean="0"/>
           </a:p>
           <a:p>
             <a:pPr lvl="1"/>
@@ -343,6 +346,7 @@
               <a:rPr lang="zh-CN" altLang="zh-CN" noProof="0" smtClean="0"/>
               <a:t>               </a:t>
             </a:r>
+            <a:endParaRPr lang="zh-CN" altLang="zh-CN" noProof="0" smtClean="0"/>
           </a:p>
           <a:p>
             <a:pPr lvl="2"/>
@@ -350,6 +354,7 @@
               <a:rPr lang="zh-CN" altLang="zh-CN" noProof="0" smtClean="0"/>
               <a:t>                </a:t>
             </a:r>
+            <a:endParaRPr lang="zh-CN" altLang="zh-CN" noProof="0" smtClean="0"/>
           </a:p>
           <a:p>
             <a:pPr lvl="3"/>
@@ -357,6 +362,7 @@
               <a:rPr lang="zh-CN" altLang="zh-CN" noProof="0" smtClean="0"/>
               <a:t>                </a:t>
             </a:r>
+            <a:endParaRPr lang="zh-CN" altLang="zh-CN" noProof="0" smtClean="0"/>
           </a:p>
           <a:p>
             <a:pPr lvl="4"/>
@@ -364,6 +370,7 @@
               <a:rPr lang="zh-CN" altLang="zh-CN" noProof="0" smtClean="0"/>
               <a:t>                </a:t>
             </a:r>
+            <a:endParaRPr lang="zh-CN" altLang="zh-CN" noProof="0" smtClean="0"/>
           </a:p>
         </p:txBody>
       </p:sp>
@@ -449,18 +456,12 @@
             </a:pPr>
             <a:fld id="{50FA7BE5-9B7D-4F20-881C-9A0B90E6FF72}" type="slidenum">
               <a:rPr lang="zh-CN" altLang="zh-CN"/>
-              <a:t>‹#›</a:t>
             </a:fld>
             <a:endParaRPr lang="zh-CN" altLang="zh-CN"/>
           </a:p>
         </p:txBody>
       </p:sp>
     </p:spTree>
-    <p:extLst>
-      <p:ext uri="{BB962C8B-B14F-4D97-AF65-F5344CB8AC3E}">
-        <p14:creationId xmlns:p14="http://schemas.microsoft.com/office/powerpoint/2010/main" val="184300901"/>
-      </p:ext>
-    </p:extLst>
   </p:cSld>
   <p:clrMap bg1="lt1" tx1="dk1" bg2="lt2" tx2="dk2" accent1="accent1" accent2="accent2" accent3="accent3" accent4="accent4" accent5="accent5" accent6="accent6" hlink="hlink" folHlink="folHlink"/>
   <p:notesStyle>
@@ -660,7 +661,6 @@
             </a:pPr>
             <a:fld id="{50FA7BE5-9B7D-4F20-881C-9A0B90E6FF72}" type="slidenum">
               <a:rPr lang="zh-CN" altLang="zh-CN" smtClean="0"/>
-              <a:t>3</a:t>
             </a:fld>
             <a:endParaRPr lang="zh-CN" altLang="zh-CN"/>
           </a:p>
@@ -746,7 +746,6 @@
             </a:pPr>
             <a:fld id="{50FA7BE5-9B7D-4F20-881C-9A0B90E6FF72}" type="slidenum">
               <a:rPr lang="zh-CN" altLang="zh-CN" smtClean="0"/>
-              <a:t>5</a:t>
             </a:fld>
             <a:endParaRPr lang="zh-CN" altLang="zh-CN"/>
           </a:p>
@@ -832,7 +831,6 @@
             </a:pPr>
             <a:fld id="{50FA7BE5-9B7D-4F20-881C-9A0B90E6FF72}" type="slidenum">
               <a:rPr lang="zh-CN" altLang="zh-CN" smtClean="0"/>
-              <a:t>7</a:t>
             </a:fld>
             <a:endParaRPr lang="zh-CN" altLang="zh-CN"/>
           </a:p>
@@ -918,7 +916,6 @@
             </a:pPr>
             <a:fld id="{50FA7BE5-9B7D-4F20-881C-9A0B90E6FF72}" type="slidenum">
               <a:rPr lang="zh-CN" altLang="zh-CN" smtClean="0"/>
-              <a:t>8</a:t>
             </a:fld>
             <a:endParaRPr lang="zh-CN" altLang="zh-CN"/>
           </a:p>
@@ -1004,7 +1001,6 @@
             </a:pPr>
             <a:fld id="{50FA7BE5-9B7D-4F20-881C-9A0B90E6FF72}" type="slidenum">
               <a:rPr lang="zh-CN" altLang="zh-CN" smtClean="0"/>
-              <a:t>9</a:t>
             </a:fld>
             <a:endParaRPr lang="zh-CN" altLang="zh-CN"/>
           </a:p>
@@ -1090,7 +1086,6 @@
             </a:pPr>
             <a:fld id="{50FA7BE5-9B7D-4F20-881C-9A0B90E6FF72}" type="slidenum">
               <a:rPr lang="zh-CN" altLang="zh-CN" smtClean="0"/>
-              <a:t>10</a:t>
             </a:fld>
             <a:endParaRPr lang="zh-CN" altLang="zh-CN"/>
           </a:p>
@@ -1148,6 +1143,10 @@
           <a:bodyPr/>
           <a:lstStyle/>
           <a:p>
+            <a:r>
+              <a:rPr lang="zh-CN" altLang="en-US" dirty="0" smtClean="0"/>
+              <a:t>脚本语言是由传统编程语言简化而来的语言，因此有很多相似之处。</a:t>
+            </a:r>
             <a:endParaRPr lang="zh-CN" altLang="en-US" dirty="0"/>
           </a:p>
         </p:txBody>
@@ -1167,9 +1166,174 @@
           <a:bodyPr/>
           <a:lstStyle/>
           <a:p>
+            <a:pPr>
+              <a:defRPr/>
+            </a:pPr>
+            <a:fld id="{50FA7BE5-9B7D-4F20-881C-9A0B90E6FF72}" type="slidenum">
+              <a:rPr lang="zh-CN" altLang="zh-CN" smtClean="0"/>
+            </a:fld>
+            <a:endParaRPr lang="zh-CN" altLang="zh-CN"/>
+          </a:p>
+        </p:txBody>
+      </p:sp>
+    </p:spTree>
+  </p:cSld>
+  <p:clrMapOvr>
+    <a:masterClrMapping/>
+  </p:clrMapOvr>
+</p:notes>
+</file>
+
+<file path=ppt/notesSlides/notesSlide8.xml><?xml version="1.0" encoding="utf-8"?>
+<p:notes xmlns:a="http://schemas.openxmlformats.org/drawingml/2006/main" xmlns:r="http://schemas.openxmlformats.org/officeDocument/2006/relationships" xmlns:p="http://schemas.openxmlformats.org/presentationml/2006/main">
+  <p:cSld>
+    <p:spTree>
+      <p:nvGrpSpPr>
+        <p:cNvPr id="1" name=""/>
+        <p:cNvGrpSpPr/>
+        <p:nvPr/>
+      </p:nvGrpSpPr>
+      <p:grpSpPr>
+        <a:xfrm>
+          <a:off x="0" y="0"/>
+          <a:ext cx="0" cy="0"/>
+          <a:chOff x="0" y="0"/>
+          <a:chExt cx="0" cy="0"/>
+        </a:xfrm>
+      </p:grpSpPr>
+      <p:sp>
+        <p:nvSpPr>
+          <p:cNvPr id="2" name="幻灯片图像占位符 1"/>
+          <p:cNvSpPr>
+            <a:spLocks noGrp="1" noRot="1" noChangeAspect="1"/>
+          </p:cNvSpPr>
+          <p:nvPr>
+            <p:ph type="sldImg"/>
+          </p:nvPr>
+        </p:nvSpPr>
+        <p:spPr/>
+      </p:sp>
+      <p:sp>
+        <p:nvSpPr>
+          <p:cNvPr id="3" name="备注占位符 2"/>
+          <p:cNvSpPr>
+            <a:spLocks noGrp="1"/>
+          </p:cNvSpPr>
+          <p:nvPr>
+            <p:ph type="body" idx="1"/>
+          </p:nvPr>
+        </p:nvSpPr>
+        <p:spPr/>
+        <p:txBody>
+          <a:bodyPr/>
+          <a:lstStyle/>
+          <a:p>
+            <a:r>
+              <a:rPr lang="zh-CN" altLang="en-US" dirty="0" smtClean="0"/>
+              <a:t>脚本语言是由传统编程语言简化而来的语言，因此有很多相似之处。</a:t>
+            </a:r>
+            <a:endParaRPr lang="zh-CN" altLang="en-US" dirty="0"/>
+          </a:p>
+        </p:txBody>
+      </p:sp>
+      <p:sp>
+        <p:nvSpPr>
+          <p:cNvPr id="4" name="灯片编号占位符 3"/>
+          <p:cNvSpPr>
+            <a:spLocks noGrp="1"/>
+          </p:cNvSpPr>
+          <p:nvPr>
+            <p:ph type="sldNum" sz="quarter" idx="10"/>
+          </p:nvPr>
+        </p:nvSpPr>
+        <p:spPr/>
+        <p:txBody>
+          <a:bodyPr/>
+          <a:lstStyle/>
+          <a:p>
+            <a:pPr>
+              <a:defRPr/>
+            </a:pPr>
+            <a:fld id="{50FA7BE5-9B7D-4F20-881C-9A0B90E6FF72}" type="slidenum">
+              <a:rPr lang="zh-CN" altLang="zh-CN" smtClean="0"/>
+            </a:fld>
+            <a:endParaRPr lang="zh-CN" altLang="zh-CN"/>
+          </a:p>
+        </p:txBody>
+      </p:sp>
+    </p:spTree>
+  </p:cSld>
+  <p:clrMapOvr>
+    <a:masterClrMapping/>
+  </p:clrMapOvr>
+</p:notes>
+</file>
+
+<file path=ppt/notesSlides/notesSlide9.xml><?xml version="1.0" encoding="utf-8"?>
+<p:notes xmlns:a="http://schemas.openxmlformats.org/drawingml/2006/main" xmlns:r="http://schemas.openxmlformats.org/officeDocument/2006/relationships" xmlns:p="http://schemas.openxmlformats.org/presentationml/2006/main">
+  <p:cSld>
+    <p:spTree>
+      <p:nvGrpSpPr>
+        <p:cNvPr id="1" name=""/>
+        <p:cNvGrpSpPr/>
+        <p:nvPr/>
+      </p:nvGrpSpPr>
+      <p:grpSpPr>
+        <a:xfrm>
+          <a:off x="0" y="0"/>
+          <a:ext cx="0" cy="0"/>
+          <a:chOff x="0" y="0"/>
+          <a:chExt cx="0" cy="0"/>
+        </a:xfrm>
+      </p:grpSpPr>
+      <p:sp>
+        <p:nvSpPr>
+          <p:cNvPr id="2" name="幻灯片图像占位符 1"/>
+          <p:cNvSpPr>
+            <a:spLocks noGrp="1" noRot="1" noChangeAspect="1"/>
+          </p:cNvSpPr>
+          <p:nvPr>
+            <p:ph type="sldImg"/>
+          </p:nvPr>
+        </p:nvSpPr>
+        <p:spPr/>
+      </p:sp>
+      <p:sp>
+        <p:nvSpPr>
+          <p:cNvPr id="3" name="备注占位符 2"/>
+          <p:cNvSpPr>
+            <a:spLocks noGrp="1"/>
+          </p:cNvSpPr>
+          <p:nvPr>
+            <p:ph type="body" idx="1"/>
+          </p:nvPr>
+        </p:nvSpPr>
+        <p:spPr/>
+        <p:txBody>
+          <a:bodyPr/>
+          <a:lstStyle/>
+          <a:p>
+            <a:endParaRPr lang="zh-CN" altLang="en-US" dirty="0"/>
+          </a:p>
+        </p:txBody>
+      </p:sp>
+      <p:sp>
+        <p:nvSpPr>
+          <p:cNvPr id="4" name="灯片编号占位符 3"/>
+          <p:cNvSpPr>
+            <a:spLocks noGrp="1"/>
+          </p:cNvSpPr>
+          <p:nvPr>
+            <p:ph type="sldNum" sz="quarter" idx="10"/>
+          </p:nvPr>
+        </p:nvSpPr>
+        <p:spPr/>
+        <p:txBody>
+          <a:bodyPr/>
+          <a:lstStyle/>
+          <a:p>
             <a:fld id="{D9AFD278-84AA-4CAA-9049-809825956FE0}" type="slidenum">
               <a:rPr lang="en-US" altLang="zh-CN" smtClean="0"/>
-              <a:t>12</a:t>
             </a:fld>
             <a:endParaRPr lang="zh-CN" altLang="zh-CN"/>
           </a:p>
@@ -1265,6 +1429,7 @@
               <a:rPr lang="zh-CN" altLang="en-US" dirty="0" smtClean="0"/>
               <a:t>单击此处编辑母版文本样式</a:t>
             </a:r>
+            <a:endParaRPr lang="zh-CN" altLang="en-US" dirty="0" smtClean="0"/>
           </a:p>
           <a:p>
             <a:pPr lvl="1"/>
@@ -1272,6 +1437,7 @@
               <a:rPr lang="zh-CN" altLang="en-US" dirty="0" smtClean="0"/>
               <a:t>第二级</a:t>
             </a:r>
+            <a:endParaRPr lang="zh-CN" altLang="en-US" dirty="0" smtClean="0"/>
           </a:p>
           <a:p>
             <a:pPr lvl="2"/>
@@ -1279,6 +1445,7 @@
               <a:rPr lang="zh-CN" altLang="en-US" dirty="0" smtClean="0"/>
               <a:t>第三级</a:t>
             </a:r>
+            <a:endParaRPr lang="zh-CN" altLang="en-US" dirty="0" smtClean="0"/>
           </a:p>
           <a:p>
             <a:pPr lvl="3"/>
@@ -1286,6 +1453,7 @@
               <a:rPr lang="zh-CN" altLang="en-US" dirty="0" smtClean="0"/>
               <a:t>第四级</a:t>
             </a:r>
+            <a:endParaRPr lang="zh-CN" altLang="en-US" dirty="0" smtClean="0"/>
           </a:p>
         </p:txBody>
       </p:sp>
@@ -1347,6 +1515,7 @@
               <a:rPr lang="zh-CN" altLang="en-US" dirty="0" smtClean="0"/>
               <a:t>单击此处编辑母版文本样式</a:t>
             </a:r>
+            <a:endParaRPr lang="zh-CN" altLang="en-US" dirty="0" smtClean="0"/>
           </a:p>
         </p:txBody>
       </p:sp>
@@ -1399,7 +1568,6 @@
             </a:pPr>
             <a:fld id="{4BCD4F28-99F7-483B-9A2D-5E3B2E8C9EEF}" type="slidenum">
               <a:rPr lang="zh-CN" altLang="zh-CN"/>
-              <a:t>‹#›</a:t>
             </a:fld>
             <a:endParaRPr lang="zh-CN" altLang="zh-CN" sz="3200" b="0"/>
           </a:p>
@@ -1483,6 +1651,7 @@
               <a:rPr lang="zh-CN" altLang="en-US" dirty="0" smtClean="0"/>
               <a:t>单击此处编辑母版文本样式</a:t>
             </a:r>
+            <a:endParaRPr lang="zh-CN" altLang="en-US" dirty="0" smtClean="0"/>
           </a:p>
           <a:p>
             <a:pPr lvl="1"/>
@@ -1490,6 +1659,7 @@
               <a:rPr lang="zh-CN" altLang="en-US" dirty="0" smtClean="0"/>
               <a:t>第二级</a:t>
             </a:r>
+            <a:endParaRPr lang="zh-CN" altLang="en-US" dirty="0" smtClean="0"/>
           </a:p>
           <a:p>
             <a:pPr lvl="2"/>
@@ -1497,6 +1667,7 @@
               <a:rPr lang="zh-CN" altLang="en-US" dirty="0" smtClean="0"/>
               <a:t>第三级</a:t>
             </a:r>
+            <a:endParaRPr lang="zh-CN" altLang="en-US" dirty="0" smtClean="0"/>
           </a:p>
           <a:p>
             <a:pPr lvl="3"/>
@@ -1504,6 +1675,7 @@
               <a:rPr lang="zh-CN" altLang="en-US" dirty="0" smtClean="0"/>
               <a:t>第四级</a:t>
             </a:r>
+            <a:endParaRPr lang="zh-CN" altLang="en-US" dirty="0" smtClean="0"/>
           </a:p>
         </p:txBody>
       </p:sp>
@@ -1565,6 +1737,7 @@
               <a:rPr lang="zh-CN" altLang="en-US" dirty="0" smtClean="0"/>
               <a:t>单击此处编辑母版文本样式</a:t>
             </a:r>
+            <a:endParaRPr lang="zh-CN" altLang="en-US" dirty="0" smtClean="0"/>
           </a:p>
         </p:txBody>
       </p:sp>
@@ -1625,7 +1798,6 @@
             </a:pPr>
             <a:fld id="{4BCD4F28-99F7-483B-9A2D-5E3B2E8C9EEF}" type="slidenum">
               <a:rPr lang="zh-CN" altLang="zh-CN"/>
-              <a:t>‹#›</a:t>
             </a:fld>
             <a:endParaRPr lang="zh-CN" altLang="zh-CN" sz="3200" b="0"/>
           </a:p>
@@ -1640,7 +1812,7 @@
 </file>
 
 <file path=ppt/slideLayouts/slideLayout5.xml><?xml version="1.0" encoding="utf-8"?>
-<p:sldLayout xmlns:a="http://schemas.openxmlformats.org/drawingml/2006/main" xmlns:r="http://schemas.openxmlformats.org/officeDocument/2006/relationships" xmlns:p="http://schemas.openxmlformats.org/presentationml/2006/main" showMasterSp="0" preserve="1" userDrawn="1">
+<p:sldLayout xmlns:a="http://schemas.openxmlformats.org/drawingml/2006/main" xmlns:r="http://schemas.openxmlformats.org/officeDocument/2006/relationships" xmlns:p="http://schemas.openxmlformats.org/presentationml/2006/main" preserve="1" showMasterSp="0" userDrawn="1">
   <p:cSld name="标题幻灯片">
     <p:spTree>
       <p:nvGrpSpPr>
@@ -1819,6 +1991,7 @@
               <a:rPr lang="zh-CN" altLang="en-US" dirty="0" smtClean="0"/>
               <a:t>单击此处编辑母版标题样式</a:t>
             </a:r>
+            <a:endParaRPr lang="zh-CN" altLang="en-US" dirty="0" smtClean="0"/>
           </a:p>
         </p:txBody>
       </p:sp>
@@ -1843,7 +2016,7 @@
     <p:bg bwMode="auto">
       <p:bgPr>
         <a:blipFill dpi="0" rotWithShape="0">
-          <a:blip r:embed="rId7" cstate="print"/>
+          <a:blip r:embed="rId6" cstate="print"/>
           <a:srcRect/>
           <a:stretch>
             <a:fillRect/>
@@ -1906,7 +2079,6 @@
             </a:pPr>
             <a:fld id="{2A4DE254-CAD5-4B8E-9712-9468A839C993}" type="slidenum">
               <a:rPr lang="zh-CN" altLang="zh-CN"/>
-              <a:t>‹#›</a:t>
             </a:fld>
             <a:endParaRPr lang="zh-CN" altLang="zh-CN"/>
           </a:p>
@@ -1921,7 +2093,7 @@
           <p:nvPr/>
         </p:nvPicPr>
         <p:blipFill>
-          <a:blip r:embed="rId8" cstate="print">
+          <a:blip r:embed="rId7" cstate="print">
             <a:extLst>
               <a:ext uri="{28A0092B-C50C-407E-A947-70E740481C1C}">
                 <a14:useLocalDpi xmlns:a14="http://schemas.microsoft.com/office/drawing/2010/main" val="0"/>
@@ -1975,7 +2147,7 @@
           <p:nvPr/>
         </p:nvPicPr>
         <p:blipFill>
-          <a:blip r:embed="rId9" cstate="print">
+          <a:blip r:embed="rId8" cstate="print">
             <a:extLst>
               <a:ext uri="{28A0092B-C50C-407E-A947-70E740481C1C}">
                 <a14:useLocalDpi xmlns:a14="http://schemas.microsoft.com/office/drawing/2010/main" val="0"/>
@@ -2476,7 +2648,7 @@
           <p:nvPr/>
         </p:nvPicPr>
         <p:blipFill>
-          <a:blip r:embed="rId2">
+          <a:blip r:embed="rId1">
             <a:extLst>
               <a:ext uri="{28A0092B-C50C-407E-A947-70E740481C1C}">
                 <a14:useLocalDpi xmlns:a14="http://schemas.microsoft.com/office/drawing/2010/main" val="0"/>
@@ -2742,51 +2914,16 @@
                 <a:ea typeface="宋体" panose="02010600030101010101" pitchFamily="2" charset="-122"/>
                 <a:sym typeface="+mn-ea"/>
               </a:rPr>
-              <a:t>---Boolean</a:t>
-            </a:r>
-            <a:r>
-              <a:rPr lang="zh-CN" altLang="en-US" dirty="0">
-                <a:latin typeface="微软雅黑" panose="020B0503020204020204" pitchFamily="34" charset="-122"/>
-                <a:ea typeface="宋体" panose="02010600030101010101" pitchFamily="2" charset="-122"/>
-                <a:sym typeface="+mn-ea"/>
-              </a:rPr>
-              <a:t>、</a:t>
-            </a:r>
-            <a:r>
-              <a:rPr lang="en-US" altLang="zh-CN" dirty="0">
-                <a:latin typeface="微软雅黑" panose="020B0503020204020204" pitchFamily="34" charset="-122"/>
-                <a:ea typeface="宋体" panose="02010600030101010101" pitchFamily="2" charset="-122"/>
-                <a:sym typeface="+mn-ea"/>
-              </a:rPr>
-              <a:t>Number</a:t>
-            </a:r>
-            <a:r>
-              <a:rPr lang="zh-CN" altLang="en-US" dirty="0">
-                <a:latin typeface="微软雅黑" panose="020B0503020204020204" pitchFamily="34" charset="-122"/>
-                <a:ea typeface="宋体" panose="02010600030101010101" pitchFamily="2" charset="-122"/>
-                <a:sym typeface="+mn-ea"/>
-              </a:rPr>
-              <a:t>、</a:t>
-            </a:r>
-            <a:r>
-              <a:rPr lang="en-US" altLang="zh-CN" dirty="0">
-                <a:latin typeface="微软雅黑" panose="020B0503020204020204" pitchFamily="34" charset="-122"/>
-                <a:ea typeface="宋体" panose="02010600030101010101" pitchFamily="2" charset="-122"/>
-                <a:sym typeface="+mn-ea"/>
-              </a:rPr>
-              <a:t>String</a:t>
-            </a:r>
-            <a:r>
-              <a:rPr lang="zh-CN" altLang="en-US" dirty="0">
-                <a:latin typeface="+mj-ea"/>
-                <a:ea typeface="+mj-ea"/>
-                <a:sym typeface="+mn-ea"/>
-              </a:rPr>
-              <a:t>进阶</a:t>
-            </a:r>
-            <a:endParaRPr lang="zh-CN" altLang="en-US" dirty="0">
-              <a:latin typeface="+mj-ea"/>
-              <a:ea typeface="+mj-ea"/>
+              <a:t>---</a:t>
+            </a:r>
+            <a:r>
+              <a:rPr dirty="0">
+                <a:sym typeface="+mn-ea"/>
+              </a:rPr>
+              <a:t>基本（原始）数据类型进阶</a:t>
+            </a:r>
+            <a:endParaRPr dirty="0">
+              <a:sym typeface="+mn-ea"/>
             </a:endParaRPr>
           </a:p>
         </p:txBody>
@@ -2800,7 +2937,7 @@
           <p:nvPr/>
         </p:nvPicPr>
         <p:blipFill>
-          <a:blip r:embed="rId3">
+          <a:blip r:embed="rId2">
             <a:extLst>
               <a:ext uri="{28A0092B-C50C-407E-A947-70E740481C1C}">
                 <a14:useLocalDpi xmlns:a14="http://schemas.microsoft.com/office/drawing/2010/main" val="0"/>
@@ -2845,104 +2982,6 @@
           </a:extLst>
         </p:spPr>
       </p:pic>
-      <p:sp>
-        <p:nvSpPr>
-          <p:cNvPr id="8" name="文本框 7"/>
-          <p:cNvSpPr txBox="1"/>
-          <p:nvPr/>
-        </p:nvSpPr>
-        <p:spPr>
-          <a:xfrm>
-            <a:off x="4775200" y="4942205"/>
-            <a:ext cx="6751955" cy="429895"/>
-          </a:xfrm>
-          <a:prstGeom prst="rect">
-            <a:avLst/>
-          </a:prstGeom>
-          <a:noFill/>
-        </p:spPr>
-        <p:txBody>
-          <a:bodyPr wrap="square" rtlCol="0">
-            <a:spAutoFit/>
-          </a:bodyPr>
-          <a:lstStyle/>
-          <a:p>
-            <a:pPr algn="ctr"/>
-            <a:r>
-              <a:rPr lang="zh-CN" altLang="en-US" sz="2200">
-                <a:solidFill>
-                  <a:srgbClr val="FF0000"/>
-                </a:solidFill>
-              </a:rPr>
-              <a:t>参见《深入理解</a:t>
-            </a:r>
-            <a:r>
-              <a:rPr lang="en-US" altLang="zh-CN" sz="2200">
-                <a:solidFill>
-                  <a:srgbClr val="FF0000"/>
-                </a:solidFill>
-              </a:rPr>
-              <a:t>JS</a:t>
-            </a:r>
-            <a:r>
-              <a:rPr lang="zh-CN" altLang="en-US" sz="2200">
-                <a:solidFill>
-                  <a:srgbClr val="FF0000"/>
-                </a:solidFill>
-              </a:rPr>
-              <a:t>》第</a:t>
-            </a:r>
-            <a:r>
-              <a:rPr lang="en-US" altLang="zh-CN" sz="2200">
-                <a:solidFill>
-                  <a:srgbClr val="FF0000"/>
-                </a:solidFill>
-              </a:rPr>
-              <a:t>10</a:t>
-            </a:r>
-            <a:r>
-              <a:rPr lang="zh-CN" altLang="en-US" sz="2200">
-                <a:solidFill>
-                  <a:srgbClr val="FF0000"/>
-                </a:solidFill>
-              </a:rPr>
-              <a:t>章、</a:t>
-            </a:r>
-            <a:r>
-              <a:rPr lang="en-US" altLang="zh-CN" sz="2200">
-                <a:solidFill>
-                  <a:srgbClr val="FF0000"/>
-                </a:solidFill>
-              </a:rPr>
-              <a:t>11</a:t>
-            </a:r>
-            <a:r>
-              <a:rPr lang="zh-CN" altLang="en-US" sz="2200">
-                <a:solidFill>
-                  <a:srgbClr val="FF0000"/>
-                </a:solidFill>
-              </a:rPr>
-              <a:t>章、</a:t>
-            </a:r>
-            <a:r>
-              <a:rPr lang="en-US" altLang="zh-CN" sz="2200">
-                <a:solidFill>
-                  <a:srgbClr val="FF0000"/>
-                </a:solidFill>
-              </a:rPr>
-              <a:t>12</a:t>
-            </a:r>
-            <a:r>
-              <a:rPr lang="zh-CN" altLang="en-US" sz="2200">
-                <a:solidFill>
-                  <a:srgbClr val="FF0000"/>
-                </a:solidFill>
-              </a:rPr>
-              <a:t>章</a:t>
-            </a:r>
-          </a:p>
-        </p:txBody>
-      </p:sp>
     </p:spTree>
   </p:cSld>
   <p:clrMapOvr>
@@ -3037,15 +3076,6 @@
               </a:rPr>
               <a:t>可正则方法</a:t>
             </a:r>
-            <a:r>
-              <a:rPr lang="zh-CN" altLang="en-US" sz="3200" dirty="0">
-                <a:solidFill>
-                  <a:schemeClr val="tx1"/>
-                </a:solidFill>
-                <a:sym typeface="+mn-ea"/>
-              </a:rPr>
-              <a:t/>
-            </a:r>
             <a:br>
               <a:rPr lang="zh-CN" altLang="en-US" sz="3200" dirty="0">
                 <a:solidFill>
@@ -3172,6 +3202,7 @@
               <a:rPr lang="zh-CN" altLang="en-US" dirty="0" smtClean="0"/>
               <a:t>进阶</a:t>
             </a:r>
+            <a:endParaRPr lang="zh-CN" altLang="en-US" dirty="0" smtClean="0"/>
           </a:p>
         </p:txBody>
       </p:sp>
@@ -3340,16 +3371,841 @@
           <a:chExt cx="0" cy="0"/>
         </a:xfrm>
       </p:grpSpPr>
+      <p:sp>
+        <p:nvSpPr>
+          <p:cNvPr id="3" name="内容占位符 2"/>
+          <p:cNvSpPr>
+            <a:spLocks noGrp="1"/>
+          </p:cNvSpPr>
+          <p:nvPr/>
+        </p:nvSpPr>
+        <p:spPr>
+          <a:xfrm>
+            <a:off x="947204" y="236943"/>
+            <a:ext cx="8191557" cy="490476"/>
+          </a:xfrm>
+          <a:prstGeom prst="rect">
+            <a:avLst/>
+          </a:prstGeom>
+        </p:spPr>
+        <p:txBody>
+          <a:bodyPr/>
+          <a:lstStyle>
+            <a:lvl1pPr marL="167005" indent="-167005" algn="l" defTabSz="0" rtl="0" eaLnBrk="0" fontAlgn="base" hangingPunct="0">
+              <a:spcBef>
+                <a:spcPct val="0"/>
+              </a:spcBef>
+              <a:spcAft>
+                <a:spcPct val="15000"/>
+              </a:spcAft>
+              <a:buClr>
+                <a:schemeClr val="tx2"/>
+              </a:buClr>
+              <a:buFont typeface="Arial" panose="020B0604020202020204" pitchFamily="34" charset="0"/>
+              <a:buNone/>
+              <a:defRPr sz="3200" b="0">
+                <a:solidFill>
+                  <a:srgbClr val="C00000"/>
+                </a:solidFill>
+                <a:latin typeface="微软雅黑" panose="020B0503020204020204" pitchFamily="34" charset="-122"/>
+                <a:ea typeface="微软雅黑" panose="020B0503020204020204" pitchFamily="34" charset="-122"/>
+                <a:cs typeface="+mn-cs"/>
+              </a:defRPr>
+            </a:lvl1pPr>
+            <a:lvl2pPr marL="398780" indent="-230505" algn="l" defTabSz="0" rtl="0" eaLnBrk="0" fontAlgn="base" hangingPunct="0">
+              <a:spcBef>
+                <a:spcPct val="0"/>
+              </a:spcBef>
+              <a:spcAft>
+                <a:spcPct val="15000"/>
+              </a:spcAft>
+              <a:buClr>
+                <a:schemeClr val="tx2"/>
+              </a:buClr>
+              <a:buFont typeface="Arial" panose="020B0604020202020204" pitchFamily="34" charset="0"/>
+              <a:buChar char="–"/>
+              <a:defRPr sz="2000">
+                <a:solidFill>
+                  <a:schemeClr val="tx1"/>
+                </a:solidFill>
+                <a:latin typeface="微软雅黑" panose="020B0503020204020204" pitchFamily="34" charset="-122"/>
+                <a:ea typeface="微软雅黑" panose="020B0503020204020204" pitchFamily="34" charset="-122"/>
+              </a:defRPr>
+            </a:lvl2pPr>
+            <a:lvl3pPr marL="400050" indent="182880" algn="l" defTabSz="0" rtl="0" eaLnBrk="0" fontAlgn="base" hangingPunct="0">
+              <a:spcBef>
+                <a:spcPct val="0"/>
+              </a:spcBef>
+              <a:spcAft>
+                <a:spcPct val="15000"/>
+              </a:spcAft>
+              <a:buClr>
+                <a:schemeClr val="tx2"/>
+              </a:buClr>
+              <a:buFont typeface="Arial" panose="020B0604020202020204" pitchFamily="34" charset="0"/>
+              <a:buChar char="•"/>
+              <a:defRPr sz="1600">
+                <a:solidFill>
+                  <a:schemeClr val="tx1"/>
+                </a:solidFill>
+                <a:latin typeface="微软雅黑" panose="020B0503020204020204" pitchFamily="34" charset="-122"/>
+                <a:ea typeface="微软雅黑" panose="020B0503020204020204" pitchFamily="34" charset="-122"/>
+              </a:defRPr>
+            </a:lvl3pPr>
+            <a:lvl4pPr marL="825500" indent="-241300" algn="l" defTabSz="0" rtl="0" eaLnBrk="0" fontAlgn="base" hangingPunct="0">
+              <a:spcBef>
+                <a:spcPct val="0"/>
+              </a:spcBef>
+              <a:spcAft>
+                <a:spcPct val="15000"/>
+              </a:spcAft>
+              <a:buClr>
+                <a:schemeClr val="tx2"/>
+              </a:buClr>
+              <a:buFont typeface="Arial" panose="020B0604020202020204" pitchFamily="34" charset="0"/>
+              <a:buChar char="–"/>
+              <a:defRPr sz="1600">
+                <a:solidFill>
+                  <a:schemeClr val="tx1"/>
+                </a:solidFill>
+                <a:latin typeface="微软雅黑" panose="020B0503020204020204" pitchFamily="34" charset="-122"/>
+                <a:ea typeface="微软雅黑" panose="020B0503020204020204" pitchFamily="34" charset="-122"/>
+              </a:defRPr>
+            </a:lvl4pPr>
+            <a:lvl5pPr marL="2057400" indent="-228600" algn="l" defTabSz="0" rtl="0" eaLnBrk="0" fontAlgn="base" hangingPunct="0">
+              <a:spcBef>
+                <a:spcPct val="0"/>
+              </a:spcBef>
+              <a:spcAft>
+                <a:spcPct val="25000"/>
+              </a:spcAft>
+              <a:buClr>
+                <a:schemeClr val="tx2"/>
+              </a:buClr>
+              <a:buFont typeface="Arial" panose="020B0604020202020204" pitchFamily="34" charset="0"/>
+              <a:buChar char="–"/>
+              <a:defRPr sz="2000">
+                <a:solidFill>
+                  <a:schemeClr val="tx1"/>
+                </a:solidFill>
+                <a:latin typeface="+mn-lt"/>
+                <a:ea typeface="微软雅黑" panose="020B0503020204020204" pitchFamily="34" charset="-122"/>
+              </a:defRPr>
+            </a:lvl5pPr>
+            <a:lvl6pPr marL="2514600" indent="-228600" algn="l" defTabSz="0" rtl="0" eaLnBrk="0" fontAlgn="base" hangingPunct="0">
+              <a:spcBef>
+                <a:spcPct val="0"/>
+              </a:spcBef>
+              <a:spcAft>
+                <a:spcPct val="25000"/>
+              </a:spcAft>
+              <a:buClr>
+                <a:schemeClr val="tx2"/>
+              </a:buClr>
+              <a:buFont typeface="Arial" panose="020B0604020202020204" pitchFamily="34" charset="0"/>
+              <a:buChar char="–"/>
+              <a:defRPr>
+                <a:solidFill>
+                  <a:schemeClr val="tx1"/>
+                </a:solidFill>
+                <a:latin typeface="+mn-lt"/>
+              </a:defRPr>
+            </a:lvl6pPr>
+            <a:lvl7pPr marL="2971800" indent="-228600" algn="l" defTabSz="0" rtl="0" eaLnBrk="0" fontAlgn="base" hangingPunct="0">
+              <a:spcBef>
+                <a:spcPct val="0"/>
+              </a:spcBef>
+              <a:spcAft>
+                <a:spcPct val="25000"/>
+              </a:spcAft>
+              <a:buClr>
+                <a:schemeClr val="tx2"/>
+              </a:buClr>
+              <a:buFont typeface="Arial" panose="020B0604020202020204" pitchFamily="34" charset="0"/>
+              <a:buChar char="–"/>
+              <a:defRPr>
+                <a:solidFill>
+                  <a:schemeClr val="tx1"/>
+                </a:solidFill>
+                <a:latin typeface="+mn-lt"/>
+              </a:defRPr>
+            </a:lvl7pPr>
+            <a:lvl8pPr marL="3429000" indent="-228600" algn="l" defTabSz="0" rtl="0" eaLnBrk="0" fontAlgn="base" hangingPunct="0">
+              <a:spcBef>
+                <a:spcPct val="0"/>
+              </a:spcBef>
+              <a:spcAft>
+                <a:spcPct val="25000"/>
+              </a:spcAft>
+              <a:buClr>
+                <a:schemeClr val="tx2"/>
+              </a:buClr>
+              <a:buFont typeface="Arial" panose="020B0604020202020204" pitchFamily="34" charset="0"/>
+              <a:buChar char="–"/>
+              <a:defRPr>
+                <a:solidFill>
+                  <a:schemeClr val="tx1"/>
+                </a:solidFill>
+                <a:latin typeface="+mn-lt"/>
+              </a:defRPr>
+            </a:lvl8pPr>
+            <a:lvl9pPr marL="3886200" indent="-228600" algn="l" defTabSz="0" rtl="0" eaLnBrk="0" fontAlgn="base" hangingPunct="0">
+              <a:spcBef>
+                <a:spcPct val="0"/>
+              </a:spcBef>
+              <a:spcAft>
+                <a:spcPct val="25000"/>
+              </a:spcAft>
+              <a:buClr>
+                <a:schemeClr val="tx2"/>
+              </a:buClr>
+              <a:buFont typeface="Arial" panose="020B0604020202020204" pitchFamily="34" charset="0"/>
+              <a:buChar char="–"/>
+              <a:defRPr>
+                <a:solidFill>
+                  <a:schemeClr val="tx1"/>
+                </a:solidFill>
+                <a:latin typeface="+mn-lt"/>
+              </a:defRPr>
+            </a:lvl9pPr>
+          </a:lstStyle>
+          <a:p>
+            <a:r>
+              <a:rPr lang="zh-CN" dirty="0" smtClean="0"/>
+              <a:t>内容刚要</a:t>
+            </a:r>
+            <a:endParaRPr lang="zh-CN" dirty="0" smtClean="0"/>
+          </a:p>
+        </p:txBody>
+      </p:sp>
+      <p:sp>
+        <p:nvSpPr>
+          <p:cNvPr id="4" name="AutoShape 6"/>
+          <p:cNvSpPr>
+            <a:spLocks noChangeArrowheads="1"/>
+          </p:cNvSpPr>
+          <p:nvPr/>
+        </p:nvSpPr>
+        <p:spPr bwMode="auto">
+          <a:xfrm>
+            <a:off x="2739708" y="1261111"/>
+            <a:ext cx="6711950" cy="4214813"/>
+          </a:xfrm>
+          <a:prstGeom prst="roundRect">
+            <a:avLst>
+              <a:gd name="adj" fmla="val 16667"/>
+            </a:avLst>
+          </a:prstGeom>
+          <a:noFill/>
+          <a:ln w="28575">
+            <a:solidFill>
+              <a:srgbClr val="C0C0C0"/>
+            </a:solidFill>
+            <a:prstDash val="sysDot"/>
+            <a:round/>
+          </a:ln>
+          <a:extLst>
+            <a:ext uri="{909E8E84-426E-40DD-AFC4-6F175D3DCCD1}">
+              <a14:hiddenFill xmlns:a14="http://schemas.microsoft.com/office/drawing/2010/main">
+                <a:solidFill>
+                  <a:srgbClr val="FFFFFF"/>
+                </a:solidFill>
+              </a14:hiddenFill>
+            </a:ext>
+          </a:extLst>
+        </p:spPr>
+        <p:txBody>
+          <a:bodyPr wrap="none" anchor="ctr"/>
+          <a:lstStyle>
+            <a:lvl1pPr marL="457200" indent="-457200">
+              <a:defRPr sz="3200">
+                <a:solidFill>
+                  <a:schemeClr val="tx1"/>
+                </a:solidFill>
+                <a:latin typeface="Arial" panose="020B0604020202020204" pitchFamily="34" charset="0"/>
+                <a:ea typeface="微软雅黑" panose="020B0503020204020204" pitchFamily="34" charset="-122"/>
+              </a:defRPr>
+            </a:lvl1pPr>
+            <a:lvl2pPr marL="742950" indent="-285750">
+              <a:defRPr sz="3200">
+                <a:solidFill>
+                  <a:schemeClr val="tx1"/>
+                </a:solidFill>
+                <a:latin typeface="Arial" panose="020B0604020202020204" pitchFamily="34" charset="0"/>
+                <a:ea typeface="微软雅黑" panose="020B0503020204020204" pitchFamily="34" charset="-122"/>
+              </a:defRPr>
+            </a:lvl2pPr>
+            <a:lvl3pPr marL="1143000" indent="-228600">
+              <a:defRPr sz="3200">
+                <a:solidFill>
+                  <a:schemeClr val="tx1"/>
+                </a:solidFill>
+                <a:latin typeface="Arial" panose="020B0604020202020204" pitchFamily="34" charset="0"/>
+                <a:ea typeface="微软雅黑" panose="020B0503020204020204" pitchFamily="34" charset="-122"/>
+              </a:defRPr>
+            </a:lvl3pPr>
+            <a:lvl4pPr marL="1600200" indent="-228600">
+              <a:defRPr sz="3200">
+                <a:solidFill>
+                  <a:schemeClr val="tx1"/>
+                </a:solidFill>
+                <a:latin typeface="Arial" panose="020B0604020202020204" pitchFamily="34" charset="0"/>
+                <a:ea typeface="微软雅黑" panose="020B0503020204020204" pitchFamily="34" charset="-122"/>
+              </a:defRPr>
+            </a:lvl4pPr>
+            <a:lvl5pPr marL="2057400" indent="-228600">
+              <a:defRPr sz="3200">
+                <a:solidFill>
+                  <a:schemeClr val="tx1"/>
+                </a:solidFill>
+                <a:latin typeface="Arial" panose="020B0604020202020204" pitchFamily="34" charset="0"/>
+                <a:ea typeface="微软雅黑" panose="020B0503020204020204" pitchFamily="34" charset="-122"/>
+              </a:defRPr>
+            </a:lvl5pPr>
+            <a:lvl6pPr marL="2514600" indent="-228600" eaLnBrk="0" fontAlgn="base" hangingPunct="0">
+              <a:spcBef>
+                <a:spcPct val="0"/>
+              </a:spcBef>
+              <a:spcAft>
+                <a:spcPct val="0"/>
+              </a:spcAft>
+              <a:defRPr sz="3200">
+                <a:solidFill>
+                  <a:schemeClr val="tx1"/>
+                </a:solidFill>
+                <a:latin typeface="Arial" panose="020B0604020202020204" pitchFamily="34" charset="0"/>
+                <a:ea typeface="微软雅黑" panose="020B0503020204020204" pitchFamily="34" charset="-122"/>
+              </a:defRPr>
+            </a:lvl6pPr>
+            <a:lvl7pPr marL="2971800" indent="-228600" eaLnBrk="0" fontAlgn="base" hangingPunct="0">
+              <a:spcBef>
+                <a:spcPct val="0"/>
+              </a:spcBef>
+              <a:spcAft>
+                <a:spcPct val="0"/>
+              </a:spcAft>
+              <a:defRPr sz="3200">
+                <a:solidFill>
+                  <a:schemeClr val="tx1"/>
+                </a:solidFill>
+                <a:latin typeface="Arial" panose="020B0604020202020204" pitchFamily="34" charset="0"/>
+                <a:ea typeface="微软雅黑" panose="020B0503020204020204" pitchFamily="34" charset="-122"/>
+              </a:defRPr>
+            </a:lvl7pPr>
+            <a:lvl8pPr marL="3429000" indent="-228600" eaLnBrk="0" fontAlgn="base" hangingPunct="0">
+              <a:spcBef>
+                <a:spcPct val="0"/>
+              </a:spcBef>
+              <a:spcAft>
+                <a:spcPct val="0"/>
+              </a:spcAft>
+              <a:defRPr sz="3200">
+                <a:solidFill>
+                  <a:schemeClr val="tx1"/>
+                </a:solidFill>
+                <a:latin typeface="Arial" panose="020B0604020202020204" pitchFamily="34" charset="0"/>
+                <a:ea typeface="微软雅黑" panose="020B0503020204020204" pitchFamily="34" charset="-122"/>
+              </a:defRPr>
+            </a:lvl8pPr>
+            <a:lvl9pPr marL="3886200" indent="-228600" eaLnBrk="0" fontAlgn="base" hangingPunct="0">
+              <a:spcBef>
+                <a:spcPct val="0"/>
+              </a:spcBef>
+              <a:spcAft>
+                <a:spcPct val="0"/>
+              </a:spcAft>
+              <a:defRPr sz="3200">
+                <a:solidFill>
+                  <a:schemeClr val="tx1"/>
+                </a:solidFill>
+                <a:latin typeface="Arial" panose="020B0604020202020204" pitchFamily="34" charset="0"/>
+                <a:ea typeface="微软雅黑" panose="020B0503020204020204" pitchFamily="34" charset="-122"/>
+              </a:defRPr>
+            </a:lvl9pPr>
+          </a:lstStyle>
+          <a:p>
+            <a:pPr algn="l">
+              <a:lnSpc>
+                <a:spcPct val="150000"/>
+              </a:lnSpc>
+              <a:spcBef>
+                <a:spcPts val="1200"/>
+              </a:spcBef>
+              <a:spcAft>
+                <a:spcPts val="1200"/>
+              </a:spcAft>
+              <a:buClr>
+                <a:srgbClr val="92D050"/>
+              </a:buClr>
+              <a:buFont typeface="Wingdings" panose="05000000000000000000" pitchFamily="2" charset="2"/>
+              <a:buChar char="Ø"/>
+            </a:pPr>
+            <a:r>
+              <a:rPr lang="en-US" altLang="zh-CN" sz="2800" b="1">
+                <a:solidFill>
+                  <a:schemeClr val="tx1"/>
+                </a:solidFill>
+                <a:sym typeface="+mn-ea"/>
+              </a:rPr>
+              <a:t>Number</a:t>
+            </a:r>
+            <a:endParaRPr lang="en-US" altLang="zh-CN" sz="2800" b="1">
+              <a:solidFill>
+                <a:schemeClr val="tx1"/>
+              </a:solidFill>
+              <a:sym typeface="+mn-ea"/>
+            </a:endParaRPr>
+          </a:p>
+          <a:p>
+            <a:pPr algn="l">
+              <a:lnSpc>
+                <a:spcPct val="150000"/>
+              </a:lnSpc>
+              <a:spcBef>
+                <a:spcPts val="1200"/>
+              </a:spcBef>
+              <a:spcAft>
+                <a:spcPts val="1200"/>
+              </a:spcAft>
+              <a:buClr>
+                <a:srgbClr val="92D050"/>
+              </a:buClr>
+              <a:buFont typeface="Wingdings" panose="05000000000000000000" pitchFamily="2" charset="2"/>
+              <a:buChar char="Ø"/>
+            </a:pPr>
+            <a:r>
+              <a:rPr lang="en-US" altLang="zh-CN" sz="2800" b="1">
+                <a:sym typeface="+mn-ea"/>
+              </a:rPr>
+              <a:t>String</a:t>
+            </a:r>
+            <a:endParaRPr lang="en-US" altLang="zh-CN" sz="2800" b="1">
+              <a:solidFill>
+                <a:schemeClr val="accent3"/>
+              </a:solidFill>
+            </a:endParaRPr>
+          </a:p>
+          <a:p>
+            <a:pPr algn="l">
+              <a:lnSpc>
+                <a:spcPct val="150000"/>
+              </a:lnSpc>
+              <a:spcBef>
+                <a:spcPts val="1200"/>
+              </a:spcBef>
+              <a:spcAft>
+                <a:spcPts val="1200"/>
+              </a:spcAft>
+              <a:buClr>
+                <a:srgbClr val="92D050"/>
+              </a:buClr>
+              <a:buFont typeface="Wingdings" panose="05000000000000000000" pitchFamily="2" charset="2"/>
+              <a:buChar char="Ø"/>
+            </a:pPr>
+            <a:r>
+              <a:rPr lang="en-US" altLang="zh-CN" sz="2800" b="1">
+                <a:solidFill>
+                  <a:srgbClr val="FF0000"/>
+                </a:solidFill>
+                <a:sym typeface="+mn-ea"/>
+              </a:rPr>
+              <a:t>Boolean</a:t>
+            </a:r>
+            <a:r>
+              <a:rPr lang="zh-CN" altLang="en-US" sz="2800" b="1"/>
+              <a:t> </a:t>
+            </a:r>
+            <a:endParaRPr lang="en-US" altLang="zh-CN" sz="2800" b="1"/>
+          </a:p>
+        </p:txBody>
+      </p:sp>
+    </p:spTree>
+  </p:cSld>
+  <p:clrMapOvr>
+    <a:masterClrMapping/>
+  </p:clrMapOvr>
+  <p:timing>
+    <p:tnLst>
+      <p:par>
+        <p:cTn id="1" dur="indefinite" restart="never" nodeType="tmRoot"/>
+      </p:par>
+    </p:tnLst>
+  </p:timing>
+</p:sld>
+</file>
+
+<file path=ppt/slides/slide12.xml><?xml version="1.0" encoding="utf-8"?>
+<p:sld xmlns:a="http://schemas.openxmlformats.org/drawingml/2006/main" xmlns:r="http://schemas.openxmlformats.org/officeDocument/2006/relationships" xmlns:p="http://schemas.openxmlformats.org/presentationml/2006/main">
+  <p:cSld>
+    <p:spTree>
+      <p:nvGrpSpPr>
+        <p:cNvPr id="1" name=""/>
+        <p:cNvGrpSpPr/>
+        <p:nvPr/>
+      </p:nvGrpSpPr>
+      <p:grpSpPr>
+        <a:xfrm>
+          <a:off x="0" y="0"/>
+          <a:ext cx="0" cy="0"/>
+          <a:chOff x="0" y="0"/>
+          <a:chExt cx="0" cy="0"/>
+        </a:xfrm>
+      </p:grpSpPr>
+      <p:sp>
+        <p:nvSpPr>
+          <p:cNvPr id="2" name="内容占位符 1"/>
+          <p:cNvSpPr>
+            <a:spLocks noGrp="1"/>
+          </p:cNvSpPr>
+          <p:nvPr>
+            <p:ph sz="quarter" idx="10"/>
+          </p:nvPr>
+        </p:nvSpPr>
+        <p:spPr>
+          <a:xfrm>
+            <a:off x="1143000" y="783590"/>
+            <a:ext cx="10044430" cy="5253990"/>
+          </a:xfrm>
+        </p:spPr>
+        <p:txBody>
+          <a:bodyPr/>
+          <a:lstStyle/>
+          <a:p>
+            <a:pPr>
+              <a:lnSpc>
+                <a:spcPct val="150000"/>
+              </a:lnSpc>
+            </a:pPr>
+            <a:r>
+              <a:rPr lang="zh-CN" altLang="en-US" sz="3200" dirty="0">
+                <a:solidFill>
+                  <a:schemeClr val="tx1"/>
+                </a:solidFill>
+              </a:rPr>
+              <a:t>所有对象都是真值</a:t>
+            </a:r>
+            <a:endParaRPr lang="zh-CN" altLang="en-US" sz="3200" dirty="0">
+              <a:solidFill>
+                <a:schemeClr val="tx1"/>
+              </a:solidFill>
+            </a:endParaRPr>
+          </a:p>
+          <a:p>
+            <a:pPr>
+              <a:lnSpc>
+                <a:spcPct val="150000"/>
+              </a:lnSpc>
+            </a:pPr>
+            <a:endParaRPr lang="zh-CN" altLang="en-US" sz="2900" dirty="0">
+              <a:solidFill>
+                <a:schemeClr val="tx1"/>
+              </a:solidFill>
+            </a:endParaRPr>
+          </a:p>
+          <a:p>
+            <a:pPr>
+              <a:lnSpc>
+                <a:spcPct val="150000"/>
+              </a:lnSpc>
+            </a:pPr>
+            <a:endParaRPr lang="zh-CN" altLang="en-US" sz="2900" dirty="0">
+              <a:solidFill>
+                <a:schemeClr val="tx1"/>
+              </a:solidFill>
+            </a:endParaRPr>
+          </a:p>
+          <a:p>
+            <a:pPr>
+              <a:lnSpc>
+                <a:spcPct val="150000"/>
+              </a:lnSpc>
+            </a:pPr>
+            <a:endParaRPr lang="zh-CN" altLang="en-US" sz="2900" dirty="0">
+              <a:solidFill>
+                <a:schemeClr val="tx1"/>
+              </a:solidFill>
+            </a:endParaRPr>
+          </a:p>
+          <a:p>
+            <a:pPr>
+              <a:lnSpc>
+                <a:spcPct val="150000"/>
+              </a:lnSpc>
+            </a:pPr>
+            <a:endParaRPr lang="zh-CN" altLang="en-US" sz="2900" dirty="0">
+              <a:solidFill>
+                <a:schemeClr val="tx1"/>
+              </a:solidFill>
+            </a:endParaRPr>
+          </a:p>
+          <a:p>
+            <a:pPr>
+              <a:lnSpc>
+                <a:spcPct val="150000"/>
+              </a:lnSpc>
+            </a:pPr>
+            <a:r>
+              <a:rPr lang="en-US" altLang="zh-CN" sz="3200" dirty="0">
+                <a:solidFill>
+                  <a:schemeClr val="tx1"/>
+                </a:solidFill>
+              </a:rPr>
+              <a:t>Boolean</a:t>
+            </a:r>
+            <a:r>
+              <a:rPr lang="zh-CN" altLang="en-US" sz="3200" dirty="0">
+                <a:solidFill>
+                  <a:schemeClr val="tx1"/>
+                </a:solidFill>
+              </a:rPr>
+              <a:t>函数的使用</a:t>
+            </a:r>
+            <a:br>
+              <a:rPr lang="zh-CN" altLang="en-US" sz="3200" dirty="0">
+                <a:solidFill>
+                  <a:schemeClr val="tx1"/>
+                </a:solidFill>
+              </a:rPr>
+            </a:br>
+            <a:r>
+              <a:rPr lang="en-US" altLang="zh-CN" sz="2400" dirty="0">
+                <a:solidFill>
+                  <a:schemeClr val="tx1"/>
+                </a:solidFill>
+              </a:rPr>
+              <a:t>- </a:t>
+            </a:r>
+            <a:r>
+              <a:rPr lang="zh-CN" altLang="en-US" sz="2400" dirty="0">
+                <a:solidFill>
+                  <a:schemeClr val="tx1"/>
+                </a:solidFill>
+              </a:rPr>
+              <a:t>类型转换、实例化布尔对象（原始值的包装对象）</a:t>
+            </a:r>
+            <a:endParaRPr lang="zh-CN" altLang="en-US" sz="2400" dirty="0">
+              <a:solidFill>
+                <a:schemeClr val="tx1"/>
+              </a:solidFill>
+              <a:sym typeface="+mn-ea"/>
+            </a:endParaRPr>
+          </a:p>
+          <a:p>
+            <a:pPr>
+              <a:lnSpc>
+                <a:spcPct val="150000"/>
+              </a:lnSpc>
+            </a:pPr>
+            <a:endParaRPr lang="zh-CN" altLang="en-US" sz="3200" dirty="0">
+              <a:solidFill>
+                <a:srgbClr val="FF0000"/>
+              </a:solidFill>
+              <a:sym typeface="+mn-ea"/>
+            </a:endParaRPr>
+          </a:p>
+          <a:p>
+            <a:pPr marL="168275" lvl="1" indent="0">
+              <a:lnSpc>
+                <a:spcPct val="150000"/>
+              </a:lnSpc>
+              <a:buNone/>
+            </a:pPr>
+            <a:endParaRPr lang="zh-CN" altLang="en-US" sz="2200" dirty="0">
+              <a:sym typeface="+mn-ea"/>
+            </a:endParaRPr>
+          </a:p>
+          <a:p>
+            <a:pPr marL="168275" lvl="1" indent="0">
+              <a:lnSpc>
+                <a:spcPct val="150000"/>
+              </a:lnSpc>
+              <a:buNone/>
+            </a:pPr>
+            <a:endParaRPr lang="en-US" altLang="zh-CN" sz="3200" dirty="0">
+              <a:solidFill>
+                <a:srgbClr val="006F53"/>
+              </a:solidFill>
+              <a:cs typeface="+mn-cs"/>
+            </a:endParaRPr>
+          </a:p>
+        </p:txBody>
+      </p:sp>
+      <p:sp>
+        <p:nvSpPr>
+          <p:cNvPr id="3" name="内容占位符 2"/>
+          <p:cNvSpPr>
+            <a:spLocks noGrp="1"/>
+          </p:cNvSpPr>
+          <p:nvPr>
+            <p:ph sz="quarter" idx="11"/>
+          </p:nvPr>
+        </p:nvSpPr>
+        <p:spPr>
+          <a:xfrm>
+            <a:off x="947204" y="236943"/>
+            <a:ext cx="8191557" cy="490476"/>
+          </a:xfrm>
+        </p:spPr>
+        <p:txBody>
+          <a:bodyPr/>
+          <a:lstStyle/>
+          <a:p>
+            <a:r>
+              <a:rPr lang="en-US" altLang="zh-CN" dirty="0" smtClean="0"/>
+              <a:t>Boolean</a:t>
+            </a:r>
+            <a:r>
+              <a:rPr lang="zh-CN" altLang="en-US" dirty="0" smtClean="0"/>
+              <a:t>进阶</a:t>
+            </a:r>
+            <a:endParaRPr lang="zh-CN" altLang="en-US" dirty="0" smtClean="0"/>
+          </a:p>
+        </p:txBody>
+      </p:sp>
       <p:pic>
         <p:nvPicPr>
-          <p:cNvPr id="49154" name="Picture 5"/>
+          <p:cNvPr id="7" name="图片 6"/>
+          <p:cNvPicPr>
+            <a:picLocks noChangeAspect="1"/>
+          </p:cNvPicPr>
+          <p:nvPr/>
+        </p:nvPicPr>
+        <p:blipFill>
+          <a:blip r:embed="rId1"/>
+          <a:stretch>
+            <a:fillRect/>
+          </a:stretch>
+        </p:blipFill>
+        <p:spPr>
+          <a:xfrm>
+            <a:off x="1334770" y="1608455"/>
+            <a:ext cx="4482465" cy="3179445"/>
+          </a:xfrm>
+          <a:prstGeom prst="rect">
+            <a:avLst/>
+          </a:prstGeom>
+        </p:spPr>
+      </p:pic>
+      <p:sp>
+        <p:nvSpPr>
+          <p:cNvPr id="5" name="文本框 4"/>
+          <p:cNvSpPr txBox="1"/>
+          <p:nvPr/>
+        </p:nvSpPr>
+        <p:spPr>
+          <a:xfrm>
+            <a:off x="8493760" y="5507990"/>
+            <a:ext cx="2788920" cy="768350"/>
+          </a:xfrm>
+          <a:prstGeom prst="rect">
+            <a:avLst/>
+          </a:prstGeom>
+          <a:noFill/>
+        </p:spPr>
+        <p:txBody>
+          <a:bodyPr wrap="square" rtlCol="0">
+            <a:spAutoFit/>
+          </a:bodyPr>
+          <a:lstStyle/>
+          <a:p>
+            <a:pPr algn="l"/>
+            <a:r>
+              <a:rPr lang="zh-CN" altLang="en-US" sz="2200">
+                <a:solidFill>
+                  <a:srgbClr val="FF0000"/>
+                </a:solidFill>
+                <a:sym typeface="+mn-ea"/>
+              </a:rPr>
+              <a:t>其他部分参见《深入理解</a:t>
+            </a:r>
+            <a:r>
+              <a:rPr lang="en-US" altLang="zh-CN" sz="2200">
+                <a:solidFill>
+                  <a:srgbClr val="FF0000"/>
+                </a:solidFill>
+                <a:sym typeface="+mn-ea"/>
+              </a:rPr>
+              <a:t>JS</a:t>
+            </a:r>
+            <a:r>
+              <a:rPr lang="zh-CN" altLang="en-US" sz="2200">
+                <a:solidFill>
+                  <a:srgbClr val="FF0000"/>
+                </a:solidFill>
+                <a:sym typeface="+mn-ea"/>
+              </a:rPr>
+              <a:t>》第</a:t>
+            </a:r>
+            <a:r>
+              <a:rPr lang="en-US" altLang="zh-CN" sz="2200">
+                <a:solidFill>
+                  <a:srgbClr val="FF0000"/>
+                </a:solidFill>
+                <a:sym typeface="+mn-ea"/>
+              </a:rPr>
+              <a:t>10</a:t>
+            </a:r>
+            <a:r>
+              <a:rPr lang="zh-CN" altLang="en-US" sz="2200">
+                <a:solidFill>
+                  <a:srgbClr val="FF0000"/>
+                </a:solidFill>
+                <a:sym typeface="+mn-ea"/>
+              </a:rPr>
+              <a:t>章</a:t>
+            </a:r>
+            <a:endParaRPr lang="en-US" altLang="zh-CN" sz="2200">
+              <a:solidFill>
+                <a:srgbClr val="FF0000"/>
+              </a:solidFill>
+              <a:latin typeface="+mn-ea"/>
+              <a:ea typeface="+mn-ea"/>
+            </a:endParaRPr>
+          </a:p>
+        </p:txBody>
+      </p:sp>
+    </p:spTree>
+  </p:cSld>
+  <p:clrMapOvr>
+    <a:masterClrMapping/>
+  </p:clrMapOvr>
+  <p:timing>
+    <p:tnLst>
+      <p:par>
+        <p:cTn id="1" dur="indefinite" restart="never" nodeType="tmRoot"/>
+      </p:par>
+    </p:tnLst>
+  </p:timing>
+</p:sld>
+</file>
+
+<file path=ppt/slides/slide13.xml><?xml version="1.0" encoding="utf-8"?>
+<p:sld xmlns:a="http://schemas.openxmlformats.org/drawingml/2006/main" xmlns:r="http://schemas.openxmlformats.org/officeDocument/2006/relationships" xmlns:p="http://schemas.openxmlformats.org/presentationml/2006/main">
+  <p:cSld>
+    <p:spTree>
+      <p:nvGrpSpPr>
+        <p:cNvPr id="1" name=""/>
+        <p:cNvGrpSpPr/>
+        <p:nvPr/>
+      </p:nvGrpSpPr>
+      <p:grpSpPr>
+        <a:xfrm>
+          <a:off x="0" y="0"/>
+          <a:ext cx="0" cy="0"/>
+          <a:chOff x="0" y="0"/>
+          <a:chExt cx="0" cy="0"/>
+        </a:xfrm>
+      </p:grpSpPr>
+      <p:pic>
+        <p:nvPicPr>
+          <p:cNvPr id="11266" name="Picture 5"/>
           <p:cNvPicPr>
             <a:picLocks noChangeAspect="1" noChangeArrowheads="1"/>
           </p:cNvPicPr>
           <p:nvPr/>
         </p:nvPicPr>
         <p:blipFill>
-          <a:blip r:embed="rId2">
+          <a:blip r:embed="rId1" cstate="print">
             <a:extLst>
               <a:ext uri="{28A0092B-C50C-407E-A947-70E740481C1C}">
                 <a14:useLocalDpi xmlns:a14="http://schemas.microsoft.com/office/drawing/2010/main" val="0"/>
@@ -3396,55 +4252,90 @@
       </p:pic>
       <p:sp>
         <p:nvSpPr>
-          <p:cNvPr id="49155" name="Rectangle 6"/>
+          <p:cNvPr id="11267" name="Rectangle 6"/>
           <p:cNvSpPr>
             <a:spLocks noGrp="1" noChangeArrowheads="1"/>
           </p:cNvSpPr>
           <p:nvPr>
-            <p:ph type="ctrTitle"/>
+            <p:ph type="ctrTitle" idx="4294967295"/>
           </p:nvPr>
         </p:nvSpPr>
-        <p:spPr>
+        <p:spPr bwMode="auto">
           <a:xfrm>
-            <a:off x="1557339" y="3494088"/>
-            <a:ext cx="7362825" cy="582612"/>
+            <a:off x="2095501" y="3143251"/>
+            <a:ext cx="7362825" cy="1285875"/>
           </a:xfrm>
+          <a:prstGeom prst="rect">
+            <a:avLst/>
+          </a:prstGeom>
+          <a:noFill/>
+          <a:extLst>
+            <a:ext uri="{909E8E84-426E-40DD-AFC4-6F175D3DCCD1}">
+              <a14:hiddenFill xmlns:a14="http://schemas.microsoft.com/office/drawing/2010/main">
+                <a:solidFill>
+                  <a:srgbClr val="FFFFFF"/>
+                </a:solidFill>
+              </a14:hiddenFill>
+            </a:ext>
+            <a:ext uri="{91240B29-F687-4F45-9708-019B960494DF}">
+              <a14:hiddenLine xmlns:a14="http://schemas.microsoft.com/office/drawing/2010/main" w="9525">
+                <a:solidFill>
+                  <a:srgbClr val="000000"/>
+                </a:solidFill>
+                <a:miter lim="800000"/>
+                <a:headEnd/>
+                <a:tailEnd/>
+              </a14:hiddenLine>
+            </a:ext>
+          </a:extLst>
         </p:spPr>
         <p:txBody>
           <a:bodyPr anchor="b"/>
           <a:lstStyle/>
           <a:p>
-            <a:pPr marL="167005" indent="-167005" algn="ctr" defTabSz="0">
-              <a:spcAft>
-                <a:spcPct val="15000"/>
-              </a:spcAft>
-              <a:buClr>
+            <a:pPr algn="ctr" eaLnBrk="1" hangingPunct="1"/>
+            <a:r>
+              <a:rPr lang="en-US" altLang="zh-CN" sz="5400">
+                <a:solidFill>
+                  <a:schemeClr val="tx2"/>
+                </a:solidFill>
+              </a:rPr>
+              <a:t>Thank</a:t>
+            </a:r>
+            <a:r>
+              <a:rPr lang="en-US" altLang="zh-CN" sz="5400">
+                <a:solidFill>
+                  <a:schemeClr val="accent3"/>
+                </a:solidFill>
+              </a:rPr>
+              <a:t> You</a:t>
+            </a:r>
+            <a:r>
+              <a:rPr lang="zh-CN" altLang="en-US" sz="5400">
+                <a:solidFill>
+                  <a:schemeClr val="tx2"/>
+                </a:solidFill>
+              </a:rPr>
+              <a:t>！</a:t>
+            </a:r>
+            <a:endParaRPr lang="zh-CN" altLang="en-US" sz="5400">
+              <a:solidFill>
                 <a:schemeClr val="tx2"/>
-              </a:buClr>
-              <a:buFont typeface="Arial" panose="020B0604020202020204" pitchFamily="34" charset="0"/>
-            </a:pPr>
-            <a:r>
-              <a:rPr kumimoji="0" lang="en-US" altLang="zh-CN" sz="5400" dirty="0" smtClean="0">
-                <a:solidFill>
-                  <a:srgbClr val="C00000"/>
-                </a:solidFill>
-                <a:cs typeface="+mn-cs"/>
-              </a:rPr>
-              <a:t>Thank You！</a:t>
-            </a:r>
+              </a:solidFill>
+            </a:endParaRPr>
           </a:p>
         </p:txBody>
       </p:sp>
       <p:pic>
         <p:nvPicPr>
-          <p:cNvPr id="49156" name="图片 3" descr="软院logo横版.png"/>
+          <p:cNvPr id="11268" name="图片 3" descr="软院logo横版.png"/>
           <p:cNvPicPr>
             <a:picLocks noChangeAspect="1"/>
           </p:cNvPicPr>
           <p:nvPr/>
         </p:nvPicPr>
         <p:blipFill>
-          <a:blip r:embed="rId3">
+          <a:blip r:embed="rId2" cstate="print">
             <a:extLst>
               <a:ext uri="{28A0092B-C50C-407E-A947-70E740481C1C}">
                 <a14:useLocalDpi xmlns:a14="http://schemas.microsoft.com/office/drawing/2010/main" val="0"/>
@@ -3504,7 +4395,7 @@
 </p:sld>
 </file>
 
-<file path=ppt/slides/slide12.xml><?xml version="1.0" encoding="utf-8"?>
+<file path=ppt/slides/slide14.xml><?xml version="1.0" encoding="utf-8"?>
 <p:sld xmlns:a="http://schemas.openxmlformats.org/drawingml/2006/main" xmlns:r="http://schemas.openxmlformats.org/officeDocument/2006/relationships" xmlns:p="http://schemas.openxmlformats.org/presentationml/2006/main">
   <p:cSld>
     <p:spTree>
@@ -3584,6 +4475,12 @@
               </a:rPr>
               <a:t>复习本章课件及练习</a:t>
             </a:r>
+            <a:endParaRPr kumimoji="0" lang="zh-CN" altLang="en-US" sz="3200" dirty="0" smtClean="0">
+              <a:solidFill>
+                <a:schemeClr val="tx1"/>
+              </a:solidFill>
+              <a:sym typeface="+mn-ea"/>
+            </a:endParaRPr>
           </a:p>
           <a:p>
             <a:pPr>
@@ -3715,6 +4612,7 @@
               <a:rPr kumimoji="0" lang="zh-CN" dirty="0"/>
               <a:t>作业</a:t>
             </a:r>
+            <a:endParaRPr kumimoji="0" lang="zh-CN" dirty="0"/>
           </a:p>
         </p:txBody>
       </p:sp>
@@ -3953,6 +4851,7 @@
               <a:rPr lang="zh-CN" dirty="0" smtClean="0"/>
               <a:t>内容刚要</a:t>
             </a:r>
+            <a:endParaRPr lang="zh-CN" dirty="0" smtClean="0"/>
           </a:p>
         </p:txBody>
       </p:sp>
@@ -4102,7 +5001,7 @@
             </a:lvl9pPr>
           </a:lstStyle>
           <a:p>
-            <a:pPr>
+            <a:pPr algn="l">
               <a:lnSpc>
                 <a:spcPct val="150000"/>
               </a:lnSpc>
@@ -4121,14 +5020,20 @@
             <a:r>
               <a:rPr lang="en-US" altLang="zh-CN" sz="2800" b="1">
                 <a:solidFill>
-                  <a:srgbClr val="FF0000"/>
-                </a:solidFill>
-              </a:rPr>
-              <a:t>Boolean</a:t>
-            </a:r>
-          </a:p>
-          <a:p>
-            <a:pPr>
+                  <a:schemeClr val="accent3"/>
+                </a:solidFill>
+                <a:sym typeface="+mn-ea"/>
+              </a:rPr>
+              <a:t>Number</a:t>
+            </a:r>
+            <a:endParaRPr lang="en-US" altLang="zh-CN" sz="2800" b="1">
+              <a:solidFill>
+                <a:schemeClr val="tx1"/>
+              </a:solidFill>
+            </a:endParaRPr>
+          </a:p>
+          <a:p>
+            <a:pPr algn="l">
               <a:lnSpc>
                 <a:spcPct val="150000"/>
               </a:lnSpc>
@@ -4145,12 +5050,19 @@
               <a:buChar char="Ø"/>
             </a:pPr>
             <a:r>
-              <a:rPr lang="en-US" altLang="zh-CN" sz="2800" b="1"/>
-              <a:t>Number</a:t>
-            </a:r>
-          </a:p>
-          <a:p>
-            <a:pPr>
+              <a:rPr lang="en-US" altLang="zh-CN" sz="2800" b="1">
+                <a:sym typeface="+mn-ea"/>
+              </a:rPr>
+              <a:t>String</a:t>
+            </a:r>
+            <a:endParaRPr lang="en-US" altLang="zh-CN" sz="2800" b="1">
+              <a:solidFill>
+                <a:schemeClr val="accent3"/>
+              </a:solidFill>
+            </a:endParaRPr>
+          </a:p>
+          <a:p>
+            <a:pPr algn="l">
               <a:lnSpc>
                 <a:spcPct val="150000"/>
               </a:lnSpc>
@@ -4167,8 +5079,10 @@
               <a:buChar char="Ø"/>
             </a:pPr>
             <a:r>
-              <a:rPr lang="en-US" altLang="zh-CN" sz="2800" b="1"/>
-              <a:t>String</a:t>
+              <a:rPr lang="en-US" altLang="zh-CN" sz="2800" b="1">
+                <a:sym typeface="+mn-ea"/>
+              </a:rPr>
+              <a:t>Boolean</a:t>
             </a:r>
             <a:r>
               <a:rPr lang="zh-CN" altLang="en-US" sz="2800" b="1"/>
@@ -4240,9 +5154,63 @@
                 <a:solidFill>
                   <a:schemeClr val="tx1"/>
                 </a:solidFill>
-              </a:rPr>
-              <a:t>所有对象都是真值</a:t>
-            </a:r>
+                <a:sym typeface="+mn-ea"/>
+              </a:rPr>
+              <a:t>Number</a:t>
+            </a:r>
+            <a:r>
+              <a:rPr lang="zh-CN" altLang="en-US" sz="3200" dirty="0">
+                <a:solidFill>
+                  <a:schemeClr val="tx1"/>
+                </a:solidFill>
+              </a:rPr>
+              <a:t>基本数据类型变量有与其对应的</a:t>
+            </a:r>
+            <a:r>
+              <a:rPr lang="en-US" altLang="zh-CN" sz="3200" dirty="0">
+                <a:solidFill>
+                  <a:schemeClr val="tx1"/>
+                </a:solidFill>
+              </a:rPr>
+              <a:t>Number</a:t>
+            </a:r>
+            <a:r>
+              <a:rPr lang="zh-CN" altLang="en-US" sz="3200" dirty="0">
+                <a:solidFill>
+                  <a:schemeClr val="accent3"/>
+                </a:solidFill>
+              </a:rPr>
+              <a:t>包装对象</a:t>
+            </a:r>
+            <a:r>
+              <a:rPr lang="zh-CN" altLang="en-US" sz="3200" dirty="0">
+                <a:solidFill>
+                  <a:schemeClr val="tx1"/>
+                </a:solidFill>
+              </a:rPr>
+              <a:t>，当访问</a:t>
+            </a:r>
+            <a:r>
+              <a:rPr lang="en-US" altLang="zh-CN" sz="3200" dirty="0">
+                <a:solidFill>
+                  <a:schemeClr val="tx1"/>
+                </a:solidFill>
+              </a:rPr>
+              <a:t>Number</a:t>
+            </a:r>
+            <a:r>
+              <a:rPr lang="zh-CN" altLang="en-US" sz="3200" dirty="0">
+                <a:solidFill>
+                  <a:schemeClr val="tx1"/>
+                </a:solidFill>
+              </a:rPr>
+              <a:t>基本数据类型属性或方法时创建临时包装对象，访问的都是对象中的属性或方法（注：访问对象属性时，首先访问自身属性，访问不到时，则会在原型链上寻找对应的属性和方法）</a:t>
+            </a:r>
+            <a:endParaRPr lang="zh-CN" altLang="en-US" sz="3200" dirty="0">
+              <a:solidFill>
+                <a:schemeClr val="tx1"/>
+              </a:solidFill>
+            </a:endParaRPr>
           </a:p>
           <a:p>
             <a:pPr>
@@ -4250,93 +5218,6 @@
                 <a:spcPct val="150000"/>
               </a:lnSpc>
             </a:pPr>
-            <a:endParaRPr lang="zh-CN" altLang="en-US" sz="2900" dirty="0">
-              <a:solidFill>
-                <a:schemeClr val="tx1"/>
-              </a:solidFill>
-            </a:endParaRPr>
-          </a:p>
-          <a:p>
-            <a:pPr>
-              <a:lnSpc>
-                <a:spcPct val="150000"/>
-              </a:lnSpc>
-            </a:pPr>
-            <a:endParaRPr lang="zh-CN" altLang="en-US" sz="2900" dirty="0">
-              <a:solidFill>
-                <a:schemeClr val="tx1"/>
-              </a:solidFill>
-            </a:endParaRPr>
-          </a:p>
-          <a:p>
-            <a:pPr>
-              <a:lnSpc>
-                <a:spcPct val="150000"/>
-              </a:lnSpc>
-            </a:pPr>
-            <a:endParaRPr lang="zh-CN" altLang="en-US" sz="2900" dirty="0">
-              <a:solidFill>
-                <a:schemeClr val="tx1"/>
-              </a:solidFill>
-            </a:endParaRPr>
-          </a:p>
-          <a:p>
-            <a:pPr>
-              <a:lnSpc>
-                <a:spcPct val="150000"/>
-              </a:lnSpc>
-            </a:pPr>
-            <a:endParaRPr lang="zh-CN" altLang="en-US" sz="2900" dirty="0">
-              <a:solidFill>
-                <a:schemeClr val="tx1"/>
-              </a:solidFill>
-            </a:endParaRPr>
-          </a:p>
-          <a:p>
-            <a:pPr>
-              <a:lnSpc>
-                <a:spcPct val="150000"/>
-              </a:lnSpc>
-            </a:pPr>
-            <a:r>
-              <a:rPr lang="en-US" altLang="zh-CN" sz="3200" dirty="0">
-                <a:solidFill>
-                  <a:schemeClr val="tx1"/>
-                </a:solidFill>
-              </a:rPr>
-              <a:t>Boolean</a:t>
-            </a:r>
-            <a:r>
-              <a:rPr lang="zh-CN" altLang="en-US" sz="3200" dirty="0">
-                <a:solidFill>
-                  <a:schemeClr val="tx1"/>
-                </a:solidFill>
-              </a:rPr>
-              <a:t>函数的使用</a:t>
-            </a:r>
-            <a:br>
-              <a:rPr lang="zh-CN" altLang="en-US" sz="3200" dirty="0">
-                <a:solidFill>
-                  <a:schemeClr val="tx1"/>
-                </a:solidFill>
-              </a:rPr>
-            </a:br>
-            <a:r>
-              <a:rPr lang="en-US" altLang="zh-CN" sz="2400" dirty="0">
-                <a:solidFill>
-                  <a:schemeClr val="tx1"/>
-                </a:solidFill>
-              </a:rPr>
-              <a:t>- </a:t>
-            </a:r>
-            <a:r>
-              <a:rPr lang="zh-CN" altLang="en-US" sz="2400" dirty="0">
-                <a:solidFill>
-                  <a:schemeClr val="tx1"/>
-                </a:solidFill>
-              </a:rPr>
-              <a:t>类型转换、实例化布尔对象（原始值的包装对象）</a:t>
-            </a:r>
             <a:endParaRPr lang="zh-CN" altLang="en-US" sz="2400" dirty="0">
               <a:solidFill>
                 <a:schemeClr val="tx1"/>
@@ -4349,31 +5230,6 @@
               <a:lnSpc>
                 <a:spcPct val="150000"/>
               </a:lnSpc>
-            </a:pPr>
-            <a:endParaRPr lang="zh-CN" altLang="en-US" sz="3200" dirty="0">
-              <a:solidFill>
-                <a:srgbClr val="FF0000"/>
-              </a:solidFill>
-              <a:sym typeface="+mn-ea"/>
-            </a:endParaRPr>
-          </a:p>
-          <a:p>
-            <a:pPr marL="168275" lvl="1" indent="0">
-              <a:lnSpc>
-                <a:spcPct val="150000"/>
-              </a:lnSpc>
-              <a:buNone/>
-            </a:pPr>
-            <a:endParaRPr lang="zh-CN" altLang="en-US" sz="2200" dirty="0">
-              <a:sym typeface="+mn-ea"/>
-            </a:endParaRPr>
-          </a:p>
-          <a:p>
-            <a:pPr marL="168275" lvl="1" indent="0">
-              <a:lnSpc>
-                <a:spcPct val="150000"/>
-              </a:lnSpc>
-              <a:buNone/>
             </a:pPr>
             <a:endParaRPr lang="en-US" altLang="zh-CN" sz="3200" dirty="0">
               <a:solidFill>
@@ -4405,40 +5261,387 @@
           <a:lstStyle/>
           <a:p>
             <a:r>
-              <a:rPr lang="en-US" altLang="zh-CN" dirty="0" smtClean="0"/>
-              <a:t>Boolean</a:t>
+              <a:rPr lang="en-US" altLang="zh-CN" dirty="0" smtClean="0">
+                <a:sym typeface="+mn-ea"/>
+              </a:rPr>
+              <a:t>Number</a:t>
             </a:r>
             <a:r>
               <a:rPr lang="zh-CN" altLang="en-US" dirty="0" smtClean="0"/>
               <a:t>进阶</a:t>
             </a:r>
+            <a:endParaRPr lang="zh-CN" altLang="en-US" dirty="0" smtClean="0"/>
           </a:p>
         </p:txBody>
       </p:sp>
       <p:pic>
         <p:nvPicPr>
-          <p:cNvPr id="7" name="图片 6"/>
+          <p:cNvPr id="4" name="图片 3" descr="0R1C98TO05D@QIZNB9~[M@Y"/>
           <p:cNvPicPr>
             <a:picLocks noChangeAspect="1"/>
           </p:cNvPicPr>
           <p:nvPr/>
         </p:nvPicPr>
         <p:blipFill>
-          <a:blip r:embed="rId3"/>
+          <a:blip r:embed="rId1"/>
           <a:stretch>
             <a:fillRect/>
           </a:stretch>
         </p:blipFill>
         <p:spPr>
           <a:xfrm>
-            <a:off x="1334770" y="1608455"/>
-            <a:ext cx="4482465" cy="3179445"/>
+            <a:off x="1418590" y="4752975"/>
+            <a:ext cx="4931410" cy="1038225"/>
           </a:xfrm>
           <a:prstGeom prst="rect">
             <a:avLst/>
           </a:prstGeom>
         </p:spPr>
       </p:pic>
+    </p:spTree>
+  </p:cSld>
+  <p:clrMapOvr>
+    <a:masterClrMapping/>
+  </p:clrMapOvr>
+  <p:timing>
+    <p:tnLst>
+      <p:par>
+        <p:cTn id="1" dur="indefinite" restart="never" nodeType="tmRoot"/>
+      </p:par>
+    </p:tnLst>
+  </p:timing>
+</p:sld>
+</file>
+
+<file path=ppt/slides/slide4.xml><?xml version="1.0" encoding="utf-8"?>
+<p:sld xmlns:a="http://schemas.openxmlformats.org/drawingml/2006/main" xmlns:r="http://schemas.openxmlformats.org/officeDocument/2006/relationships" xmlns:p="http://schemas.openxmlformats.org/presentationml/2006/main">
+  <p:cSld>
+    <p:spTree>
+      <p:nvGrpSpPr>
+        <p:cNvPr id="1" name=""/>
+        <p:cNvGrpSpPr/>
+        <p:nvPr/>
+      </p:nvGrpSpPr>
+      <p:grpSpPr>
+        <a:xfrm>
+          <a:off x="0" y="0"/>
+          <a:ext cx="0" cy="0"/>
+          <a:chOff x="0" y="0"/>
+          <a:chExt cx="0" cy="0"/>
+        </a:xfrm>
+      </p:grpSpPr>
+      <p:sp>
+        <p:nvSpPr>
+          <p:cNvPr id="2" name="内容占位符 1"/>
+          <p:cNvSpPr>
+            <a:spLocks noGrp="1"/>
+          </p:cNvSpPr>
+          <p:nvPr>
+            <p:ph sz="quarter" idx="10"/>
+          </p:nvPr>
+        </p:nvSpPr>
+        <p:spPr>
+          <a:xfrm>
+            <a:off x="1143000" y="783590"/>
+            <a:ext cx="10044430" cy="5253990"/>
+          </a:xfrm>
+        </p:spPr>
+        <p:txBody>
+          <a:bodyPr/>
+          <a:lstStyle/>
+          <a:p>
+            <a:pPr>
+              <a:lnSpc>
+                <a:spcPct val="150000"/>
+              </a:lnSpc>
+            </a:pPr>
+            <a:r>
+              <a:rPr lang="en-US" altLang="zh-CN" sz="3200" dirty="0">
+                <a:solidFill>
+                  <a:schemeClr val="tx1"/>
+                </a:solidFill>
+                <a:sym typeface="+mn-ea"/>
+              </a:rPr>
+              <a:t>Number</a:t>
+            </a:r>
+            <a:r>
+              <a:rPr lang="zh-CN" altLang="en-US" sz="3200" dirty="0">
+                <a:solidFill>
+                  <a:schemeClr val="tx1"/>
+                </a:solidFill>
+                <a:sym typeface="+mn-ea"/>
+              </a:rPr>
+              <a:t>原型方法</a:t>
+            </a:r>
+            <a:r>
+              <a:rPr lang="en-US" altLang="zh-CN" sz="3200" dirty="0">
+                <a:solidFill>
+                  <a:schemeClr val="tx1"/>
+                </a:solidFill>
+                <a:sym typeface="+mn-ea"/>
+              </a:rPr>
+              <a:t>(Number</a:t>
+            </a:r>
+            <a:r>
+              <a:rPr lang="zh-CN" altLang="en-US" sz="3200" dirty="0">
+                <a:solidFill>
+                  <a:schemeClr val="tx1"/>
+                </a:solidFill>
+                <a:sym typeface="+mn-ea"/>
+              </a:rPr>
+              <a:t>对象继承的方法）</a:t>
+            </a:r>
+            <a:br>
+              <a:rPr lang="zh-CN" altLang="en-US" sz="3200" dirty="0">
+                <a:solidFill>
+                  <a:schemeClr val="tx1"/>
+                </a:solidFill>
+                <a:sym typeface="+mn-ea"/>
+              </a:rPr>
+            </a:br>
+            <a:r>
+              <a:rPr lang="en-US" altLang="zh-CN" sz="2200" dirty="0">
+                <a:solidFill>
+                  <a:schemeClr val="tx1"/>
+                </a:solidFill>
+                <a:sym typeface="+mn-ea"/>
+              </a:rPr>
+              <a:t>- Number.prototype.toFixed(...)</a:t>
+            </a:r>
+            <a:r>
+              <a:rPr lang="zh-CN" altLang="en-US" sz="2200" dirty="0">
+                <a:solidFill>
+                  <a:schemeClr val="tx1"/>
+                </a:solidFill>
+                <a:sym typeface="+mn-ea"/>
+              </a:rPr>
+              <a:t>、</a:t>
+            </a:r>
+            <a:r>
+              <a:rPr lang="en-US" altLang="zh-CN" sz="2200" dirty="0">
+                <a:solidFill>
+                  <a:schemeClr val="tx1"/>
+                </a:solidFill>
+                <a:sym typeface="+mn-ea"/>
+              </a:rPr>
+              <a:t>Number.prototype.toPrecision(...)</a:t>
+            </a:r>
+            <a:br>
+              <a:rPr lang="en-US" altLang="zh-CN" sz="2200" dirty="0">
+                <a:solidFill>
+                  <a:schemeClr val="tx1"/>
+                </a:solidFill>
+                <a:sym typeface="+mn-ea"/>
+              </a:rPr>
+            </a:br>
+            <a:r>
+              <a:rPr lang="en-US" altLang="zh-CN" sz="2200" dirty="0">
+                <a:solidFill>
+                  <a:schemeClr val="tx1"/>
+                </a:solidFill>
+                <a:sym typeface="+mn-ea"/>
+              </a:rPr>
+              <a:t>- Number.prototype.toString(...)</a:t>
+            </a:r>
+            <a:r>
+              <a:rPr lang="zh-CN" altLang="en-US" sz="2200" dirty="0">
+                <a:solidFill>
+                  <a:schemeClr val="tx1"/>
+                </a:solidFill>
+                <a:sym typeface="+mn-ea"/>
+              </a:rPr>
+              <a:t>、</a:t>
+            </a:r>
+            <a:r>
+              <a:rPr lang="en-US" altLang="zh-CN" sz="2200" dirty="0">
+                <a:solidFill>
+                  <a:schemeClr val="tx1"/>
+                </a:solidFill>
+                <a:sym typeface="+mn-ea"/>
+              </a:rPr>
+              <a:t>Number.prototype.toExponential(...)</a:t>
+            </a:r>
+            <a:endParaRPr lang="zh-CN" altLang="en-US" sz="2200" dirty="0">
+              <a:solidFill>
+                <a:schemeClr val="tx1"/>
+              </a:solidFill>
+              <a:sym typeface="+mn-ea"/>
+            </a:endParaRPr>
+          </a:p>
+          <a:p>
+            <a:pPr>
+              <a:lnSpc>
+                <a:spcPct val="150000"/>
+              </a:lnSpc>
+            </a:pPr>
+            <a:r>
+              <a:rPr lang="en-US" altLang="zh-CN" sz="3200" dirty="0">
+                <a:solidFill>
+                  <a:schemeClr val="tx1"/>
+                </a:solidFill>
+                <a:sym typeface="+mn-ea"/>
+              </a:rPr>
+              <a:t>Number</a:t>
+            </a:r>
+            <a:r>
+              <a:rPr lang="zh-CN" altLang="en-US" sz="3200" dirty="0">
+                <a:solidFill>
+                  <a:schemeClr val="tx1"/>
+                </a:solidFill>
+                <a:sym typeface="+mn-ea"/>
+              </a:rPr>
+              <a:t>构造器属性（静态属性）</a:t>
+            </a:r>
+            <a:br>
+              <a:rPr lang="zh-CN" altLang="en-US" sz="3200" dirty="0">
+                <a:solidFill>
+                  <a:schemeClr val="tx1"/>
+                </a:solidFill>
+                <a:sym typeface="+mn-ea"/>
+              </a:rPr>
+            </a:br>
+            <a:r>
+              <a:rPr lang="en-US" altLang="zh-CN" sz="2000" dirty="0">
+                <a:solidFill>
+                  <a:schemeClr val="tx1"/>
+                </a:solidFill>
+                <a:sym typeface="+mn-ea"/>
+              </a:rPr>
+              <a:t>- Number.MAX_VALUE、Number.MIN_VALUE</a:t>
+            </a:r>
+            <a:br>
+              <a:rPr lang="en-US" altLang="zh-CN" sz="2000" dirty="0">
+                <a:solidFill>
+                  <a:schemeClr val="tx1"/>
+                </a:solidFill>
+                <a:sym typeface="+mn-ea"/>
+              </a:rPr>
+            </a:br>
+            <a:r>
+              <a:rPr lang="en-US" altLang="zh-CN" sz="2000" dirty="0">
+                <a:solidFill>
+                  <a:schemeClr val="tx1"/>
+                </a:solidFill>
+                <a:sym typeface="+mn-ea"/>
+              </a:rPr>
+              <a:t>- Number.NaN、Number.NEGATIVE_INFINITY、Number.POSITIVE_INFINITY</a:t>
+            </a:r>
+            <a:endParaRPr lang="en-US" altLang="zh-CN" sz="2000" dirty="0">
+              <a:solidFill>
+                <a:schemeClr val="tx1"/>
+              </a:solidFill>
+              <a:sym typeface="+mn-ea"/>
+            </a:endParaRPr>
+          </a:p>
+          <a:p>
+            <a:pPr>
+              <a:lnSpc>
+                <a:spcPct val="150000"/>
+              </a:lnSpc>
+            </a:pPr>
+            <a:r>
+              <a:rPr lang="en-US" altLang="zh-CN" sz="3200" dirty="0">
+                <a:solidFill>
+                  <a:schemeClr val="tx1"/>
+                </a:solidFill>
+                <a:sym typeface="+mn-ea"/>
+              </a:rPr>
+              <a:t>Number</a:t>
+            </a:r>
+            <a:r>
+              <a:rPr lang="zh-CN" altLang="en-US" sz="3200" dirty="0">
+                <a:solidFill>
+                  <a:schemeClr val="tx1"/>
+                </a:solidFill>
+                <a:sym typeface="+mn-ea"/>
+              </a:rPr>
+              <a:t>函数的使用</a:t>
+            </a:r>
+            <a:br>
+              <a:rPr lang="zh-CN" altLang="en-US" sz="3200" dirty="0">
+                <a:solidFill>
+                  <a:schemeClr val="tx1"/>
+                </a:solidFill>
+                <a:sym typeface="+mn-ea"/>
+              </a:rPr>
+            </a:br>
+            <a:r>
+              <a:rPr lang="en-US" altLang="zh-CN" sz="2400" dirty="0">
+                <a:solidFill>
+                  <a:schemeClr val="tx1"/>
+                </a:solidFill>
+                <a:sym typeface="+mn-ea"/>
+              </a:rPr>
+              <a:t>- </a:t>
+            </a:r>
+            <a:r>
+              <a:rPr lang="zh-CN" altLang="en-US" sz="2400" dirty="0">
+                <a:solidFill>
+                  <a:schemeClr val="tx1"/>
+                </a:solidFill>
+                <a:sym typeface="+mn-ea"/>
+              </a:rPr>
+              <a:t>类型转换、实例化</a:t>
+            </a:r>
+            <a:r>
+              <a:rPr lang="en-US" altLang="zh-CN" sz="2400" dirty="0">
+                <a:solidFill>
+                  <a:schemeClr val="tx1"/>
+                </a:solidFill>
+                <a:sym typeface="+mn-ea"/>
+              </a:rPr>
+              <a:t>Number</a:t>
+            </a:r>
+            <a:r>
+              <a:rPr lang="zh-CN" altLang="en-US" sz="2400" dirty="0">
+                <a:solidFill>
+                  <a:schemeClr val="tx1"/>
+                </a:solidFill>
+                <a:sym typeface="+mn-ea"/>
+              </a:rPr>
+              <a:t>对象（原始值的包装对象）</a:t>
+            </a:r>
+            <a:endParaRPr lang="en-US" altLang="zh-CN" sz="3200" dirty="0">
+              <a:solidFill>
+                <a:srgbClr val="006F53"/>
+              </a:solidFill>
+              <a:cs typeface="+mn-cs"/>
+            </a:endParaRPr>
+          </a:p>
+        </p:txBody>
+      </p:sp>
+      <p:sp>
+        <p:nvSpPr>
+          <p:cNvPr id="3" name="内容占位符 2"/>
+          <p:cNvSpPr>
+            <a:spLocks noGrp="1"/>
+          </p:cNvSpPr>
+          <p:nvPr>
+            <p:ph sz="quarter" idx="11"/>
+          </p:nvPr>
+        </p:nvSpPr>
+        <p:spPr>
+          <a:xfrm>
+            <a:off x="947204" y="236943"/>
+            <a:ext cx="8191557" cy="490476"/>
+          </a:xfrm>
+        </p:spPr>
+        <p:txBody>
+          <a:bodyPr/>
+          <a:lstStyle/>
+          <a:p>
+            <a:r>
+              <a:rPr lang="en-US" altLang="zh-CN" dirty="0" smtClean="0"/>
+              <a:t>Number</a:t>
+            </a:r>
+            <a:r>
+              <a:rPr lang="zh-CN" altLang="en-US" dirty="0" smtClean="0"/>
+              <a:t>进阶</a:t>
+            </a:r>
+            <a:endParaRPr lang="zh-CN" altLang="en-US" dirty="0" smtClean="0"/>
+          </a:p>
+        </p:txBody>
+      </p:sp>
       <p:sp>
         <p:nvSpPr>
           <p:cNvPr id="5" name="文本框 4"/>
@@ -4447,8 +5650,8 @@
         </p:nvSpPr>
         <p:spPr>
           <a:xfrm>
-            <a:off x="8493760" y="5507990"/>
-            <a:ext cx="2788920" cy="768350"/>
+            <a:off x="8229600" y="2657475"/>
+            <a:ext cx="2469515" cy="429895"/>
           </a:xfrm>
           <a:prstGeom prst="rect">
             <a:avLst/>
@@ -4467,45 +5670,20 @@
                 <a:solidFill>
                   <a:srgbClr val="FF0000"/>
                 </a:solidFill>
-                <a:sym typeface="+mn-ea"/>
-              </a:rPr>
-              <a:t>其他部分参见《深入理解</a:t>
+                <a:latin typeface="+mn-ea"/>
+                <a:ea typeface="+mn-ea"/>
+              </a:rPr>
+              <a:t>参见实例</a:t>
             </a:r>
             <a:r>
               <a:rPr lang="en-US" altLang="zh-CN" sz="2200">
                 <a:solidFill>
                   <a:srgbClr val="FF0000"/>
                 </a:solidFill>
-                <a:sym typeface="+mn-ea"/>
-              </a:rPr>
-              <a:t>JS</a:t>
-            </a:r>
-            <a:r>
-              <a:rPr lang="zh-CN" altLang="en-US" sz="2200">
-                <a:solidFill>
-                  <a:srgbClr val="FF0000"/>
-                </a:solidFill>
-                <a:sym typeface="+mn-ea"/>
-              </a:rPr>
-              <a:t>》第</a:t>
-            </a:r>
-            <a:r>
-              <a:rPr lang="en-US" altLang="zh-CN" sz="2200">
-                <a:solidFill>
-                  <a:srgbClr val="FF0000"/>
-                </a:solidFill>
-                <a:sym typeface="+mn-ea"/>
-              </a:rPr>
-              <a:t>10</a:t>
-            </a:r>
-            <a:r>
-              <a:rPr lang="zh-CN" altLang="en-US" sz="2200">
-                <a:solidFill>
-                  <a:srgbClr val="FF0000"/>
-                </a:solidFill>
-                <a:sym typeface="+mn-ea"/>
-              </a:rPr>
-              <a:t>章</a:t>
+                <a:latin typeface="+mn-ea"/>
+                <a:ea typeface="+mn-ea"/>
+              </a:rPr>
+              <a:t>demo13</a:t>
             </a:r>
             <a:endParaRPr lang="en-US" altLang="zh-CN" sz="2200">
               <a:solidFill>
@@ -4532,7 +5710,7 @@
 </p:sld>
 </file>
 
-<file path=ppt/slides/slide4.xml><?xml version="1.0" encoding="utf-8"?>
+<file path=ppt/slides/slide5.xml><?xml version="1.0" encoding="utf-8"?>
 <p:sld xmlns:a="http://schemas.openxmlformats.org/drawingml/2006/main" xmlns:r="http://schemas.openxmlformats.org/officeDocument/2006/relationships" xmlns:p="http://schemas.openxmlformats.org/presentationml/2006/main">
   <p:cSld>
     <p:spTree>
@@ -4752,6 +5930,7 @@
               <a:rPr lang="zh-CN" dirty="0" smtClean="0"/>
               <a:t>内容刚要</a:t>
             </a:r>
+            <a:endParaRPr lang="zh-CN" dirty="0" smtClean="0"/>
           </a:p>
         </p:txBody>
       </p:sp>
@@ -4901,7 +6080,7 @@
             </a:lvl9pPr>
           </a:lstStyle>
           <a:p>
-            <a:pPr>
+            <a:pPr algn="l">
               <a:lnSpc>
                 <a:spcPct val="150000"/>
               </a:lnSpc>
@@ -4922,12 +6101,19 @@
                 <a:solidFill>
                   <a:schemeClr val="tx1"/>
                 </a:solidFill>
-              </a:rPr>
-              <a:t>Boolean</a:t>
-            </a:r>
-          </a:p>
-          <a:p>
-            <a:pPr>
+                <a:sym typeface="+mn-ea"/>
+              </a:rPr>
+              <a:t>Number</a:t>
+            </a:r>
+            <a:endParaRPr lang="en-US" altLang="zh-CN" sz="2800" b="1">
+              <a:solidFill>
+                <a:schemeClr val="tx1"/>
+              </a:solidFill>
+              <a:sym typeface="+mn-ea"/>
+            </a:endParaRPr>
+          </a:p>
+          <a:p>
+            <a:pPr algn="l">
               <a:lnSpc>
                 <a:spcPct val="150000"/>
               </a:lnSpc>
@@ -4948,12 +6134,19 @@
                 <a:solidFill>
                   <a:schemeClr val="accent3"/>
                 </a:solidFill>
-              </a:rPr>
-              <a:t>Number</a:t>
-            </a:r>
-          </a:p>
-          <a:p>
-            <a:pPr>
+                <a:sym typeface="+mn-ea"/>
+              </a:rPr>
+              <a:t>String</a:t>
+            </a:r>
+            <a:endParaRPr lang="en-US" altLang="zh-CN" sz="2800" b="1">
+              <a:solidFill>
+                <a:schemeClr val="accent3"/>
+              </a:solidFill>
+              <a:sym typeface="+mn-ea"/>
+            </a:endParaRPr>
+          </a:p>
+          <a:p>
+            <a:pPr algn="l">
               <a:lnSpc>
                 <a:spcPct val="150000"/>
               </a:lnSpc>
@@ -4970,576 +6163,16 @@
               <a:buChar char="Ø"/>
             </a:pPr>
             <a:r>
-              <a:rPr lang="en-US" altLang="zh-CN" sz="2800" b="1"/>
-              <a:t>String</a:t>
+              <a:rPr lang="en-US" altLang="zh-CN" sz="2800" b="1">
+                <a:sym typeface="+mn-ea"/>
+              </a:rPr>
+              <a:t>Boolean</a:t>
             </a:r>
             <a:r>
               <a:rPr lang="zh-CN" altLang="en-US" sz="2800" b="1"/>
               <a:t> </a:t>
             </a:r>
             <a:endParaRPr lang="en-US" altLang="zh-CN" sz="2800" b="1"/>
-          </a:p>
-        </p:txBody>
-      </p:sp>
-    </p:spTree>
-  </p:cSld>
-  <p:clrMapOvr>
-    <a:masterClrMapping/>
-  </p:clrMapOvr>
-  <p:timing>
-    <p:tnLst>
-      <p:par>
-        <p:cTn id="1" dur="indefinite" restart="never" nodeType="tmRoot"/>
-      </p:par>
-    </p:tnLst>
-  </p:timing>
-</p:sld>
-</file>
-
-<file path=ppt/slides/slide5.xml><?xml version="1.0" encoding="utf-8"?>
-<p:sld xmlns:a="http://schemas.openxmlformats.org/drawingml/2006/main" xmlns:r="http://schemas.openxmlformats.org/officeDocument/2006/relationships" xmlns:p="http://schemas.openxmlformats.org/presentationml/2006/main">
-  <p:cSld>
-    <p:spTree>
-      <p:nvGrpSpPr>
-        <p:cNvPr id="1" name=""/>
-        <p:cNvGrpSpPr/>
-        <p:nvPr/>
-      </p:nvGrpSpPr>
-      <p:grpSpPr>
-        <a:xfrm>
-          <a:off x="0" y="0"/>
-          <a:ext cx="0" cy="0"/>
-          <a:chOff x="0" y="0"/>
-          <a:chExt cx="0" cy="0"/>
-        </a:xfrm>
-      </p:grpSpPr>
-      <p:sp>
-        <p:nvSpPr>
-          <p:cNvPr id="2" name="内容占位符 1"/>
-          <p:cNvSpPr>
-            <a:spLocks noGrp="1"/>
-          </p:cNvSpPr>
-          <p:nvPr>
-            <p:ph sz="quarter" idx="10"/>
-          </p:nvPr>
-        </p:nvSpPr>
-        <p:spPr>
-          <a:xfrm>
-            <a:off x="1143000" y="783590"/>
-            <a:ext cx="10044430" cy="5253990"/>
-          </a:xfrm>
-        </p:spPr>
-        <p:txBody>
-          <a:bodyPr/>
-          <a:lstStyle/>
-          <a:p>
-            <a:pPr>
-              <a:lnSpc>
-                <a:spcPct val="150000"/>
-              </a:lnSpc>
-            </a:pPr>
-            <a:r>
-              <a:rPr lang="en-US" altLang="zh-CN" sz="3200" dirty="0">
-                <a:solidFill>
-                  <a:schemeClr val="tx1"/>
-                </a:solidFill>
-                <a:sym typeface="+mn-ea"/>
-              </a:rPr>
-              <a:t>Number</a:t>
-            </a:r>
-            <a:r>
-              <a:rPr lang="zh-CN" altLang="en-US" sz="3200" dirty="0">
-                <a:solidFill>
-                  <a:schemeClr val="tx1"/>
-                </a:solidFill>
-                <a:sym typeface="+mn-ea"/>
-              </a:rPr>
-              <a:t>构造器属性（静态属性）</a:t>
-            </a:r>
-            <a:br>
-              <a:rPr lang="zh-CN" altLang="en-US" sz="3200" dirty="0">
-                <a:solidFill>
-                  <a:schemeClr val="tx1"/>
-                </a:solidFill>
-                <a:sym typeface="+mn-ea"/>
-              </a:rPr>
-            </a:br>
-            <a:r>
-              <a:rPr lang="en-US" altLang="zh-CN" sz="2000" dirty="0">
-                <a:solidFill>
-                  <a:schemeClr val="tx1"/>
-                </a:solidFill>
-                <a:sym typeface="+mn-ea"/>
-              </a:rPr>
-              <a:t>- Number.MAX_VALUE</a:t>
-            </a:r>
-            <a:r>
-              <a:rPr lang="zh-CN" altLang="en-US" sz="2000" dirty="0">
-                <a:solidFill>
-                  <a:schemeClr val="tx1"/>
-                </a:solidFill>
-                <a:sym typeface="+mn-ea"/>
-              </a:rPr>
-              <a:t>、</a:t>
-            </a:r>
-            <a:r>
-              <a:rPr lang="en-US" altLang="zh-CN" sz="2000" dirty="0">
-                <a:solidFill>
-                  <a:schemeClr val="tx1"/>
-                </a:solidFill>
-                <a:sym typeface="+mn-ea"/>
-              </a:rPr>
-              <a:t>Number.MIN_VALUE</a:t>
-            </a:r>
-            <a:r>
-              <a:rPr lang="zh-CN" altLang="en-US" sz="2000" dirty="0">
-                <a:solidFill>
-                  <a:schemeClr val="tx1"/>
-                </a:solidFill>
-                <a:sym typeface="+mn-ea"/>
-              </a:rPr>
-              <a:t/>
-            </a:r>
-            <a:br>
-              <a:rPr lang="zh-CN" altLang="en-US" sz="2000" dirty="0">
-                <a:solidFill>
-                  <a:schemeClr val="tx1"/>
-                </a:solidFill>
-                <a:sym typeface="+mn-ea"/>
-              </a:rPr>
-            </a:br>
-            <a:r>
-              <a:rPr lang="en-US" altLang="zh-CN" sz="2000" dirty="0">
-                <a:solidFill>
-                  <a:schemeClr val="tx1"/>
-                </a:solidFill>
-                <a:sym typeface="+mn-ea"/>
-              </a:rPr>
-              <a:t>- Number.NaN</a:t>
-            </a:r>
-            <a:r>
-              <a:rPr lang="zh-CN" altLang="en-US" sz="2000" dirty="0">
-                <a:solidFill>
-                  <a:schemeClr val="tx1"/>
-                </a:solidFill>
-                <a:sym typeface="+mn-ea"/>
-              </a:rPr>
-              <a:t>、</a:t>
-            </a:r>
-            <a:r>
-              <a:rPr lang="en-US" altLang="zh-CN" sz="2000" dirty="0">
-                <a:solidFill>
-                  <a:schemeClr val="tx1"/>
-                </a:solidFill>
-                <a:sym typeface="+mn-ea"/>
-              </a:rPr>
-              <a:t>Number.NEGATIVE_INFINITY</a:t>
-            </a:r>
-            <a:r>
-              <a:rPr lang="zh-CN" altLang="en-US" sz="2000" dirty="0">
-                <a:solidFill>
-                  <a:schemeClr val="tx1"/>
-                </a:solidFill>
-                <a:sym typeface="+mn-ea"/>
-              </a:rPr>
-              <a:t>、</a:t>
-            </a:r>
-            <a:r>
-              <a:rPr lang="en-US" altLang="zh-CN" sz="2000" dirty="0">
-                <a:solidFill>
-                  <a:schemeClr val="tx1"/>
-                </a:solidFill>
-                <a:sym typeface="+mn-ea"/>
-              </a:rPr>
-              <a:t>Number.POSITIVE_INFINITY</a:t>
-            </a:r>
-            <a:endParaRPr lang="zh-CN" altLang="en-US" sz="2000" dirty="0">
-              <a:solidFill>
-                <a:schemeClr val="tx1"/>
-              </a:solidFill>
-              <a:sym typeface="+mn-ea"/>
-            </a:endParaRPr>
-          </a:p>
-          <a:p>
-            <a:pPr>
-              <a:lnSpc>
-                <a:spcPct val="150000"/>
-              </a:lnSpc>
-            </a:pPr>
-            <a:r>
-              <a:rPr lang="en-US" altLang="zh-CN" sz="3200" dirty="0">
-                <a:solidFill>
-                  <a:schemeClr val="tx1"/>
-                </a:solidFill>
-                <a:sym typeface="+mn-ea"/>
-              </a:rPr>
-              <a:t>Number</a:t>
-            </a:r>
-            <a:r>
-              <a:rPr lang="zh-CN" altLang="en-US" sz="3200" dirty="0">
-                <a:solidFill>
-                  <a:schemeClr val="tx1"/>
-                </a:solidFill>
-                <a:sym typeface="+mn-ea"/>
-              </a:rPr>
-              <a:t>原型方法</a:t>
-            </a:r>
-            <a:r>
-              <a:rPr lang="en-US" altLang="zh-CN" sz="3200" dirty="0">
-                <a:solidFill>
-                  <a:schemeClr val="tx1"/>
-                </a:solidFill>
-                <a:sym typeface="+mn-ea"/>
-              </a:rPr>
-              <a:t>(Number</a:t>
-            </a:r>
-            <a:r>
-              <a:rPr lang="zh-CN" altLang="en-US" sz="3200" dirty="0">
-                <a:solidFill>
-                  <a:schemeClr val="tx1"/>
-                </a:solidFill>
-                <a:sym typeface="+mn-ea"/>
-              </a:rPr>
-              <a:t>对象继承的方法）</a:t>
-            </a:r>
-            <a:br>
-              <a:rPr lang="zh-CN" altLang="en-US" sz="3200" dirty="0">
-                <a:solidFill>
-                  <a:schemeClr val="tx1"/>
-                </a:solidFill>
-                <a:sym typeface="+mn-ea"/>
-              </a:rPr>
-            </a:br>
-            <a:r>
-              <a:rPr lang="en-US" altLang="zh-CN" sz="2200" dirty="0">
-                <a:solidFill>
-                  <a:schemeClr val="tx1"/>
-                </a:solidFill>
-                <a:sym typeface="+mn-ea"/>
-              </a:rPr>
-              <a:t>- Number.prototype.toFixed(...)</a:t>
-            </a:r>
-            <a:r>
-              <a:rPr lang="zh-CN" altLang="en-US" sz="2200" dirty="0">
-                <a:solidFill>
-                  <a:schemeClr val="tx1"/>
-                </a:solidFill>
-                <a:sym typeface="+mn-ea"/>
-              </a:rPr>
-              <a:t>、</a:t>
-            </a:r>
-            <a:r>
-              <a:rPr lang="en-US" altLang="zh-CN" sz="2200" dirty="0">
-                <a:solidFill>
-                  <a:schemeClr val="tx1"/>
-                </a:solidFill>
-                <a:sym typeface="+mn-ea"/>
-              </a:rPr>
-              <a:t>Number.prototype.toPrecision(...)</a:t>
-            </a:r>
-            <a:br>
-              <a:rPr lang="en-US" altLang="zh-CN" sz="2200" dirty="0">
-                <a:solidFill>
-                  <a:schemeClr val="tx1"/>
-                </a:solidFill>
-                <a:sym typeface="+mn-ea"/>
-              </a:rPr>
-            </a:br>
-            <a:r>
-              <a:rPr lang="en-US" altLang="zh-CN" sz="2200" dirty="0">
-                <a:solidFill>
-                  <a:schemeClr val="tx1"/>
-                </a:solidFill>
-                <a:sym typeface="+mn-ea"/>
-              </a:rPr>
-              <a:t>- Number.prototype.toString(...)</a:t>
-            </a:r>
-            <a:r>
-              <a:rPr lang="zh-CN" altLang="en-US" sz="2200" dirty="0">
-                <a:solidFill>
-                  <a:schemeClr val="tx1"/>
-                </a:solidFill>
-                <a:sym typeface="+mn-ea"/>
-              </a:rPr>
-              <a:t>、</a:t>
-            </a:r>
-            <a:r>
-              <a:rPr lang="en-US" altLang="zh-CN" sz="2200" dirty="0">
-                <a:solidFill>
-                  <a:schemeClr val="tx1"/>
-                </a:solidFill>
-                <a:sym typeface="+mn-ea"/>
-              </a:rPr>
-              <a:t>Number.prototype.toExponential(...)</a:t>
-            </a:r>
-            <a:endParaRPr lang="zh-CN" altLang="en-US" sz="2200" dirty="0">
-              <a:solidFill>
-                <a:schemeClr val="tx1"/>
-              </a:solidFill>
-              <a:sym typeface="+mn-ea"/>
-            </a:endParaRPr>
-          </a:p>
-          <a:p>
-            <a:pPr>
-              <a:lnSpc>
-                <a:spcPct val="150000"/>
-              </a:lnSpc>
-            </a:pPr>
-            <a:r>
-              <a:rPr lang="en-US" altLang="zh-CN" sz="3200" dirty="0">
-                <a:solidFill>
-                  <a:schemeClr val="tx1"/>
-                </a:solidFill>
-                <a:sym typeface="+mn-ea"/>
-              </a:rPr>
-              <a:t>Number</a:t>
-            </a:r>
-            <a:r>
-              <a:rPr lang="zh-CN" altLang="en-US" sz="3200" dirty="0">
-                <a:solidFill>
-                  <a:schemeClr val="tx1"/>
-                </a:solidFill>
-                <a:sym typeface="+mn-ea"/>
-              </a:rPr>
-              <a:t>函数的使用</a:t>
-            </a:r>
-            <a:br>
-              <a:rPr lang="zh-CN" altLang="en-US" sz="3200" dirty="0">
-                <a:solidFill>
-                  <a:schemeClr val="tx1"/>
-                </a:solidFill>
-                <a:sym typeface="+mn-ea"/>
-              </a:rPr>
-            </a:br>
-            <a:r>
-              <a:rPr lang="en-US" altLang="zh-CN" sz="2400" dirty="0">
-                <a:solidFill>
-                  <a:schemeClr val="tx1"/>
-                </a:solidFill>
-                <a:sym typeface="+mn-ea"/>
-              </a:rPr>
-              <a:t>- </a:t>
-            </a:r>
-            <a:r>
-              <a:rPr lang="zh-CN" altLang="en-US" sz="2400" dirty="0">
-                <a:solidFill>
-                  <a:schemeClr val="tx1"/>
-                </a:solidFill>
-                <a:sym typeface="+mn-ea"/>
-              </a:rPr>
-              <a:t>类型转换、实例化</a:t>
-            </a:r>
-            <a:r>
-              <a:rPr lang="en-US" altLang="zh-CN" sz="2400" dirty="0">
-                <a:solidFill>
-                  <a:schemeClr val="tx1"/>
-                </a:solidFill>
-                <a:sym typeface="+mn-ea"/>
-              </a:rPr>
-              <a:t>Number</a:t>
-            </a:r>
-            <a:r>
-              <a:rPr lang="zh-CN" altLang="en-US" sz="2400" dirty="0">
-                <a:solidFill>
-                  <a:schemeClr val="tx1"/>
-                </a:solidFill>
-                <a:sym typeface="+mn-ea"/>
-              </a:rPr>
-              <a:t>对象（原始值的包装对象）</a:t>
-            </a:r>
-          </a:p>
-          <a:p>
-            <a:pPr>
-              <a:lnSpc>
-                <a:spcPct val="150000"/>
-              </a:lnSpc>
-            </a:pPr>
-            <a:endParaRPr lang="zh-CN" altLang="en-US" sz="3200" dirty="0">
-              <a:solidFill>
-                <a:srgbClr val="FF0000"/>
-              </a:solidFill>
-              <a:sym typeface="+mn-ea"/>
-            </a:endParaRPr>
-          </a:p>
-          <a:p>
-            <a:pPr marL="168275" lvl="1" indent="0">
-              <a:lnSpc>
-                <a:spcPct val="150000"/>
-              </a:lnSpc>
-              <a:buNone/>
-            </a:pPr>
-            <a:endParaRPr lang="zh-CN" altLang="en-US" sz="2200" dirty="0">
-              <a:sym typeface="+mn-ea"/>
-            </a:endParaRPr>
-          </a:p>
-          <a:p>
-            <a:pPr marL="168275" lvl="1" indent="0">
-              <a:lnSpc>
-                <a:spcPct val="150000"/>
-              </a:lnSpc>
-              <a:buNone/>
-            </a:pPr>
-            <a:endParaRPr lang="en-US" altLang="zh-CN" sz="3200" dirty="0">
-              <a:solidFill>
-                <a:srgbClr val="006F53"/>
-              </a:solidFill>
-              <a:cs typeface="+mn-cs"/>
-            </a:endParaRPr>
-          </a:p>
-        </p:txBody>
-      </p:sp>
-      <p:sp>
-        <p:nvSpPr>
-          <p:cNvPr id="3" name="内容占位符 2"/>
-          <p:cNvSpPr>
-            <a:spLocks noGrp="1"/>
-          </p:cNvSpPr>
-          <p:nvPr>
-            <p:ph sz="quarter" idx="11"/>
-          </p:nvPr>
-        </p:nvSpPr>
-        <p:spPr>
-          <a:xfrm>
-            <a:off x="947204" y="236943"/>
-            <a:ext cx="8191557" cy="490476"/>
-          </a:xfrm>
-        </p:spPr>
-        <p:txBody>
-          <a:bodyPr/>
-          <a:lstStyle/>
-          <a:p>
-            <a:r>
-              <a:rPr lang="en-US" altLang="zh-CN" dirty="0" smtClean="0"/>
-              <a:t>Number</a:t>
-            </a:r>
-            <a:r>
-              <a:rPr lang="zh-CN" altLang="en-US" dirty="0" smtClean="0"/>
-              <a:t>进阶</a:t>
-            </a:r>
-          </a:p>
-        </p:txBody>
-      </p:sp>
-      <p:sp>
-        <p:nvSpPr>
-          <p:cNvPr id="5" name="文本框 4"/>
-          <p:cNvSpPr txBox="1"/>
-          <p:nvPr/>
-        </p:nvSpPr>
-        <p:spPr>
-          <a:xfrm>
-            <a:off x="9514840" y="2795270"/>
-            <a:ext cx="2469515" cy="429895"/>
-          </a:xfrm>
-          <a:prstGeom prst="rect">
-            <a:avLst/>
-          </a:prstGeom>
-          <a:noFill/>
-        </p:spPr>
-        <p:txBody>
-          <a:bodyPr wrap="square" rtlCol="0">
-            <a:spAutoFit/>
-          </a:bodyPr>
-          <a:lstStyle/>
-          <a:p>
-            <a:pPr algn="l"/>
-            <a:r>
-              <a:rPr lang="zh-CN" altLang="en-US" sz="2200">
-                <a:solidFill>
-                  <a:srgbClr val="FF0000"/>
-                </a:solidFill>
-                <a:latin typeface="+mn-ea"/>
-                <a:ea typeface="+mn-ea"/>
-              </a:rPr>
-              <a:t>参见实例</a:t>
-            </a:r>
-            <a:r>
-              <a:rPr lang="en-US" altLang="zh-CN" sz="2200">
-                <a:solidFill>
-                  <a:srgbClr val="FF0000"/>
-                </a:solidFill>
-                <a:latin typeface="+mn-ea"/>
-                <a:ea typeface="+mn-ea"/>
-              </a:rPr>
-              <a:t>demo13</a:t>
-            </a:r>
-          </a:p>
-        </p:txBody>
-      </p:sp>
-      <p:sp>
-        <p:nvSpPr>
-          <p:cNvPr id="4" name="文本框 3"/>
-          <p:cNvSpPr txBox="1"/>
-          <p:nvPr/>
-        </p:nvSpPr>
-        <p:spPr>
-          <a:xfrm>
-            <a:off x="8493760" y="5579745"/>
-            <a:ext cx="2788920" cy="768350"/>
-          </a:xfrm>
-          <a:prstGeom prst="rect">
-            <a:avLst/>
-          </a:prstGeom>
-          <a:noFill/>
-        </p:spPr>
-        <p:txBody>
-          <a:bodyPr wrap="square" rtlCol="0">
-            <a:spAutoFit/>
-          </a:bodyPr>
-          <a:lstStyle/>
-          <a:p>
-            <a:pPr algn="l"/>
-            <a:r>
-              <a:rPr lang="zh-CN" altLang="en-US" sz="2200">
-                <a:solidFill>
-                  <a:srgbClr val="FF0000"/>
-                </a:solidFill>
-                <a:sym typeface="+mn-ea"/>
-              </a:rPr>
-              <a:t>其他部分参见《深入理解</a:t>
-            </a:r>
-            <a:r>
-              <a:rPr lang="en-US" altLang="zh-CN" sz="2200">
-                <a:solidFill>
-                  <a:srgbClr val="FF0000"/>
-                </a:solidFill>
-                <a:sym typeface="+mn-ea"/>
-              </a:rPr>
-              <a:t>JS</a:t>
-            </a:r>
-            <a:r>
-              <a:rPr lang="zh-CN" altLang="en-US" sz="2200">
-                <a:solidFill>
-                  <a:srgbClr val="FF0000"/>
-                </a:solidFill>
-                <a:sym typeface="+mn-ea"/>
-              </a:rPr>
-              <a:t>》第</a:t>
-            </a:r>
-            <a:r>
-              <a:rPr lang="en-US" altLang="zh-CN" sz="2200">
-                <a:solidFill>
-                  <a:srgbClr val="FF0000"/>
-                </a:solidFill>
-                <a:sym typeface="+mn-ea"/>
-              </a:rPr>
-              <a:t>11</a:t>
-            </a:r>
-            <a:r>
-              <a:rPr lang="zh-CN" altLang="en-US" sz="2200">
-                <a:solidFill>
-                  <a:srgbClr val="FF0000"/>
-                </a:solidFill>
-                <a:sym typeface="+mn-ea"/>
-              </a:rPr>
-              <a:t>章</a:t>
-            </a:r>
-            <a:endParaRPr lang="en-US" altLang="zh-CN" sz="2200">
-              <a:solidFill>
-                <a:srgbClr val="FF0000"/>
-              </a:solidFill>
-              <a:latin typeface="+mn-ea"/>
-              <a:ea typeface="+mn-ea"/>
-            </a:endParaRPr>
           </a:p>
         </p:txBody>
       </p:sp>
@@ -5577,437 +6210,519 @@
       </p:grpSpPr>
       <p:sp>
         <p:nvSpPr>
+          <p:cNvPr id="2" name="内容占位符 1"/>
+          <p:cNvSpPr>
+            <a:spLocks noGrp="1"/>
+          </p:cNvSpPr>
+          <p:nvPr>
+            <p:ph sz="quarter" idx="10"/>
+          </p:nvPr>
+        </p:nvSpPr>
+        <p:spPr>
+          <a:xfrm>
+            <a:off x="1143000" y="783590"/>
+            <a:ext cx="10044430" cy="5253990"/>
+          </a:xfrm>
+        </p:spPr>
+        <p:txBody>
+          <a:bodyPr/>
+          <a:lstStyle/>
+          <a:p>
+            <a:pPr>
+              <a:lnSpc>
+                <a:spcPct val="150000"/>
+              </a:lnSpc>
+            </a:pPr>
+            <a:r>
+              <a:rPr lang="zh-CN" altLang="en-US" sz="3200" dirty="0">
+                <a:solidFill>
+                  <a:schemeClr val="tx1"/>
+                </a:solidFill>
+              </a:rPr>
+              <a:t>字符串比较</a:t>
+            </a:r>
+            <a:br>
+              <a:rPr lang="zh-CN" altLang="en-US" sz="3200" dirty="0">
+                <a:solidFill>
+                  <a:schemeClr val="tx1"/>
+                </a:solidFill>
+              </a:rPr>
+            </a:br>
+            <a:r>
+              <a:rPr lang="en-US" altLang="zh-CN" sz="2000" dirty="0">
+                <a:solidFill>
+                  <a:schemeClr val="tx1"/>
+                </a:solidFill>
+              </a:rPr>
+              <a:t>-  "B" &gt; "A"</a:t>
+            </a:r>
+            <a:r>
+              <a:rPr lang="zh-CN" altLang="en-US" sz="2000" dirty="0">
+                <a:solidFill>
+                  <a:schemeClr val="tx1"/>
+                </a:solidFill>
+                <a:sym typeface="+mn-ea"/>
+              </a:rPr>
+              <a:t>、</a:t>
+            </a:r>
+            <a:r>
+              <a:rPr sz="2000" dirty="0">
+                <a:solidFill>
+                  <a:schemeClr val="tx1"/>
+                </a:solidFill>
+                <a:sym typeface="+mn-ea"/>
+              </a:rPr>
+              <a:t>"B" &gt; "</a:t>
+            </a:r>
+            <a:r>
+              <a:rPr lang="en-US" sz="2000" dirty="0">
+                <a:solidFill>
+                  <a:schemeClr val="tx1"/>
+                </a:solidFill>
+                <a:sym typeface="+mn-ea"/>
+              </a:rPr>
+              <a:t>a</a:t>
+            </a:r>
+            <a:r>
+              <a:rPr sz="2000" dirty="0">
+                <a:solidFill>
+                  <a:schemeClr val="tx1"/>
+                </a:solidFill>
+                <a:sym typeface="+mn-ea"/>
+              </a:rPr>
+              <a:t>"</a:t>
+            </a:r>
+            <a:br>
+              <a:rPr lang="zh-CN" altLang="en-US" sz="2000" dirty="0">
+                <a:solidFill>
+                  <a:schemeClr val="tx1"/>
+                </a:solidFill>
+                <a:sym typeface="+mn-ea"/>
+              </a:rPr>
+            </a:br>
+            <a:r>
+              <a:rPr lang="en-US" altLang="zh-CN" sz="2000" dirty="0">
+                <a:solidFill>
+                  <a:schemeClr val="tx1"/>
+                </a:solidFill>
+                <a:sym typeface="+mn-ea"/>
+              </a:rPr>
+              <a:t>-  </a:t>
+            </a:r>
+            <a:r>
+              <a:rPr sz="2000" dirty="0">
+                <a:solidFill>
+                  <a:schemeClr val="tx1"/>
+                </a:solidFill>
+                <a:sym typeface="+mn-ea"/>
+              </a:rPr>
+              <a:t>"B".localeCompare("A"); </a:t>
+            </a:r>
+            <a:r>
+              <a:rPr lang="en-US" sz="2000" dirty="0">
+                <a:solidFill>
+                  <a:schemeClr val="tx1"/>
+                </a:solidFill>
+                <a:sym typeface="+mn-ea"/>
+              </a:rPr>
+              <a:t>//</a:t>
+            </a:r>
+            <a:r>
+              <a:rPr lang="zh-CN" altLang="en-US" sz="2000" dirty="0">
+                <a:solidFill>
+                  <a:schemeClr val="tx1"/>
+                </a:solidFill>
+                <a:sym typeface="+mn-ea"/>
+              </a:rPr>
+              <a:t>考虑本地化的字符排序，返回</a:t>
+            </a:r>
+            <a:r>
+              <a:rPr lang="en-US" altLang="zh-CN" sz="2000" dirty="0">
+                <a:solidFill>
+                  <a:schemeClr val="tx1"/>
+                </a:solidFill>
+                <a:sym typeface="+mn-ea"/>
+              </a:rPr>
+              <a:t>0</a:t>
+            </a:r>
+            <a:r>
+              <a:rPr lang="zh-CN" altLang="en-US" sz="2000" dirty="0">
+                <a:solidFill>
+                  <a:schemeClr val="tx1"/>
+                </a:solidFill>
+                <a:sym typeface="+mn-ea"/>
+              </a:rPr>
+              <a:t>或非</a:t>
+            </a:r>
+            <a:r>
+              <a:rPr lang="en-US" altLang="zh-CN" sz="2000" dirty="0">
+                <a:solidFill>
+                  <a:schemeClr val="tx1"/>
+                </a:solidFill>
+                <a:sym typeface="+mn-ea"/>
+              </a:rPr>
+              <a:t>0</a:t>
+            </a:r>
+            <a:endParaRPr lang="zh-CN" altLang="en-US" sz="2000" dirty="0">
+              <a:solidFill>
+                <a:schemeClr val="tx1"/>
+              </a:solidFill>
+              <a:sym typeface="+mn-ea"/>
+            </a:endParaRPr>
+          </a:p>
+          <a:p>
+            <a:pPr>
+              <a:lnSpc>
+                <a:spcPct val="150000"/>
+              </a:lnSpc>
+            </a:pPr>
+            <a:r>
+              <a:rPr lang="zh-CN" altLang="en-US" sz="3200" dirty="0">
+                <a:solidFill>
+                  <a:schemeClr val="tx1"/>
+                </a:solidFill>
+                <a:sym typeface="+mn-ea"/>
+              </a:rPr>
+              <a:t>字符串拼接</a:t>
+            </a:r>
+            <a:br>
+              <a:rPr lang="zh-CN" altLang="en-US" sz="3200" dirty="0">
+                <a:solidFill>
+                  <a:schemeClr val="tx1"/>
+                </a:solidFill>
+                <a:sym typeface="+mn-ea"/>
+              </a:rPr>
+            </a:br>
+            <a:r>
+              <a:rPr lang="en-US" altLang="zh-CN" sz="2000" dirty="0">
+                <a:solidFill>
+                  <a:schemeClr val="tx1"/>
+                </a:solidFill>
+                <a:sym typeface="+mn-ea"/>
+              </a:rPr>
+              <a:t>- </a:t>
+            </a:r>
+            <a:r>
+              <a:rPr lang="zh-CN" altLang="en-US" sz="2000" dirty="0">
+                <a:solidFill>
+                  <a:schemeClr val="tx1"/>
+                </a:solidFill>
+                <a:sym typeface="+mn-ea"/>
+              </a:rPr>
+              <a:t>合并：加号运算符（</a:t>
+            </a:r>
+            <a:r>
+              <a:rPr lang="en-US" altLang="zh-CN" sz="2000" dirty="0">
+                <a:solidFill>
+                  <a:schemeClr val="tx1"/>
+                </a:solidFill>
+                <a:sym typeface="+mn-ea"/>
+              </a:rPr>
+              <a:t>+</a:t>
+            </a:r>
+            <a:r>
+              <a:rPr lang="zh-CN" altLang="en-US" sz="2000" dirty="0">
+                <a:solidFill>
+                  <a:schemeClr val="tx1"/>
+                </a:solidFill>
+                <a:sym typeface="+mn-ea"/>
+              </a:rPr>
+              <a:t>、</a:t>
+            </a:r>
+            <a:r>
+              <a:rPr lang="en-US" altLang="zh-CN" sz="2000" dirty="0">
+                <a:solidFill>
+                  <a:schemeClr val="tx1"/>
+                </a:solidFill>
+                <a:sym typeface="+mn-ea"/>
+              </a:rPr>
+              <a:t>+=</a:t>
+            </a:r>
+            <a:r>
+              <a:rPr lang="zh-CN" altLang="en-US" sz="2000" dirty="0">
+                <a:solidFill>
+                  <a:schemeClr val="tx1"/>
+                </a:solidFill>
+                <a:sym typeface="+mn-ea"/>
+              </a:rPr>
+              <a:t>）</a:t>
+            </a:r>
+            <a:br>
+              <a:rPr lang="zh-CN" altLang="en-US" sz="2000" dirty="0">
+                <a:solidFill>
+                  <a:schemeClr val="tx1"/>
+                </a:solidFill>
+                <a:sym typeface="+mn-ea"/>
+              </a:rPr>
+            </a:br>
+            <a:r>
+              <a:rPr lang="en-US" altLang="zh-CN" sz="2000" dirty="0">
+                <a:solidFill>
+                  <a:schemeClr val="tx1"/>
+                </a:solidFill>
+                <a:sym typeface="+mn-ea"/>
+              </a:rPr>
+              <a:t>- </a:t>
+            </a:r>
+            <a:r>
+              <a:rPr lang="zh-CN" altLang="en-US" sz="2000" dirty="0">
+                <a:solidFill>
+                  <a:schemeClr val="tx1"/>
+                </a:solidFill>
+                <a:sym typeface="+mn-ea"/>
+              </a:rPr>
+              <a:t>合并：拼接字符串数组（通过数组方法</a:t>
+            </a:r>
+            <a:r>
+              <a:rPr lang="en-US" altLang="zh-CN" sz="2000" dirty="0">
+                <a:solidFill>
+                  <a:schemeClr val="tx1"/>
+                </a:solidFill>
+                <a:sym typeface="+mn-ea"/>
+              </a:rPr>
+              <a:t>push</a:t>
+            </a:r>
+            <a:r>
+              <a:rPr lang="zh-CN" altLang="en-US" sz="2000" dirty="0">
+                <a:solidFill>
+                  <a:schemeClr val="tx1"/>
+                </a:solidFill>
+                <a:sym typeface="+mn-ea"/>
+              </a:rPr>
+              <a:t>、</a:t>
+            </a:r>
+            <a:r>
+              <a:rPr lang="en-US" altLang="zh-CN" sz="2000" dirty="0">
+                <a:solidFill>
+                  <a:schemeClr val="tx1"/>
+                </a:solidFill>
+                <a:sym typeface="+mn-ea"/>
+              </a:rPr>
+              <a:t>join</a:t>
+            </a:r>
+            <a:r>
+              <a:rPr lang="zh-CN" altLang="en-US" sz="2000" dirty="0">
+                <a:solidFill>
+                  <a:schemeClr val="tx1"/>
+                </a:solidFill>
+                <a:sym typeface="+mn-ea"/>
+              </a:rPr>
+              <a:t>等）</a:t>
+            </a:r>
+            <a:endParaRPr lang="zh-CN" altLang="en-US" sz="2000" dirty="0">
+              <a:solidFill>
+                <a:schemeClr val="tx1"/>
+              </a:solidFill>
+              <a:sym typeface="+mn-ea"/>
+            </a:endParaRPr>
+          </a:p>
+          <a:p>
+            <a:pPr>
+              <a:lnSpc>
+                <a:spcPct val="150000"/>
+              </a:lnSpc>
+            </a:pPr>
+            <a:r>
+              <a:rPr lang="en-US" altLang="zh-CN" sz="3200" dirty="0">
+                <a:solidFill>
+                  <a:schemeClr val="tx1"/>
+                </a:solidFill>
+                <a:sym typeface="+mn-ea"/>
+              </a:rPr>
+              <a:t>String</a:t>
+            </a:r>
+            <a:r>
+              <a:rPr lang="zh-CN" altLang="en-US" sz="3200" dirty="0">
+                <a:solidFill>
+                  <a:schemeClr val="tx1"/>
+                </a:solidFill>
+                <a:sym typeface="+mn-ea"/>
+              </a:rPr>
+              <a:t>函数的使用</a:t>
+            </a:r>
+            <a:br>
+              <a:rPr lang="zh-CN" altLang="en-US" sz="2000" dirty="0">
+                <a:solidFill>
+                  <a:schemeClr val="tx1"/>
+                </a:solidFill>
+                <a:sym typeface="+mn-ea"/>
+              </a:rPr>
+            </a:br>
+            <a:r>
+              <a:rPr lang="en-US" altLang="zh-CN" sz="2000" dirty="0">
+                <a:solidFill>
+                  <a:schemeClr val="tx1"/>
+                </a:solidFill>
+                <a:sym typeface="+mn-ea"/>
+              </a:rPr>
+              <a:t>- </a:t>
+            </a:r>
+            <a:r>
+              <a:rPr lang="zh-CN" altLang="en-US" sz="2000" dirty="0">
+                <a:solidFill>
+                  <a:schemeClr val="tx1"/>
+                </a:solidFill>
+                <a:sym typeface="+mn-ea"/>
+              </a:rPr>
+              <a:t>类型转换、实例化字符串对象</a:t>
+            </a:r>
+            <a:endParaRPr lang="zh-CN" altLang="en-US" sz="2000" dirty="0">
+              <a:solidFill>
+                <a:schemeClr val="tx1"/>
+              </a:solidFill>
+              <a:sym typeface="+mn-ea"/>
+            </a:endParaRPr>
+          </a:p>
+          <a:p>
+            <a:pPr>
+              <a:lnSpc>
+                <a:spcPct val="150000"/>
+              </a:lnSpc>
+            </a:pPr>
+            <a:endParaRPr lang="en-US" altLang="zh-CN" sz="2000" dirty="0">
+              <a:solidFill>
+                <a:schemeClr val="tx1"/>
+              </a:solidFill>
+            </a:endParaRPr>
+          </a:p>
+          <a:p>
+            <a:pPr marL="0" indent="0">
+              <a:lnSpc>
+                <a:spcPct val="150000"/>
+              </a:lnSpc>
+              <a:buNone/>
+            </a:pPr>
+            <a:endParaRPr lang="zh-CN" altLang="en-US" sz="2000" dirty="0">
+              <a:solidFill>
+                <a:schemeClr val="tx1"/>
+              </a:solidFill>
+              <a:sym typeface="+mn-ea"/>
+            </a:endParaRPr>
+          </a:p>
+          <a:p>
+            <a:pPr>
+              <a:lnSpc>
+                <a:spcPct val="150000"/>
+              </a:lnSpc>
+            </a:pPr>
+            <a:endParaRPr lang="zh-CN" altLang="en-US" sz="3200" dirty="0">
+              <a:solidFill>
+                <a:srgbClr val="FF0000"/>
+              </a:solidFill>
+              <a:sym typeface="+mn-ea"/>
+            </a:endParaRPr>
+          </a:p>
+          <a:p>
+            <a:pPr marL="168275" lvl="1" indent="0">
+              <a:lnSpc>
+                <a:spcPct val="150000"/>
+              </a:lnSpc>
+              <a:buNone/>
+            </a:pPr>
+            <a:endParaRPr lang="zh-CN" altLang="en-US" sz="2200" dirty="0">
+              <a:sym typeface="+mn-ea"/>
+            </a:endParaRPr>
+          </a:p>
+          <a:p>
+            <a:pPr marL="168275" lvl="1" indent="0">
+              <a:lnSpc>
+                <a:spcPct val="150000"/>
+              </a:lnSpc>
+              <a:buNone/>
+            </a:pPr>
+            <a:endParaRPr lang="en-US" altLang="zh-CN" sz="3200" dirty="0">
+              <a:solidFill>
+                <a:srgbClr val="006F53"/>
+              </a:solidFill>
+              <a:cs typeface="+mn-cs"/>
+            </a:endParaRPr>
+          </a:p>
+        </p:txBody>
+      </p:sp>
+      <p:sp>
+        <p:nvSpPr>
           <p:cNvPr id="3" name="内容占位符 2"/>
           <p:cNvSpPr>
             <a:spLocks noGrp="1"/>
           </p:cNvSpPr>
-          <p:nvPr/>
+          <p:nvPr>
+            <p:ph sz="quarter" idx="11"/>
+          </p:nvPr>
         </p:nvSpPr>
         <p:spPr>
           <a:xfrm>
             <a:off x="947204" y="236943"/>
             <a:ext cx="8191557" cy="490476"/>
           </a:xfrm>
-          <a:prstGeom prst="rect">
-            <a:avLst/>
-          </a:prstGeom>
         </p:spPr>
         <p:txBody>
           <a:bodyPr/>
-          <a:lstStyle>
-            <a:lvl1pPr marL="167005" indent="-167005" algn="l" defTabSz="0" rtl="0" eaLnBrk="0" fontAlgn="base" hangingPunct="0">
-              <a:spcBef>
-                <a:spcPct val="0"/>
-              </a:spcBef>
-              <a:spcAft>
-                <a:spcPct val="15000"/>
-              </a:spcAft>
-              <a:buClr>
-                <a:schemeClr val="tx2"/>
-              </a:buClr>
-              <a:buFont typeface="Arial" panose="020B0604020202020204" pitchFamily="34" charset="0"/>
-              <a:buNone/>
-              <a:defRPr sz="3200" b="0">
-                <a:solidFill>
-                  <a:srgbClr val="C00000"/>
-                </a:solidFill>
-                <a:latin typeface="微软雅黑" panose="020B0503020204020204" pitchFamily="34" charset="-122"/>
-                <a:ea typeface="微软雅黑" panose="020B0503020204020204" pitchFamily="34" charset="-122"/>
-                <a:cs typeface="+mn-cs"/>
-              </a:defRPr>
-            </a:lvl1pPr>
-            <a:lvl2pPr marL="398780" indent="-230505" algn="l" defTabSz="0" rtl="0" eaLnBrk="0" fontAlgn="base" hangingPunct="0">
-              <a:spcBef>
-                <a:spcPct val="0"/>
-              </a:spcBef>
-              <a:spcAft>
-                <a:spcPct val="15000"/>
-              </a:spcAft>
-              <a:buClr>
-                <a:schemeClr val="tx2"/>
-              </a:buClr>
-              <a:buFont typeface="Arial" panose="020B0604020202020204" pitchFamily="34" charset="0"/>
-              <a:buChar char="–"/>
-              <a:defRPr sz="2000">
-                <a:solidFill>
-                  <a:schemeClr val="tx1"/>
-                </a:solidFill>
-                <a:latin typeface="微软雅黑" panose="020B0503020204020204" pitchFamily="34" charset="-122"/>
-                <a:ea typeface="微软雅黑" panose="020B0503020204020204" pitchFamily="34" charset="-122"/>
-              </a:defRPr>
-            </a:lvl2pPr>
-            <a:lvl3pPr marL="400050" indent="182880" algn="l" defTabSz="0" rtl="0" eaLnBrk="0" fontAlgn="base" hangingPunct="0">
-              <a:spcBef>
-                <a:spcPct val="0"/>
-              </a:spcBef>
-              <a:spcAft>
-                <a:spcPct val="15000"/>
-              </a:spcAft>
-              <a:buClr>
-                <a:schemeClr val="tx2"/>
-              </a:buClr>
-              <a:buFont typeface="Arial" panose="020B0604020202020204" pitchFamily="34" charset="0"/>
-              <a:buChar char="•"/>
-              <a:defRPr sz="1600">
-                <a:solidFill>
-                  <a:schemeClr val="tx1"/>
-                </a:solidFill>
-                <a:latin typeface="微软雅黑" panose="020B0503020204020204" pitchFamily="34" charset="-122"/>
-                <a:ea typeface="微软雅黑" panose="020B0503020204020204" pitchFamily="34" charset="-122"/>
-              </a:defRPr>
-            </a:lvl3pPr>
-            <a:lvl4pPr marL="825500" indent="-241300" algn="l" defTabSz="0" rtl="0" eaLnBrk="0" fontAlgn="base" hangingPunct="0">
-              <a:spcBef>
-                <a:spcPct val="0"/>
-              </a:spcBef>
-              <a:spcAft>
-                <a:spcPct val="15000"/>
-              </a:spcAft>
-              <a:buClr>
-                <a:schemeClr val="tx2"/>
-              </a:buClr>
-              <a:buFont typeface="Arial" panose="020B0604020202020204" pitchFamily="34" charset="0"/>
-              <a:buChar char="–"/>
-              <a:defRPr sz="1600">
-                <a:solidFill>
-                  <a:schemeClr val="tx1"/>
-                </a:solidFill>
-                <a:latin typeface="微软雅黑" panose="020B0503020204020204" pitchFamily="34" charset="-122"/>
-                <a:ea typeface="微软雅黑" panose="020B0503020204020204" pitchFamily="34" charset="-122"/>
-              </a:defRPr>
-            </a:lvl4pPr>
-            <a:lvl5pPr marL="2057400" indent="-228600" algn="l" defTabSz="0" rtl="0" eaLnBrk="0" fontAlgn="base" hangingPunct="0">
-              <a:spcBef>
-                <a:spcPct val="0"/>
-              </a:spcBef>
-              <a:spcAft>
-                <a:spcPct val="25000"/>
-              </a:spcAft>
-              <a:buClr>
-                <a:schemeClr val="tx2"/>
-              </a:buClr>
-              <a:buFont typeface="Arial" panose="020B0604020202020204" pitchFamily="34" charset="0"/>
-              <a:buChar char="–"/>
-              <a:defRPr sz="2000">
-                <a:solidFill>
-                  <a:schemeClr val="tx1"/>
-                </a:solidFill>
-                <a:latin typeface="+mn-lt"/>
-                <a:ea typeface="微软雅黑" panose="020B0503020204020204" pitchFamily="34" charset="-122"/>
-              </a:defRPr>
-            </a:lvl5pPr>
-            <a:lvl6pPr marL="2514600" indent="-228600" algn="l" defTabSz="0" rtl="0" eaLnBrk="0" fontAlgn="base" hangingPunct="0">
-              <a:spcBef>
-                <a:spcPct val="0"/>
-              </a:spcBef>
-              <a:spcAft>
-                <a:spcPct val="25000"/>
-              </a:spcAft>
-              <a:buClr>
-                <a:schemeClr val="tx2"/>
-              </a:buClr>
-              <a:buFont typeface="Arial" panose="020B0604020202020204" pitchFamily="34" charset="0"/>
-              <a:buChar char="–"/>
-              <a:defRPr>
-                <a:solidFill>
-                  <a:schemeClr val="tx1"/>
-                </a:solidFill>
-                <a:latin typeface="+mn-lt"/>
-              </a:defRPr>
-            </a:lvl6pPr>
-            <a:lvl7pPr marL="2971800" indent="-228600" algn="l" defTabSz="0" rtl="0" eaLnBrk="0" fontAlgn="base" hangingPunct="0">
-              <a:spcBef>
-                <a:spcPct val="0"/>
-              </a:spcBef>
-              <a:spcAft>
-                <a:spcPct val="25000"/>
-              </a:spcAft>
-              <a:buClr>
-                <a:schemeClr val="tx2"/>
-              </a:buClr>
-              <a:buFont typeface="Arial" panose="020B0604020202020204" pitchFamily="34" charset="0"/>
-              <a:buChar char="–"/>
-              <a:defRPr>
-                <a:solidFill>
-                  <a:schemeClr val="tx1"/>
-                </a:solidFill>
-                <a:latin typeface="+mn-lt"/>
-              </a:defRPr>
-            </a:lvl7pPr>
-            <a:lvl8pPr marL="3429000" indent="-228600" algn="l" defTabSz="0" rtl="0" eaLnBrk="0" fontAlgn="base" hangingPunct="0">
-              <a:spcBef>
-                <a:spcPct val="0"/>
-              </a:spcBef>
-              <a:spcAft>
-                <a:spcPct val="25000"/>
-              </a:spcAft>
-              <a:buClr>
-                <a:schemeClr val="tx2"/>
-              </a:buClr>
-              <a:buFont typeface="Arial" panose="020B0604020202020204" pitchFamily="34" charset="0"/>
-              <a:buChar char="–"/>
-              <a:defRPr>
-                <a:solidFill>
-                  <a:schemeClr val="tx1"/>
-                </a:solidFill>
-                <a:latin typeface="+mn-lt"/>
-              </a:defRPr>
-            </a:lvl8pPr>
-            <a:lvl9pPr marL="3886200" indent="-228600" algn="l" defTabSz="0" rtl="0" eaLnBrk="0" fontAlgn="base" hangingPunct="0">
-              <a:spcBef>
-                <a:spcPct val="0"/>
-              </a:spcBef>
-              <a:spcAft>
-                <a:spcPct val="25000"/>
-              </a:spcAft>
-              <a:buClr>
-                <a:schemeClr val="tx2"/>
-              </a:buClr>
-              <a:buFont typeface="Arial" panose="020B0604020202020204" pitchFamily="34" charset="0"/>
-              <a:buChar char="–"/>
-              <a:defRPr>
-                <a:solidFill>
-                  <a:schemeClr val="tx1"/>
-                </a:solidFill>
-                <a:latin typeface="+mn-lt"/>
-              </a:defRPr>
-            </a:lvl9pPr>
-          </a:lstStyle>
-          <a:p>
-            <a:r>
-              <a:rPr lang="zh-CN" dirty="0" smtClean="0"/>
-              <a:t>内容刚要</a:t>
-            </a:r>
+          <a:lstStyle/>
+          <a:p>
+            <a:r>
+              <a:rPr lang="en-US" altLang="zh-CN" dirty="0" smtClean="0"/>
+              <a:t>String</a:t>
+            </a:r>
+            <a:r>
+              <a:rPr lang="zh-CN" altLang="en-US" dirty="0" smtClean="0"/>
+              <a:t>进阶</a:t>
+            </a:r>
+            <a:endParaRPr lang="zh-CN" altLang="en-US" dirty="0" smtClean="0"/>
           </a:p>
         </p:txBody>
       </p:sp>
       <p:sp>
         <p:nvSpPr>
-          <p:cNvPr id="4" name="AutoShape 6"/>
-          <p:cNvSpPr>
-            <a:spLocks noChangeArrowheads="1"/>
-          </p:cNvSpPr>
+          <p:cNvPr id="4" name="文本框 3"/>
+          <p:cNvSpPr txBox="1"/>
           <p:nvPr/>
         </p:nvSpPr>
-        <p:spPr bwMode="auto">
+        <p:spPr>
           <a:xfrm>
-            <a:off x="2739708" y="1261111"/>
-            <a:ext cx="6711950" cy="4214813"/>
+            <a:off x="7530465" y="5124450"/>
+            <a:ext cx="3656965" cy="429895"/>
           </a:xfrm>
-          <a:prstGeom prst="roundRect">
-            <a:avLst>
-              <a:gd name="adj" fmla="val 16667"/>
-            </a:avLst>
+          <a:prstGeom prst="rect">
+            <a:avLst/>
           </a:prstGeom>
           <a:noFill/>
-          <a:ln w="28575">
-            <a:solidFill>
-              <a:srgbClr val="C0C0C0"/>
-            </a:solidFill>
-            <a:prstDash val="sysDot"/>
-            <a:round/>
-          </a:ln>
-          <a:extLst>
-            <a:ext uri="{909E8E84-426E-40DD-AFC4-6F175D3DCCD1}">
-              <a14:hiddenFill xmlns:a14="http://schemas.microsoft.com/office/drawing/2010/main">
-                <a:solidFill>
-                  <a:srgbClr val="FFFFFF"/>
-                </a:solidFill>
-              </a14:hiddenFill>
-            </a:ext>
-          </a:extLst>
         </p:spPr>
         <p:txBody>
-          <a:bodyPr wrap="none" anchor="ctr"/>
-          <a:lstStyle>
-            <a:lvl1pPr marL="457200" indent="-457200">
-              <a:defRPr sz="3200">
-                <a:solidFill>
-                  <a:schemeClr val="tx1"/>
-                </a:solidFill>
-                <a:latin typeface="Arial" panose="020B0604020202020204" pitchFamily="34" charset="0"/>
-                <a:ea typeface="微软雅黑" panose="020B0503020204020204" pitchFamily="34" charset="-122"/>
-              </a:defRPr>
-            </a:lvl1pPr>
-            <a:lvl2pPr marL="742950" indent="-285750">
-              <a:defRPr sz="3200">
-                <a:solidFill>
-                  <a:schemeClr val="tx1"/>
-                </a:solidFill>
-                <a:latin typeface="Arial" panose="020B0604020202020204" pitchFamily="34" charset="0"/>
-                <a:ea typeface="微软雅黑" panose="020B0503020204020204" pitchFamily="34" charset="-122"/>
-              </a:defRPr>
-            </a:lvl2pPr>
-            <a:lvl3pPr marL="1143000" indent="-228600">
-              <a:defRPr sz="3200">
-                <a:solidFill>
-                  <a:schemeClr val="tx1"/>
-                </a:solidFill>
-                <a:latin typeface="Arial" panose="020B0604020202020204" pitchFamily="34" charset="0"/>
-                <a:ea typeface="微软雅黑" panose="020B0503020204020204" pitchFamily="34" charset="-122"/>
-              </a:defRPr>
-            </a:lvl3pPr>
-            <a:lvl4pPr marL="1600200" indent="-228600">
-              <a:defRPr sz="3200">
-                <a:solidFill>
-                  <a:schemeClr val="tx1"/>
-                </a:solidFill>
-                <a:latin typeface="Arial" panose="020B0604020202020204" pitchFamily="34" charset="0"/>
-                <a:ea typeface="微软雅黑" panose="020B0503020204020204" pitchFamily="34" charset="-122"/>
-              </a:defRPr>
-            </a:lvl4pPr>
-            <a:lvl5pPr marL="2057400" indent="-228600">
-              <a:defRPr sz="3200">
-                <a:solidFill>
-                  <a:schemeClr val="tx1"/>
-                </a:solidFill>
-                <a:latin typeface="Arial" panose="020B0604020202020204" pitchFamily="34" charset="0"/>
-                <a:ea typeface="微软雅黑" panose="020B0503020204020204" pitchFamily="34" charset="-122"/>
-              </a:defRPr>
-            </a:lvl5pPr>
-            <a:lvl6pPr marL="2514600" indent="-228600" eaLnBrk="0" fontAlgn="base" hangingPunct="0">
-              <a:spcBef>
-                <a:spcPct val="0"/>
-              </a:spcBef>
-              <a:spcAft>
-                <a:spcPct val="0"/>
-              </a:spcAft>
-              <a:defRPr sz="3200">
-                <a:solidFill>
-                  <a:schemeClr val="tx1"/>
-                </a:solidFill>
-                <a:latin typeface="Arial" panose="020B0604020202020204" pitchFamily="34" charset="0"/>
-                <a:ea typeface="微软雅黑" panose="020B0503020204020204" pitchFamily="34" charset="-122"/>
-              </a:defRPr>
-            </a:lvl6pPr>
-            <a:lvl7pPr marL="2971800" indent="-228600" eaLnBrk="0" fontAlgn="base" hangingPunct="0">
-              <a:spcBef>
-                <a:spcPct val="0"/>
-              </a:spcBef>
-              <a:spcAft>
-                <a:spcPct val="0"/>
-              </a:spcAft>
-              <a:defRPr sz="3200">
-                <a:solidFill>
-                  <a:schemeClr val="tx1"/>
-                </a:solidFill>
-                <a:latin typeface="Arial" panose="020B0604020202020204" pitchFamily="34" charset="0"/>
-                <a:ea typeface="微软雅黑" panose="020B0503020204020204" pitchFamily="34" charset="-122"/>
-              </a:defRPr>
-            </a:lvl7pPr>
-            <a:lvl8pPr marL="3429000" indent="-228600" eaLnBrk="0" fontAlgn="base" hangingPunct="0">
-              <a:spcBef>
-                <a:spcPct val="0"/>
-              </a:spcBef>
-              <a:spcAft>
-                <a:spcPct val="0"/>
-              </a:spcAft>
-              <a:defRPr sz="3200">
-                <a:solidFill>
-                  <a:schemeClr val="tx1"/>
-                </a:solidFill>
-                <a:latin typeface="Arial" panose="020B0604020202020204" pitchFamily="34" charset="0"/>
-                <a:ea typeface="微软雅黑" panose="020B0503020204020204" pitchFamily="34" charset="-122"/>
-              </a:defRPr>
-            </a:lvl8pPr>
-            <a:lvl9pPr marL="3886200" indent="-228600" eaLnBrk="0" fontAlgn="base" hangingPunct="0">
-              <a:spcBef>
-                <a:spcPct val="0"/>
-              </a:spcBef>
-              <a:spcAft>
-                <a:spcPct val="0"/>
-              </a:spcAft>
-              <a:defRPr sz="3200">
-                <a:solidFill>
-                  <a:schemeClr val="tx1"/>
-                </a:solidFill>
-                <a:latin typeface="Arial" panose="020B0604020202020204" pitchFamily="34" charset="0"/>
-                <a:ea typeface="微软雅黑" panose="020B0503020204020204" pitchFamily="34" charset="-122"/>
-              </a:defRPr>
-            </a:lvl9pPr>
-          </a:lstStyle>
-          <a:p>
-            <a:pPr>
-              <a:lnSpc>
-                <a:spcPct val="150000"/>
-              </a:lnSpc>
-              <a:spcBef>
-                <a:spcPts val="1200"/>
-              </a:spcBef>
-              <a:spcAft>
-                <a:spcPts val="1200"/>
-              </a:spcAft>
-              <a:buClr>
-                <a:srgbClr val="92D050"/>
-              </a:buClr>
-              <a:buFont typeface="Wingdings" panose="05000000000000000000" pitchFamily="2" charset="2"/>
-              <a:buChar char="Ø"/>
-            </a:pPr>
-            <a:r>
-              <a:rPr lang="en-US" altLang="zh-CN" sz="2800" b="1">
-                <a:solidFill>
-                  <a:schemeClr val="tx1"/>
-                </a:solidFill>
-              </a:rPr>
-              <a:t>Boolean</a:t>
-            </a:r>
-          </a:p>
-          <a:p>
-            <a:pPr>
-              <a:lnSpc>
-                <a:spcPct val="150000"/>
-              </a:lnSpc>
-              <a:spcBef>
-                <a:spcPts val="1200"/>
-              </a:spcBef>
-              <a:spcAft>
-                <a:spcPts val="1200"/>
-              </a:spcAft>
-              <a:buClr>
-                <a:srgbClr val="92D050"/>
-              </a:buClr>
-              <a:buFont typeface="Wingdings" panose="05000000000000000000" pitchFamily="2" charset="2"/>
-              <a:buChar char="Ø"/>
-            </a:pPr>
-            <a:r>
-              <a:rPr lang="en-US" altLang="zh-CN" sz="2800" b="1">
-                <a:solidFill>
-                  <a:schemeClr val="tx1"/>
-                </a:solidFill>
-              </a:rPr>
-              <a:t>Number</a:t>
-            </a:r>
-          </a:p>
-          <a:p>
-            <a:pPr>
-              <a:lnSpc>
-                <a:spcPct val="150000"/>
-              </a:lnSpc>
-              <a:spcBef>
-                <a:spcPts val="1200"/>
-              </a:spcBef>
-              <a:spcAft>
-                <a:spcPts val="1200"/>
-              </a:spcAft>
-              <a:buClr>
-                <a:srgbClr val="92D050"/>
-              </a:buClr>
-              <a:buFont typeface="Wingdings" panose="05000000000000000000" pitchFamily="2" charset="2"/>
-              <a:buChar char="Ø"/>
-            </a:pPr>
-            <a:r>
-              <a:rPr lang="en-US" altLang="zh-CN" sz="2800" b="1">
-                <a:solidFill>
-                  <a:schemeClr val="accent3"/>
-                </a:solidFill>
-              </a:rPr>
-              <a:t>String</a:t>
-            </a:r>
-            <a:r>
-              <a:rPr lang="zh-CN" altLang="en-US" sz="2800" b="1"/>
-              <a:t> </a:t>
-            </a:r>
-            <a:endParaRPr lang="en-US" altLang="zh-CN" sz="2800" b="1"/>
+          <a:bodyPr wrap="square" rtlCol="0">
+            <a:spAutoFit/>
+          </a:bodyPr>
+          <a:lstStyle/>
+          <a:p>
+            <a:pPr algn="l"/>
+            <a:r>
+              <a:rPr lang="zh-CN" altLang="en-US" sz="2200">
+                <a:solidFill>
+                  <a:srgbClr val="FF0000"/>
+                </a:solidFill>
+                <a:latin typeface="+mn-ea"/>
+                <a:ea typeface="+mn-ea"/>
+                <a:sym typeface="+mn-ea"/>
+              </a:rPr>
+              <a:t>参见实例</a:t>
+            </a:r>
+            <a:r>
+              <a:rPr lang="en-US" altLang="zh-CN" sz="2200">
+                <a:solidFill>
+                  <a:srgbClr val="FF0000"/>
+                </a:solidFill>
+                <a:latin typeface="+mn-ea"/>
+                <a:ea typeface="+mn-ea"/>
+                <a:sym typeface="+mn-ea"/>
+              </a:rPr>
+              <a:t>demo14  Part0</a:t>
+            </a:r>
+            <a:endParaRPr lang="en-US" altLang="zh-CN" sz="2200">
+              <a:solidFill>
+                <a:srgbClr val="FF0000"/>
+              </a:solidFill>
+              <a:latin typeface="+mn-ea"/>
+              <a:ea typeface="+mn-ea"/>
+            </a:endParaRPr>
           </a:p>
         </p:txBody>
       </p:sp>
@@ -6056,7 +6771,7 @@
         <p:spPr>
           <a:xfrm>
             <a:off x="1143000" y="783590"/>
-            <a:ext cx="10044430" cy="5253990"/>
+            <a:ext cx="9479280" cy="5253990"/>
           </a:xfrm>
         </p:spPr>
         <p:txBody>
@@ -6069,12 +6784,62 @@
               </a:lnSpc>
             </a:pPr>
             <a:r>
+              <a:rPr lang="en-US" altLang="zh-CN" sz="3200" dirty="0">
+                <a:solidFill>
+                  <a:schemeClr val="tx1"/>
+                </a:solidFill>
+                <a:sym typeface="+mn-ea"/>
+              </a:rPr>
+              <a:t>String</a:t>
+            </a:r>
+            <a:r>
               <a:rPr lang="zh-CN" altLang="en-US" sz="3200" dirty="0">
                 <a:solidFill>
                   <a:schemeClr val="tx1"/>
                 </a:solidFill>
               </a:rPr>
-              <a:t>字符串比较</a:t>
+              <a:t>基本数据类型变量有与其对应的</a:t>
+            </a:r>
+            <a:r>
+              <a:rPr lang="en-US" altLang="zh-CN" sz="3200" dirty="0">
+                <a:solidFill>
+                  <a:schemeClr val="tx1"/>
+                </a:solidFill>
+                <a:sym typeface="+mn-ea"/>
+              </a:rPr>
+              <a:t>String</a:t>
+            </a:r>
+            <a:r>
+              <a:rPr lang="zh-CN" altLang="en-US" sz="3200" dirty="0">
+                <a:solidFill>
+                  <a:schemeClr val="accent3"/>
+                </a:solidFill>
+              </a:rPr>
+              <a:t>包装对象</a:t>
+            </a:r>
+            <a:r>
+              <a:rPr lang="zh-CN" altLang="en-US" sz="3200" dirty="0">
+                <a:solidFill>
+                  <a:schemeClr val="tx1"/>
+                </a:solidFill>
+              </a:rPr>
+              <a:t>，当访问</a:t>
+            </a:r>
+            <a:r>
+              <a:rPr lang="en-US" altLang="zh-CN" sz="3200" dirty="0">
+                <a:solidFill>
+                  <a:schemeClr val="tx1"/>
+                </a:solidFill>
+              </a:rPr>
+              <a:t>String</a:t>
+            </a:r>
+            <a:r>
+              <a:rPr lang="zh-CN" altLang="en-US" sz="3200" dirty="0">
+                <a:solidFill>
+                  <a:schemeClr val="tx1"/>
+                </a:solidFill>
+              </a:rPr>
+              <a:t>基本数据类型属性或方法时创建临时包装对象，访问的都是对象中的属性或方法（注：访问对象属性时，首先访问自身属性，访问不到时，则会在原型链上寻找对应的属性和方法）</a:t>
             </a:r>
             <a:br>
               <a:rPr lang="zh-CN" altLang="en-US" sz="3200" dirty="0">
@@ -6083,357 +6848,7 @@
                 </a:solidFill>
               </a:rPr>
             </a:br>
-            <a:r>
-              <a:rPr lang="en-US" altLang="zh-CN" sz="2000" dirty="0">
-                <a:solidFill>
-                  <a:schemeClr val="tx1"/>
-                </a:solidFill>
-              </a:rPr>
-              <a:t>-  "B" &gt; "A"</a:t>
-            </a:r>
-            <a:r>
-              <a:rPr lang="zh-CN" altLang="en-US" sz="2000" dirty="0">
-                <a:solidFill>
-                  <a:schemeClr val="tx1"/>
-                </a:solidFill>
-                <a:sym typeface="+mn-ea"/>
-              </a:rPr>
-              <a:t>、</a:t>
-            </a:r>
-            <a:r>
-              <a:rPr sz="2000" dirty="0">
-                <a:solidFill>
-                  <a:schemeClr val="tx1"/>
-                </a:solidFill>
-                <a:sym typeface="+mn-ea"/>
-              </a:rPr>
-              <a:t>"B" &gt; "</a:t>
-            </a:r>
-            <a:r>
-              <a:rPr lang="en-US" sz="2000" dirty="0">
-                <a:solidFill>
-                  <a:schemeClr val="tx1"/>
-                </a:solidFill>
-                <a:sym typeface="+mn-ea"/>
-              </a:rPr>
-              <a:t>a</a:t>
-            </a:r>
-            <a:r>
-              <a:rPr sz="2000" dirty="0">
-                <a:solidFill>
-                  <a:schemeClr val="tx1"/>
-                </a:solidFill>
-                <a:sym typeface="+mn-ea"/>
-              </a:rPr>
-              <a:t>"</a:t>
-            </a:r>
-            <a:r>
-              <a:rPr lang="zh-CN" altLang="en-US" sz="2000" dirty="0">
-                <a:solidFill>
-                  <a:schemeClr val="tx1"/>
-                </a:solidFill>
-                <a:sym typeface="+mn-ea"/>
-              </a:rPr>
-              <a:t/>
-            </a:r>
-            <a:br>
-              <a:rPr lang="zh-CN" altLang="en-US" sz="2000" dirty="0">
-                <a:solidFill>
-                  <a:schemeClr val="tx1"/>
-                </a:solidFill>
-                <a:sym typeface="+mn-ea"/>
-              </a:rPr>
-            </a:br>
-            <a:r>
-              <a:rPr lang="en-US" altLang="zh-CN" sz="2000" dirty="0">
-                <a:solidFill>
-                  <a:schemeClr val="tx1"/>
-                </a:solidFill>
-                <a:sym typeface="+mn-ea"/>
-              </a:rPr>
-              <a:t>-  </a:t>
-            </a:r>
-            <a:r>
-              <a:rPr sz="2000" dirty="0">
-                <a:solidFill>
-                  <a:schemeClr val="tx1"/>
-                </a:solidFill>
-                <a:sym typeface="+mn-ea"/>
-              </a:rPr>
-              <a:t>"B".localeCompare("A"); </a:t>
-            </a:r>
-            <a:r>
-              <a:rPr lang="en-US" sz="2000" dirty="0">
-                <a:solidFill>
-                  <a:schemeClr val="tx1"/>
-                </a:solidFill>
-                <a:sym typeface="+mn-ea"/>
-              </a:rPr>
-              <a:t>//</a:t>
-            </a:r>
-            <a:r>
-              <a:rPr lang="zh-CN" altLang="en-US" sz="2000" dirty="0">
-                <a:solidFill>
-                  <a:schemeClr val="tx1"/>
-                </a:solidFill>
-                <a:sym typeface="+mn-ea"/>
-              </a:rPr>
-              <a:t>考虑本地化的字符排序，返回</a:t>
-            </a:r>
-            <a:r>
-              <a:rPr lang="en-US" altLang="zh-CN" sz="2000" dirty="0">
-                <a:solidFill>
-                  <a:schemeClr val="tx1"/>
-                </a:solidFill>
-                <a:sym typeface="+mn-ea"/>
-              </a:rPr>
-              <a:t>0</a:t>
-            </a:r>
-            <a:r>
-              <a:rPr lang="zh-CN" altLang="en-US" sz="2000" dirty="0">
-                <a:solidFill>
-                  <a:schemeClr val="tx1"/>
-                </a:solidFill>
-                <a:sym typeface="+mn-ea"/>
-              </a:rPr>
-              <a:t>或非</a:t>
-            </a:r>
-            <a:r>
-              <a:rPr lang="en-US" altLang="zh-CN" sz="2000" dirty="0">
-                <a:solidFill>
-                  <a:schemeClr val="tx1"/>
-                </a:solidFill>
-                <a:sym typeface="+mn-ea"/>
-              </a:rPr>
-              <a:t>0</a:t>
-            </a:r>
-            <a:endParaRPr lang="zh-CN" altLang="en-US" sz="2000" dirty="0">
-              <a:solidFill>
-                <a:schemeClr val="tx1"/>
-              </a:solidFill>
-              <a:sym typeface="+mn-ea"/>
-            </a:endParaRPr>
-          </a:p>
-          <a:p>
-            <a:pPr>
-              <a:lnSpc>
-                <a:spcPct val="150000"/>
-              </a:lnSpc>
-            </a:pPr>
-            <a:r>
-              <a:rPr lang="zh-CN" altLang="en-US" sz="3200" dirty="0">
-                <a:solidFill>
-                  <a:schemeClr val="tx1"/>
-                </a:solidFill>
-                <a:sym typeface="+mn-ea"/>
-              </a:rPr>
-              <a:t>字符串拼接</a:t>
-            </a:r>
-            <a:br>
-              <a:rPr lang="zh-CN" altLang="en-US" sz="3200" dirty="0">
-                <a:solidFill>
-                  <a:schemeClr val="tx1"/>
-                </a:solidFill>
-                <a:sym typeface="+mn-ea"/>
-              </a:rPr>
-            </a:br>
-            <a:r>
-              <a:rPr lang="en-US" altLang="zh-CN" sz="2000" dirty="0">
-                <a:solidFill>
-                  <a:schemeClr val="tx1"/>
-                </a:solidFill>
-                <a:sym typeface="+mn-ea"/>
-              </a:rPr>
-              <a:t>- </a:t>
-            </a:r>
-            <a:r>
-              <a:rPr lang="zh-CN" altLang="en-US" sz="2000" dirty="0">
-                <a:solidFill>
-                  <a:schemeClr val="tx1"/>
-                </a:solidFill>
-                <a:sym typeface="+mn-ea"/>
-              </a:rPr>
-              <a:t>合并：加号运算符（</a:t>
-            </a:r>
-            <a:r>
-              <a:rPr lang="en-US" altLang="zh-CN" sz="2000" dirty="0">
-                <a:solidFill>
-                  <a:schemeClr val="tx1"/>
-                </a:solidFill>
-                <a:sym typeface="+mn-ea"/>
-              </a:rPr>
-              <a:t>+</a:t>
-            </a:r>
-            <a:r>
-              <a:rPr lang="zh-CN" altLang="en-US" sz="2000" dirty="0">
-                <a:solidFill>
-                  <a:schemeClr val="tx1"/>
-                </a:solidFill>
-                <a:sym typeface="+mn-ea"/>
-              </a:rPr>
-              <a:t>、</a:t>
-            </a:r>
-            <a:r>
-              <a:rPr lang="en-US" altLang="zh-CN" sz="2000" dirty="0">
-                <a:solidFill>
-                  <a:schemeClr val="tx1"/>
-                </a:solidFill>
-                <a:sym typeface="+mn-ea"/>
-              </a:rPr>
-              <a:t>+=</a:t>
-            </a:r>
-            <a:r>
-              <a:rPr lang="zh-CN" altLang="en-US" sz="2000" dirty="0">
-                <a:solidFill>
-                  <a:schemeClr val="tx1"/>
-                </a:solidFill>
-                <a:sym typeface="+mn-ea"/>
-              </a:rPr>
-              <a:t>）</a:t>
-            </a:r>
-            <a:br>
-              <a:rPr lang="zh-CN" altLang="en-US" sz="2000" dirty="0">
-                <a:solidFill>
-                  <a:schemeClr val="tx1"/>
-                </a:solidFill>
-                <a:sym typeface="+mn-ea"/>
-              </a:rPr>
-            </a:br>
-            <a:r>
-              <a:rPr lang="en-US" altLang="zh-CN" sz="2000" dirty="0">
-                <a:solidFill>
-                  <a:schemeClr val="tx1"/>
-                </a:solidFill>
-                <a:sym typeface="+mn-ea"/>
-              </a:rPr>
-              <a:t>- </a:t>
-            </a:r>
-            <a:r>
-              <a:rPr lang="zh-CN" altLang="en-US" sz="2000" dirty="0">
-                <a:solidFill>
-                  <a:schemeClr val="tx1"/>
-                </a:solidFill>
-                <a:sym typeface="+mn-ea"/>
-              </a:rPr>
-              <a:t>合并：拼接字符串数组（通过数组方法</a:t>
-            </a:r>
-            <a:r>
-              <a:rPr lang="en-US" altLang="zh-CN" sz="2000" dirty="0">
-                <a:solidFill>
-                  <a:schemeClr val="tx1"/>
-                </a:solidFill>
-                <a:sym typeface="+mn-ea"/>
-              </a:rPr>
-              <a:t>push</a:t>
-            </a:r>
-            <a:r>
-              <a:rPr lang="zh-CN" altLang="en-US" sz="2000" dirty="0">
-                <a:solidFill>
-                  <a:schemeClr val="tx1"/>
-                </a:solidFill>
-                <a:sym typeface="+mn-ea"/>
-              </a:rPr>
-              <a:t>、</a:t>
-            </a:r>
-            <a:r>
-              <a:rPr lang="en-US" altLang="zh-CN" sz="2000" dirty="0">
-                <a:solidFill>
-                  <a:schemeClr val="tx1"/>
-                </a:solidFill>
-                <a:sym typeface="+mn-ea"/>
-              </a:rPr>
-              <a:t>join</a:t>
-            </a:r>
-            <a:r>
-              <a:rPr lang="zh-CN" altLang="en-US" sz="2000" dirty="0">
-                <a:solidFill>
-                  <a:schemeClr val="tx1"/>
-                </a:solidFill>
-                <a:sym typeface="+mn-ea"/>
-              </a:rPr>
-              <a:t>等）</a:t>
-            </a:r>
-          </a:p>
-          <a:p>
-            <a:pPr>
-              <a:lnSpc>
-                <a:spcPct val="150000"/>
-              </a:lnSpc>
-            </a:pPr>
-            <a:r>
-              <a:rPr lang="en-US" altLang="zh-CN" sz="3200" dirty="0">
-                <a:solidFill>
-                  <a:schemeClr val="tx1"/>
-                </a:solidFill>
-                <a:sym typeface="+mn-ea"/>
-              </a:rPr>
-              <a:t>String</a:t>
-            </a:r>
-            <a:r>
-              <a:rPr lang="zh-CN" altLang="en-US" sz="3200" dirty="0">
-                <a:solidFill>
-                  <a:schemeClr val="tx1"/>
-                </a:solidFill>
-                <a:sym typeface="+mn-ea"/>
-              </a:rPr>
-              <a:t>函数的使用</a:t>
-            </a:r>
-            <a:r>
-              <a:rPr lang="zh-CN" altLang="en-US" sz="2000" dirty="0">
-                <a:solidFill>
-                  <a:schemeClr val="tx1"/>
-                </a:solidFill>
-                <a:sym typeface="+mn-ea"/>
-              </a:rPr>
-              <a:t/>
-            </a:r>
-            <a:br>
-              <a:rPr lang="zh-CN" altLang="en-US" sz="2000" dirty="0">
-                <a:solidFill>
-                  <a:schemeClr val="tx1"/>
-                </a:solidFill>
-                <a:sym typeface="+mn-ea"/>
-              </a:rPr>
-            </a:br>
-            <a:r>
-              <a:rPr lang="en-US" altLang="zh-CN" sz="2000" dirty="0">
-                <a:solidFill>
-                  <a:schemeClr val="tx1"/>
-                </a:solidFill>
-                <a:sym typeface="+mn-ea"/>
-              </a:rPr>
-              <a:t>- </a:t>
-            </a:r>
-            <a:r>
-              <a:rPr lang="zh-CN" altLang="en-US" sz="2000" dirty="0">
-                <a:solidFill>
-                  <a:schemeClr val="tx1"/>
-                </a:solidFill>
-                <a:sym typeface="+mn-ea"/>
-              </a:rPr>
-              <a:t>类型转换、实例化字符串对象</a:t>
-            </a:r>
-          </a:p>
-          <a:p>
-            <a:pPr>
-              <a:lnSpc>
-                <a:spcPct val="150000"/>
-              </a:lnSpc>
-            </a:pPr>
-            <a:endParaRPr lang="en-US" altLang="zh-CN" sz="2000" dirty="0">
-              <a:solidFill>
-                <a:schemeClr val="tx1"/>
-              </a:solidFill>
-            </a:endParaRPr>
-          </a:p>
-          <a:p>
-            <a:pPr marL="0" indent="0">
-              <a:lnSpc>
-                <a:spcPct val="150000"/>
-              </a:lnSpc>
-              <a:buNone/>
-            </a:pPr>
-            <a:endParaRPr lang="zh-CN" altLang="en-US" sz="2000" dirty="0">
+            <a:endParaRPr lang="zh-CN" altLang="en-US" sz="2400" dirty="0">
               <a:solidFill>
                 <a:schemeClr val="tx1"/>
               </a:solidFill>
@@ -6508,64 +6923,34 @@
               <a:rPr lang="zh-CN" altLang="en-US" dirty="0" smtClean="0"/>
               <a:t>进阶</a:t>
             </a:r>
+            <a:endParaRPr lang="zh-CN" altLang="en-US" dirty="0" smtClean="0"/>
           </a:p>
         </p:txBody>
       </p:sp>
-      <p:sp>
-        <p:nvSpPr>
-          <p:cNvPr id="4" name="文本框 3"/>
-          <p:cNvSpPr txBox="1"/>
+      <p:pic>
+        <p:nvPicPr>
+          <p:cNvPr id="4" name="图片 3" descr="%VB~3(DEKSZ1@VET4Z4Y{`F"/>
+          <p:cNvPicPr>
+            <a:picLocks noChangeAspect="1"/>
+          </p:cNvPicPr>
           <p:nvPr/>
-        </p:nvSpPr>
+        </p:nvPicPr>
+        <p:blipFill>
+          <a:blip r:embed="rId1"/>
+          <a:stretch>
+            <a:fillRect/>
+          </a:stretch>
+        </p:blipFill>
         <p:spPr>
           <a:xfrm>
-            <a:off x="7530465" y="5124450"/>
-            <a:ext cx="3656965" cy="429895"/>
+            <a:off x="1410335" y="4754245"/>
+            <a:ext cx="4742815" cy="1142365"/>
           </a:xfrm>
           <a:prstGeom prst="rect">
             <a:avLst/>
           </a:prstGeom>
-          <a:noFill/>
         </p:spPr>
-        <p:txBody>
-          <a:bodyPr wrap="square" rtlCol="0">
-            <a:spAutoFit/>
-          </a:bodyPr>
-          <a:lstStyle/>
-          <a:p>
-            <a:pPr algn="l"/>
-            <a:r>
-              <a:rPr lang="zh-CN" altLang="en-US" sz="2200">
-                <a:solidFill>
-                  <a:srgbClr val="FF0000"/>
-                </a:solidFill>
-                <a:latin typeface="+mn-ea"/>
-                <a:ea typeface="+mn-ea"/>
-                <a:sym typeface="+mn-ea"/>
-              </a:rPr>
-              <a:t>参见实例</a:t>
-            </a:r>
-            <a:r>
-              <a:rPr lang="en-US" altLang="zh-CN" sz="2200">
-                <a:solidFill>
-                  <a:srgbClr val="FF0000"/>
-                </a:solidFill>
-                <a:latin typeface="+mn-ea"/>
-                <a:ea typeface="+mn-ea"/>
-                <a:sym typeface="+mn-ea"/>
-              </a:rPr>
-              <a:t>demo14  Part0</a:t>
-            </a:r>
-            <a:endParaRPr lang="en-US" altLang="zh-CN" sz="2200">
-              <a:solidFill>
-                <a:srgbClr val="FF0000"/>
-              </a:solidFill>
-              <a:latin typeface="+mn-ea"/>
-              <a:ea typeface="+mn-ea"/>
-            </a:endParaRPr>
-          </a:p>
-        </p:txBody>
-      </p:sp>
+      </p:pic>
     </p:spTree>
   </p:cSld>
   <p:clrMapOvr>
@@ -6666,6 +7051,12 @@
               </a:rPr>
               <a:t>- String.fromCharCode.apply(null,[97,98,99]);</a:t>
             </a:r>
+            <a:endParaRPr lang="en-US" altLang="zh-CN" sz="2000" dirty="0">
+              <a:solidFill>
+                <a:schemeClr val="tx1"/>
+              </a:solidFill>
+              <a:sym typeface="+mn-ea"/>
+            </a:endParaRPr>
           </a:p>
           <a:p>
             <a:pPr>
@@ -6705,14 +7096,6 @@
               </a:rPr>
               <a:t>提取字符串</a:t>
             </a:r>
-            <a:r>
-              <a:rPr lang="zh-CN" altLang="en-US" sz="3200" dirty="0">
-                <a:solidFill>
-                  <a:schemeClr val="tx1"/>
-                </a:solidFill>
-              </a:rPr>
-              <a:t/>
-            </a:r>
             <a:br>
               <a:rPr lang="zh-CN" altLang="en-US" sz="3200" dirty="0">
                 <a:solidFill>
@@ -6820,6 +7203,12 @@
               </a:rPr>
               <a:t>- String.prototype.split(separator?,limit?);</a:t>
             </a:r>
+            <a:endParaRPr lang="en-US" altLang="zh-CN" sz="2000" dirty="0">
+              <a:solidFill>
+                <a:schemeClr val="tx1"/>
+              </a:solidFill>
+              <a:sym typeface="+mn-ea"/>
+            </a:endParaRPr>
           </a:p>
           <a:p>
             <a:pPr>
@@ -6902,6 +7291,7 @@
               <a:rPr lang="zh-CN" altLang="en-US" dirty="0" smtClean="0"/>
               <a:t>进阶</a:t>
             </a:r>
+            <a:endParaRPr lang="zh-CN" altLang="en-US" dirty="0" smtClean="0"/>
           </a:p>
         </p:txBody>
       </p:sp>
@@ -6948,6 +7338,13 @@
               </a:rPr>
               <a:t>demo14 Part1</a:t>
             </a:r>
+            <a:endParaRPr lang="en-US" altLang="zh-CN" sz="2200">
+              <a:solidFill>
+                <a:srgbClr val="FF0000"/>
+              </a:solidFill>
+              <a:latin typeface="+mn-ea"/>
+              <a:ea typeface="+mn-ea"/>
+            </a:endParaRPr>
           </a:p>
         </p:txBody>
       </p:sp>
@@ -7044,15 +7441,6 @@
               </a:rPr>
               <a:t>字符串变换</a:t>
             </a:r>
-            <a:r>
-              <a:rPr lang="zh-CN" altLang="en-US" sz="3200" dirty="0">
-                <a:solidFill>
-                  <a:schemeClr val="tx1"/>
-                </a:solidFill>
-                <a:sym typeface="+mn-ea"/>
-              </a:rPr>
-              <a:t/>
-            </a:r>
             <a:br>
               <a:rPr lang="zh-CN" altLang="en-US" sz="3200" dirty="0">
                 <a:solidFill>
@@ -7121,6 +7509,12 @@
               </a:rPr>
               <a:t>- String.prototype.toUpperCase( ); String.prototype.toLocaleUpperCase( );</a:t>
             </a:r>
+            <a:endParaRPr lang="en-US" altLang="zh-CN" sz="2000" dirty="0">
+              <a:solidFill>
+                <a:schemeClr val="tx1"/>
+              </a:solidFill>
+              <a:sym typeface="+mn-ea"/>
+            </a:endParaRPr>
           </a:p>
           <a:p>
             <a:pPr>
@@ -7160,14 +7554,6 @@
               </a:rPr>
               <a:t>检索和比较</a:t>
             </a:r>
-            <a:r>
-              <a:rPr lang="zh-CN" altLang="en-US" sz="3200" dirty="0">
-                <a:solidFill>
-                  <a:schemeClr val="tx1"/>
-                </a:solidFill>
-              </a:rPr>
-              <a:t/>
-            </a:r>
             <a:br>
               <a:rPr lang="zh-CN" altLang="en-US" sz="3200" dirty="0">
                 <a:solidFill>
@@ -7183,15 +7569,6 @@
               </a:rPr>
               <a:t>- String.prototype.indexOf(searchingString,position?);</a:t>
             </a:r>
-            <a:r>
-              <a:rPr lang="en-US" altLang="zh-CN" sz="2000" dirty="0">
-                <a:solidFill>
-                  <a:schemeClr val="tx1"/>
-                </a:solidFill>
-                <a:sym typeface="+mn-ea"/>
-              </a:rPr>
-              <a:t/>
-            </a:r>
             <a:br>
               <a:rPr lang="en-US" altLang="zh-CN" sz="2000" dirty="0">
                 <a:solidFill>
@@ -7226,6 +7603,12 @@
               </a:rPr>
               <a:t>- String.prototype.localeCompare(other);</a:t>
             </a:r>
+            <a:endParaRPr lang="en-US" altLang="zh-CN" sz="2000" dirty="0">
+              <a:solidFill>
+                <a:schemeClr val="tx1"/>
+              </a:solidFill>
+              <a:sym typeface="+mn-ea"/>
+            </a:endParaRPr>
           </a:p>
           <a:p>
             <a:pPr>
@@ -7308,6 +7691,7 @@
               <a:rPr lang="zh-CN" altLang="en-US" dirty="0" smtClean="0"/>
               <a:t>进阶</a:t>
             </a:r>
+            <a:endParaRPr lang="zh-CN" altLang="en-US" dirty="0" smtClean="0"/>
           </a:p>
         </p:txBody>
       </p:sp>
@@ -7779,10 +8163,9 @@
       </a:lstStyle>
     </a:lnDef>
   </a:objectDefaults>
-  <a:extraClrSchemeLst/>
   <a:extLst>
     <a:ext uri="{05A4C25C-085E-4340-85A3-A5531E510DB2}">
-      <thm15:themeFamily xmlns="" xmlns:thm15="http://schemas.microsoft.com/office/thememl/2012/main" name="Office Theme" id="{62F939B6-93AF-4DB8-9C6B-D6C7DFDC589F}" vid="{4A3C46E8-61CC-4603-A589-7422A47A8E4A}"/>
+      <thm15:themeFamily xmlns:thm15="http://schemas.microsoft.com/office/thememl/2012/main" name="Office Theme" id="{62F939B6-93AF-4DB8-9C6B-D6C7DFDC589F}" vid="{4A3C46E8-61CC-4603-A589-7422A47A8E4A}"/>
     </a:ext>
   </a:extLst>
 </a:theme>
@@ -8066,11 +8449,9 @@
       </a:bgFillStyleLst>
     </a:fmtScheme>
   </a:themeElements>
-  <a:objectDefaults/>
-  <a:extraClrSchemeLst/>
   <a:extLst>
     <a:ext uri="{05A4C25C-085E-4340-85A3-A5531E510DB2}">
-      <thm15:themeFamily xmlns="" xmlns:thm15="http://schemas.microsoft.com/office/thememl/2012/main" name="Office Theme" id="{62F939B6-93AF-4DB8-9C6B-D6C7DFDC589F}" vid="{4A3C46E8-61CC-4603-A589-7422A47A8E4A}"/>
+      <thm15:themeFamily xmlns:thm15="http://schemas.microsoft.com/office/thememl/2012/main" name="Office Theme" id="{62F939B6-93AF-4DB8-9C6B-D6C7DFDC589F}" vid="{4A3C46E8-61CC-4603-A589-7422A47A8E4A}"/>
     </a:ext>
   </a:extLst>
 </a:theme>

--- a/课程PPT/03.基本（原始）数据类型进阶.pptx
+++ b/课程PPT/03.基本（原始）数据类型进阶.pptx
@@ -13,8 +13,8 @@
     <p:sldId id="1120" r:id="rId5"/>
     <p:sldId id="1123" r:id="rId7"/>
     <p:sldId id="1139" r:id="rId8"/>
-    <p:sldId id="1124" r:id="rId9"/>
-    <p:sldId id="1141" r:id="rId10"/>
+    <p:sldId id="1141" r:id="rId9"/>
+    <p:sldId id="1124" r:id="rId10"/>
     <p:sldId id="1132" r:id="rId11"/>
     <p:sldId id="1133" r:id="rId12"/>
     <p:sldId id="1134" r:id="rId13"/>
@@ -4488,73 +4488,6 @@
                 <a:spcPct val="130000"/>
               </a:lnSpc>
             </a:pPr>
-            <a:r>
-              <a:rPr kumimoji="0" lang="zh-CN" altLang="en-US" sz="3200" dirty="0" smtClean="0">
-                <a:solidFill>
-                  <a:schemeClr val="tx1"/>
-                </a:solidFill>
-                <a:sym typeface="+mn-ea"/>
-              </a:rPr>
-              <a:t> 完成</a:t>
-            </a:r>
-            <a:r>
-              <a:rPr kumimoji="0" lang="en-US" altLang="zh-CN" sz="3200" dirty="0" smtClean="0">
-                <a:solidFill>
-                  <a:schemeClr val="tx1"/>
-                </a:solidFill>
-                <a:sym typeface="+mn-ea"/>
-              </a:rPr>
-              <a:t>freecodecamp</a:t>
-            </a:r>
-            <a:r>
-              <a:rPr kumimoji="0" lang="zh-CN" altLang="en-US" sz="3200" dirty="0" smtClean="0">
-                <a:solidFill>
-                  <a:schemeClr val="tx1"/>
-                </a:solidFill>
-                <a:sym typeface="+mn-ea"/>
-              </a:rPr>
-              <a:t>在线学习网站中</a:t>
-            </a:r>
-            <a:r>
-              <a:rPr kumimoji="0" lang="en-US" altLang="zh-CN" sz="3200" dirty="0" smtClean="0">
-                <a:solidFill>
-                  <a:schemeClr val="tx1"/>
-                </a:solidFill>
-                <a:sym typeface="+mn-ea"/>
-              </a:rPr>
-              <a:t>JS</a:t>
-            </a:r>
-            <a:r>
-              <a:rPr kumimoji="0" lang="zh-CN" altLang="en-US" sz="3200" dirty="0" smtClean="0">
-                <a:solidFill>
-                  <a:schemeClr val="tx1"/>
-                </a:solidFill>
-                <a:sym typeface="+mn-ea"/>
-              </a:rPr>
-              <a:t>基础任务的</a:t>
-            </a:r>
-            <a:r>
-              <a:rPr kumimoji="0" lang="en-US" altLang="zh-CN" sz="3200" dirty="0" smtClean="0">
-                <a:solidFill>
-                  <a:schemeClr val="tx1"/>
-                </a:solidFill>
-                <a:sym typeface="+mn-ea"/>
-              </a:rPr>
-              <a:t>50%</a:t>
-            </a:r>
-            <a:endParaRPr kumimoji="0" lang="zh-CN" altLang="en-US" sz="3200" dirty="0" smtClean="0">
-              <a:solidFill>
-                <a:schemeClr val="tx1"/>
-              </a:solidFill>
-              <a:sym typeface="+mn-ea"/>
-            </a:endParaRPr>
-          </a:p>
-          <a:p>
-            <a:pPr>
-              <a:lnSpc>
-                <a:spcPct val="130000"/>
-              </a:lnSpc>
-            </a:pPr>
             <a:endParaRPr kumimoji="0" lang="zh-CN" altLang="en-US" sz="3200" dirty="0" smtClean="0">
               <a:solidFill>
                 <a:schemeClr val="tx1"/>
@@ -5406,7 +5339,16 @@
                 </a:solidFill>
                 <a:sym typeface="+mn-ea"/>
               </a:rPr>
-              <a:t>- Number.prototype.toFixed(...)</a:t>
+              <a:t>- Number.prototype.</a:t>
+            </a:r>
+            <a:r>
+              <a:rPr lang="en-US" altLang="zh-CN" sz="2200" dirty="0">
+                <a:solidFill>
+                  <a:srgbClr val="FF0000"/>
+                </a:solidFill>
+                <a:sym typeface="+mn-ea"/>
+              </a:rPr>
+              <a:t>toFixed(...)</a:t>
             </a:r>
             <a:r>
               <a:rPr lang="zh-CN" altLang="en-US" sz="2200" dirty="0">
@@ -5424,7 +5366,16 @@
                 </a:solidFill>
                 <a:sym typeface="+mn-ea"/>
               </a:rPr>
-              <a:t>Number.prototype.toPrecision(...)</a:t>
+              <a:t>Number.prototype.</a:t>
+            </a:r>
+            <a:r>
+              <a:rPr lang="en-US" altLang="zh-CN" sz="2200" dirty="0">
+                <a:solidFill>
+                  <a:srgbClr val="FF0000"/>
+                </a:solidFill>
+                <a:sym typeface="+mn-ea"/>
+              </a:rPr>
+              <a:t>toPrecision(...)</a:t>
             </a:r>
             <a:br>
               <a:rPr lang="en-US" altLang="zh-CN" sz="2200" dirty="0">
@@ -5441,7 +5392,16 @@
                 </a:solidFill>
                 <a:sym typeface="+mn-ea"/>
               </a:rPr>
-              <a:t>- Number.prototype.toString(...)</a:t>
+              <a:t>- Number.prototype.</a:t>
+            </a:r>
+            <a:r>
+              <a:rPr lang="en-US" altLang="zh-CN" sz="2200" dirty="0">
+                <a:solidFill>
+                  <a:srgbClr val="FF0000"/>
+                </a:solidFill>
+                <a:sym typeface="+mn-ea"/>
+              </a:rPr>
+              <a:t>toString(...)</a:t>
             </a:r>
             <a:r>
               <a:rPr lang="zh-CN" altLang="en-US" sz="2200" dirty="0">
@@ -5459,11 +5419,20 @@
                 </a:solidFill>
                 <a:sym typeface="+mn-ea"/>
               </a:rPr>
-              <a:t>Number.prototype.toExponential(...)</a:t>
-            </a:r>
-            <a:endParaRPr lang="zh-CN" altLang="en-US" sz="2200" dirty="0">
+              <a:t>Number.prototype.</a:t>
+            </a:r>
+            <a:r>
+              <a:rPr lang="en-US" altLang="zh-CN" sz="2200" dirty="0">
+                <a:solidFill>
+                  <a:srgbClr val="FF0000"/>
+                </a:solidFill>
+                <a:sym typeface="+mn-ea"/>
+              </a:rPr>
+              <a:t>toExponential(...)</a:t>
+            </a:r>
+            <a:endParaRPr lang="en-US" altLang="zh-CN" sz="2200" dirty="0">
               <a:solidFill>
-                <a:schemeClr val="tx1"/>
+                <a:srgbClr val="FF0000"/>
               </a:solidFill>
               <a:sym typeface="+mn-ea"/>
             </a:endParaRPr>
@@ -6221,7 +6190,7 @@
         <p:spPr>
           <a:xfrm>
             <a:off x="1143000" y="783590"/>
-            <a:ext cx="10044430" cy="5253990"/>
+            <a:ext cx="9479280" cy="5253990"/>
           </a:xfrm>
         </p:spPr>
         <p:txBody>
@@ -6234,12 +6203,62 @@
               </a:lnSpc>
             </a:pPr>
             <a:r>
+              <a:rPr lang="en-US" altLang="zh-CN" sz="3200" dirty="0">
+                <a:solidFill>
+                  <a:schemeClr val="tx1"/>
+                </a:solidFill>
+                <a:sym typeface="+mn-ea"/>
+              </a:rPr>
+              <a:t>String</a:t>
+            </a:r>
+            <a:r>
               <a:rPr lang="zh-CN" altLang="en-US" sz="3200" dirty="0">
                 <a:solidFill>
                   <a:schemeClr val="tx1"/>
                 </a:solidFill>
               </a:rPr>
-              <a:t>字符串比较</a:t>
+              <a:t>基本数据类型变量有与其对应的</a:t>
+            </a:r>
+            <a:r>
+              <a:rPr lang="en-US" altLang="zh-CN" sz="3200" dirty="0">
+                <a:solidFill>
+                  <a:schemeClr val="tx1"/>
+                </a:solidFill>
+                <a:sym typeface="+mn-ea"/>
+              </a:rPr>
+              <a:t>String</a:t>
+            </a:r>
+            <a:r>
+              <a:rPr lang="zh-CN" altLang="en-US" sz="3200" dirty="0">
+                <a:solidFill>
+                  <a:schemeClr val="accent3"/>
+                </a:solidFill>
+              </a:rPr>
+              <a:t>包装对象</a:t>
+            </a:r>
+            <a:r>
+              <a:rPr lang="zh-CN" altLang="en-US" sz="3200" dirty="0">
+                <a:solidFill>
+                  <a:schemeClr val="tx1"/>
+                </a:solidFill>
+              </a:rPr>
+              <a:t>，当访问</a:t>
+            </a:r>
+            <a:r>
+              <a:rPr lang="en-US" altLang="zh-CN" sz="3200" dirty="0">
+                <a:solidFill>
+                  <a:schemeClr val="tx1"/>
+                </a:solidFill>
+              </a:rPr>
+              <a:t>String</a:t>
+            </a:r>
+            <a:r>
+              <a:rPr lang="zh-CN" altLang="en-US" sz="3200" dirty="0">
+                <a:solidFill>
+                  <a:schemeClr val="tx1"/>
+                </a:solidFill>
+              </a:rPr>
+              <a:t>基本数据类型属性或方法时创建临时包装对象，访问的都是对象中的属性或方法（注：访问对象属性时，首先访问自身属性，访问不到时，则会在原型链上寻找对应的属性和方法）</a:t>
             </a:r>
             <a:br>
               <a:rPr lang="zh-CN" altLang="en-US" sz="3200" dirty="0">
@@ -6248,351 +6267,7 @@
                 </a:solidFill>
               </a:rPr>
             </a:br>
-            <a:r>
-              <a:rPr lang="en-US" altLang="zh-CN" sz="2000" dirty="0">
-                <a:solidFill>
-                  <a:schemeClr val="tx1"/>
-                </a:solidFill>
-              </a:rPr>
-              <a:t>-  "B" &gt; "A"</a:t>
-            </a:r>
-            <a:r>
-              <a:rPr lang="zh-CN" altLang="en-US" sz="2000" dirty="0">
-                <a:solidFill>
-                  <a:schemeClr val="tx1"/>
-                </a:solidFill>
-                <a:sym typeface="+mn-ea"/>
-              </a:rPr>
-              <a:t>、</a:t>
-            </a:r>
-            <a:r>
-              <a:rPr sz="2000" dirty="0">
-                <a:solidFill>
-                  <a:schemeClr val="tx1"/>
-                </a:solidFill>
-                <a:sym typeface="+mn-ea"/>
-              </a:rPr>
-              <a:t>"B" &gt; "</a:t>
-            </a:r>
-            <a:r>
-              <a:rPr lang="en-US" sz="2000" dirty="0">
-                <a:solidFill>
-                  <a:schemeClr val="tx1"/>
-                </a:solidFill>
-                <a:sym typeface="+mn-ea"/>
-              </a:rPr>
-              <a:t>a</a:t>
-            </a:r>
-            <a:r>
-              <a:rPr sz="2000" dirty="0">
-                <a:solidFill>
-                  <a:schemeClr val="tx1"/>
-                </a:solidFill>
-                <a:sym typeface="+mn-ea"/>
-              </a:rPr>
-              <a:t>"</a:t>
-            </a:r>
-            <a:br>
-              <a:rPr lang="zh-CN" altLang="en-US" sz="2000" dirty="0">
-                <a:solidFill>
-                  <a:schemeClr val="tx1"/>
-                </a:solidFill>
-                <a:sym typeface="+mn-ea"/>
-              </a:rPr>
-            </a:br>
-            <a:r>
-              <a:rPr lang="en-US" altLang="zh-CN" sz="2000" dirty="0">
-                <a:solidFill>
-                  <a:schemeClr val="tx1"/>
-                </a:solidFill>
-                <a:sym typeface="+mn-ea"/>
-              </a:rPr>
-              <a:t>-  </a:t>
-            </a:r>
-            <a:r>
-              <a:rPr sz="2000" dirty="0">
-                <a:solidFill>
-                  <a:schemeClr val="tx1"/>
-                </a:solidFill>
-                <a:sym typeface="+mn-ea"/>
-              </a:rPr>
-              <a:t>"B".localeCompare("A"); </a:t>
-            </a:r>
-            <a:r>
-              <a:rPr lang="en-US" sz="2000" dirty="0">
-                <a:solidFill>
-                  <a:schemeClr val="tx1"/>
-                </a:solidFill>
-                <a:sym typeface="+mn-ea"/>
-              </a:rPr>
-              <a:t>//</a:t>
-            </a:r>
-            <a:r>
-              <a:rPr lang="zh-CN" altLang="en-US" sz="2000" dirty="0">
-                <a:solidFill>
-                  <a:schemeClr val="tx1"/>
-                </a:solidFill>
-                <a:sym typeface="+mn-ea"/>
-              </a:rPr>
-              <a:t>考虑本地化的字符排序，返回</a:t>
-            </a:r>
-            <a:r>
-              <a:rPr lang="en-US" altLang="zh-CN" sz="2000" dirty="0">
-                <a:solidFill>
-                  <a:schemeClr val="tx1"/>
-                </a:solidFill>
-                <a:sym typeface="+mn-ea"/>
-              </a:rPr>
-              <a:t>0</a:t>
-            </a:r>
-            <a:r>
-              <a:rPr lang="zh-CN" altLang="en-US" sz="2000" dirty="0">
-                <a:solidFill>
-                  <a:schemeClr val="tx1"/>
-                </a:solidFill>
-                <a:sym typeface="+mn-ea"/>
-              </a:rPr>
-              <a:t>或非</a:t>
-            </a:r>
-            <a:r>
-              <a:rPr lang="en-US" altLang="zh-CN" sz="2000" dirty="0">
-                <a:solidFill>
-                  <a:schemeClr val="tx1"/>
-                </a:solidFill>
-                <a:sym typeface="+mn-ea"/>
-              </a:rPr>
-              <a:t>0</a:t>
-            </a:r>
-            <a:endParaRPr lang="zh-CN" altLang="en-US" sz="2000" dirty="0">
-              <a:solidFill>
-                <a:schemeClr val="tx1"/>
-              </a:solidFill>
-              <a:sym typeface="+mn-ea"/>
-            </a:endParaRPr>
-          </a:p>
-          <a:p>
-            <a:pPr>
-              <a:lnSpc>
-                <a:spcPct val="150000"/>
-              </a:lnSpc>
-            </a:pPr>
-            <a:r>
-              <a:rPr lang="zh-CN" altLang="en-US" sz="3200" dirty="0">
-                <a:solidFill>
-                  <a:schemeClr val="tx1"/>
-                </a:solidFill>
-                <a:sym typeface="+mn-ea"/>
-              </a:rPr>
-              <a:t>字符串拼接</a:t>
-            </a:r>
-            <a:br>
-              <a:rPr lang="zh-CN" altLang="en-US" sz="3200" dirty="0">
-                <a:solidFill>
-                  <a:schemeClr val="tx1"/>
-                </a:solidFill>
-                <a:sym typeface="+mn-ea"/>
-              </a:rPr>
-            </a:br>
-            <a:r>
-              <a:rPr lang="en-US" altLang="zh-CN" sz="2000" dirty="0">
-                <a:solidFill>
-                  <a:schemeClr val="tx1"/>
-                </a:solidFill>
-                <a:sym typeface="+mn-ea"/>
-              </a:rPr>
-              <a:t>- </a:t>
-            </a:r>
-            <a:r>
-              <a:rPr lang="zh-CN" altLang="en-US" sz="2000" dirty="0">
-                <a:solidFill>
-                  <a:schemeClr val="tx1"/>
-                </a:solidFill>
-                <a:sym typeface="+mn-ea"/>
-              </a:rPr>
-              <a:t>合并：加号运算符（</a:t>
-            </a:r>
-            <a:r>
-              <a:rPr lang="en-US" altLang="zh-CN" sz="2000" dirty="0">
-                <a:solidFill>
-                  <a:schemeClr val="tx1"/>
-                </a:solidFill>
-                <a:sym typeface="+mn-ea"/>
-              </a:rPr>
-              <a:t>+</a:t>
-            </a:r>
-            <a:r>
-              <a:rPr lang="zh-CN" altLang="en-US" sz="2000" dirty="0">
-                <a:solidFill>
-                  <a:schemeClr val="tx1"/>
-                </a:solidFill>
-                <a:sym typeface="+mn-ea"/>
-              </a:rPr>
-              <a:t>、</a:t>
-            </a:r>
-            <a:r>
-              <a:rPr lang="en-US" altLang="zh-CN" sz="2000" dirty="0">
-                <a:solidFill>
-                  <a:schemeClr val="tx1"/>
-                </a:solidFill>
-                <a:sym typeface="+mn-ea"/>
-              </a:rPr>
-              <a:t>+=</a:t>
-            </a:r>
-            <a:r>
-              <a:rPr lang="zh-CN" altLang="en-US" sz="2000" dirty="0">
-                <a:solidFill>
-                  <a:schemeClr val="tx1"/>
-                </a:solidFill>
-                <a:sym typeface="+mn-ea"/>
-              </a:rPr>
-              <a:t>）</a:t>
-            </a:r>
-            <a:br>
-              <a:rPr lang="zh-CN" altLang="en-US" sz="2000" dirty="0">
-                <a:solidFill>
-                  <a:schemeClr val="tx1"/>
-                </a:solidFill>
-                <a:sym typeface="+mn-ea"/>
-              </a:rPr>
-            </a:br>
-            <a:r>
-              <a:rPr lang="en-US" altLang="zh-CN" sz="2000" dirty="0">
-                <a:solidFill>
-                  <a:schemeClr val="tx1"/>
-                </a:solidFill>
-                <a:sym typeface="+mn-ea"/>
-              </a:rPr>
-              <a:t>- </a:t>
-            </a:r>
-            <a:r>
-              <a:rPr lang="zh-CN" altLang="en-US" sz="2000" dirty="0">
-                <a:solidFill>
-                  <a:schemeClr val="tx1"/>
-                </a:solidFill>
-                <a:sym typeface="+mn-ea"/>
-              </a:rPr>
-              <a:t>合并：拼接字符串数组（通过数组方法</a:t>
-            </a:r>
-            <a:r>
-              <a:rPr lang="en-US" altLang="zh-CN" sz="2000" dirty="0">
-                <a:solidFill>
-                  <a:schemeClr val="tx1"/>
-                </a:solidFill>
-                <a:sym typeface="+mn-ea"/>
-              </a:rPr>
-              <a:t>push</a:t>
-            </a:r>
-            <a:r>
-              <a:rPr lang="zh-CN" altLang="en-US" sz="2000" dirty="0">
-                <a:solidFill>
-                  <a:schemeClr val="tx1"/>
-                </a:solidFill>
-                <a:sym typeface="+mn-ea"/>
-              </a:rPr>
-              <a:t>、</a:t>
-            </a:r>
-            <a:r>
-              <a:rPr lang="en-US" altLang="zh-CN" sz="2000" dirty="0">
-                <a:solidFill>
-                  <a:schemeClr val="tx1"/>
-                </a:solidFill>
-                <a:sym typeface="+mn-ea"/>
-              </a:rPr>
-              <a:t>join</a:t>
-            </a:r>
-            <a:r>
-              <a:rPr lang="zh-CN" altLang="en-US" sz="2000" dirty="0">
-                <a:solidFill>
-                  <a:schemeClr val="tx1"/>
-                </a:solidFill>
-                <a:sym typeface="+mn-ea"/>
-              </a:rPr>
-              <a:t>等）</a:t>
-            </a:r>
-            <a:endParaRPr lang="zh-CN" altLang="en-US" sz="2000" dirty="0">
-              <a:solidFill>
-                <a:schemeClr val="tx1"/>
-              </a:solidFill>
-              <a:sym typeface="+mn-ea"/>
-            </a:endParaRPr>
-          </a:p>
-          <a:p>
-            <a:pPr>
-              <a:lnSpc>
-                <a:spcPct val="150000"/>
-              </a:lnSpc>
-            </a:pPr>
-            <a:r>
-              <a:rPr lang="en-US" altLang="zh-CN" sz="3200" dirty="0">
-                <a:solidFill>
-                  <a:schemeClr val="tx1"/>
-                </a:solidFill>
-                <a:sym typeface="+mn-ea"/>
-              </a:rPr>
-              <a:t>String</a:t>
-            </a:r>
-            <a:r>
-              <a:rPr lang="zh-CN" altLang="en-US" sz="3200" dirty="0">
-                <a:solidFill>
-                  <a:schemeClr val="tx1"/>
-                </a:solidFill>
-                <a:sym typeface="+mn-ea"/>
-              </a:rPr>
-              <a:t>函数的使用</a:t>
-            </a:r>
-            <a:br>
-              <a:rPr lang="zh-CN" altLang="en-US" sz="2000" dirty="0">
-                <a:solidFill>
-                  <a:schemeClr val="tx1"/>
-                </a:solidFill>
-                <a:sym typeface="+mn-ea"/>
-              </a:rPr>
-            </a:br>
-            <a:r>
-              <a:rPr lang="en-US" altLang="zh-CN" sz="2000" dirty="0">
-                <a:solidFill>
-                  <a:schemeClr val="tx1"/>
-                </a:solidFill>
-                <a:sym typeface="+mn-ea"/>
-              </a:rPr>
-              <a:t>- </a:t>
-            </a:r>
-            <a:r>
-              <a:rPr lang="zh-CN" altLang="en-US" sz="2000" dirty="0">
-                <a:solidFill>
-                  <a:schemeClr val="tx1"/>
-                </a:solidFill>
-                <a:sym typeface="+mn-ea"/>
-              </a:rPr>
-              <a:t>类型转换、实例化字符串对象</a:t>
-            </a:r>
-            <a:endParaRPr lang="zh-CN" altLang="en-US" sz="2000" dirty="0">
-              <a:solidFill>
-                <a:schemeClr val="tx1"/>
-              </a:solidFill>
-              <a:sym typeface="+mn-ea"/>
-            </a:endParaRPr>
-          </a:p>
-          <a:p>
-            <a:pPr>
-              <a:lnSpc>
-                <a:spcPct val="150000"/>
-              </a:lnSpc>
-            </a:pPr>
-            <a:endParaRPr lang="en-US" altLang="zh-CN" sz="2000" dirty="0">
-              <a:solidFill>
-                <a:schemeClr val="tx1"/>
-              </a:solidFill>
-            </a:endParaRPr>
-          </a:p>
-          <a:p>
-            <a:pPr marL="0" indent="0">
-              <a:lnSpc>
-                <a:spcPct val="150000"/>
-              </a:lnSpc>
-              <a:buNone/>
-            </a:pPr>
-            <a:endParaRPr lang="zh-CN" altLang="en-US" sz="2000" dirty="0">
+            <a:endParaRPr lang="zh-CN" altLang="en-US" sz="2400" dirty="0">
               <a:solidFill>
                 <a:schemeClr val="tx1"/>
               </a:solidFill>
@@ -6671,61 +6346,30 @@
           </a:p>
         </p:txBody>
       </p:sp>
-      <p:sp>
-        <p:nvSpPr>
-          <p:cNvPr id="4" name="文本框 3"/>
-          <p:cNvSpPr txBox="1"/>
+      <p:pic>
+        <p:nvPicPr>
+          <p:cNvPr id="4" name="图片 3" descr="%VB~3(DEKSZ1@VET4Z4Y{`F"/>
+          <p:cNvPicPr>
+            <a:picLocks noChangeAspect="1"/>
+          </p:cNvPicPr>
           <p:nvPr/>
-        </p:nvSpPr>
+        </p:nvPicPr>
+        <p:blipFill>
+          <a:blip r:embed="rId1"/>
+          <a:stretch>
+            <a:fillRect/>
+          </a:stretch>
+        </p:blipFill>
         <p:spPr>
           <a:xfrm>
-            <a:off x="7530465" y="5124450"/>
-            <a:ext cx="3656965" cy="429895"/>
+            <a:off x="1410335" y="4754245"/>
+            <a:ext cx="4742815" cy="1142365"/>
           </a:xfrm>
           <a:prstGeom prst="rect">
             <a:avLst/>
           </a:prstGeom>
-          <a:noFill/>
         </p:spPr>
-        <p:txBody>
-          <a:bodyPr wrap="square" rtlCol="0">
-            <a:spAutoFit/>
-          </a:bodyPr>
-          <a:lstStyle/>
-          <a:p>
-            <a:pPr algn="l"/>
-            <a:r>
-              <a:rPr lang="zh-CN" altLang="en-US" sz="2200">
-                <a:solidFill>
-                  <a:srgbClr val="FF0000"/>
-                </a:solidFill>
-                <a:latin typeface="+mn-ea"/>
-                <a:ea typeface="+mn-ea"/>
-                <a:sym typeface="+mn-ea"/>
-              </a:rPr>
-              <a:t>参见实例</a:t>
-            </a:r>
-            <a:r>
-              <a:rPr lang="en-US" altLang="zh-CN" sz="2200">
-                <a:solidFill>
-                  <a:srgbClr val="FF0000"/>
-                </a:solidFill>
-                <a:latin typeface="+mn-ea"/>
-                <a:ea typeface="+mn-ea"/>
-                <a:sym typeface="+mn-ea"/>
-              </a:rPr>
-              <a:t>demo14  Part0</a:t>
-            </a:r>
-            <a:endParaRPr lang="en-US" altLang="zh-CN" sz="2200">
-              <a:solidFill>
-                <a:srgbClr val="FF0000"/>
-              </a:solidFill>
-              <a:latin typeface="+mn-ea"/>
-              <a:ea typeface="+mn-ea"/>
-            </a:endParaRPr>
-          </a:p>
-        </p:txBody>
-      </p:sp>
+      </p:pic>
     </p:spTree>
   </p:cSld>
   <p:clrMapOvr>
@@ -6771,7 +6415,7 @@
         <p:spPr>
           <a:xfrm>
             <a:off x="1143000" y="783590"/>
-            <a:ext cx="9479280" cy="5253990"/>
+            <a:ext cx="10044430" cy="5253990"/>
           </a:xfrm>
         </p:spPr>
         <p:txBody>
@@ -6784,62 +6428,12 @@
               </a:lnSpc>
             </a:pPr>
             <a:r>
-              <a:rPr lang="en-US" altLang="zh-CN" sz="3200" dirty="0">
-                <a:solidFill>
-                  <a:schemeClr val="tx1"/>
-                </a:solidFill>
-                <a:sym typeface="+mn-ea"/>
-              </a:rPr>
-              <a:t>String</a:t>
-            </a:r>
-            <a:r>
               <a:rPr lang="zh-CN" altLang="en-US" sz="3200" dirty="0">
                 <a:solidFill>
                   <a:schemeClr val="tx1"/>
                 </a:solidFill>
               </a:rPr>
-              <a:t>基本数据类型变量有与其对应的</a:t>
-            </a:r>
-            <a:r>
-              <a:rPr lang="en-US" altLang="zh-CN" sz="3200" dirty="0">
-                <a:solidFill>
-                  <a:schemeClr val="tx1"/>
-                </a:solidFill>
-                <a:sym typeface="+mn-ea"/>
-              </a:rPr>
-              <a:t>String</a:t>
-            </a:r>
-            <a:r>
-              <a:rPr lang="zh-CN" altLang="en-US" sz="3200" dirty="0">
-                <a:solidFill>
-                  <a:schemeClr val="accent3"/>
-                </a:solidFill>
-              </a:rPr>
-              <a:t>包装对象</a:t>
-            </a:r>
-            <a:r>
-              <a:rPr lang="zh-CN" altLang="en-US" sz="3200" dirty="0">
-                <a:solidFill>
-                  <a:schemeClr val="tx1"/>
-                </a:solidFill>
-              </a:rPr>
-              <a:t>，当访问</a:t>
-            </a:r>
-            <a:r>
-              <a:rPr lang="en-US" altLang="zh-CN" sz="3200" dirty="0">
-                <a:solidFill>
-                  <a:schemeClr val="tx1"/>
-                </a:solidFill>
-              </a:rPr>
-              <a:t>String</a:t>
-            </a:r>
-            <a:r>
-              <a:rPr lang="zh-CN" altLang="en-US" sz="3200" dirty="0">
-                <a:solidFill>
-                  <a:schemeClr val="tx1"/>
-                </a:solidFill>
-              </a:rPr>
-              <a:t>基本数据类型属性或方法时创建临时包装对象，访问的都是对象中的属性或方法（注：访问对象属性时，首先访问自身属性，访问不到时，则会在原型链上寻找对应的属性和方法）</a:t>
+              <a:t>字符串比较</a:t>
             </a:r>
             <a:br>
               <a:rPr lang="zh-CN" altLang="en-US" sz="3200" dirty="0">
@@ -6848,7 +6442,351 @@
                 </a:solidFill>
               </a:rPr>
             </a:br>
-            <a:endParaRPr lang="zh-CN" altLang="en-US" sz="2400" dirty="0">
+            <a:r>
+              <a:rPr lang="en-US" altLang="zh-CN" sz="2000" dirty="0">
+                <a:solidFill>
+                  <a:schemeClr val="tx1"/>
+                </a:solidFill>
+              </a:rPr>
+              <a:t>-  "B" &gt; "A"</a:t>
+            </a:r>
+            <a:r>
+              <a:rPr lang="zh-CN" altLang="en-US" sz="2000" dirty="0">
+                <a:solidFill>
+                  <a:schemeClr val="tx1"/>
+                </a:solidFill>
+                <a:sym typeface="+mn-ea"/>
+              </a:rPr>
+              <a:t>、</a:t>
+            </a:r>
+            <a:r>
+              <a:rPr sz="2000" dirty="0">
+                <a:solidFill>
+                  <a:schemeClr val="tx1"/>
+                </a:solidFill>
+                <a:sym typeface="+mn-ea"/>
+              </a:rPr>
+              <a:t>"B" &gt; "</a:t>
+            </a:r>
+            <a:r>
+              <a:rPr lang="en-US" sz="2000" dirty="0">
+                <a:solidFill>
+                  <a:schemeClr val="tx1"/>
+                </a:solidFill>
+                <a:sym typeface="+mn-ea"/>
+              </a:rPr>
+              <a:t>a</a:t>
+            </a:r>
+            <a:r>
+              <a:rPr sz="2000" dirty="0">
+                <a:solidFill>
+                  <a:schemeClr val="tx1"/>
+                </a:solidFill>
+                <a:sym typeface="+mn-ea"/>
+              </a:rPr>
+              <a:t>"</a:t>
+            </a:r>
+            <a:br>
+              <a:rPr lang="zh-CN" altLang="en-US" sz="2000" dirty="0">
+                <a:solidFill>
+                  <a:schemeClr val="tx1"/>
+                </a:solidFill>
+                <a:sym typeface="+mn-ea"/>
+              </a:rPr>
+            </a:br>
+            <a:r>
+              <a:rPr lang="en-US" altLang="zh-CN" sz="2000" dirty="0">
+                <a:solidFill>
+                  <a:schemeClr val="tx1"/>
+                </a:solidFill>
+                <a:sym typeface="+mn-ea"/>
+              </a:rPr>
+              <a:t>-  </a:t>
+            </a:r>
+            <a:r>
+              <a:rPr sz="2000" dirty="0">
+                <a:solidFill>
+                  <a:schemeClr val="tx1"/>
+                </a:solidFill>
+                <a:sym typeface="+mn-ea"/>
+              </a:rPr>
+              <a:t>"B".localeCompare("A"); </a:t>
+            </a:r>
+            <a:r>
+              <a:rPr lang="en-US" sz="2000" dirty="0">
+                <a:solidFill>
+                  <a:schemeClr val="tx1"/>
+                </a:solidFill>
+                <a:sym typeface="+mn-ea"/>
+              </a:rPr>
+              <a:t>//</a:t>
+            </a:r>
+            <a:r>
+              <a:rPr lang="zh-CN" altLang="en-US" sz="2000" dirty="0">
+                <a:solidFill>
+                  <a:schemeClr val="tx1"/>
+                </a:solidFill>
+                <a:sym typeface="+mn-ea"/>
+              </a:rPr>
+              <a:t>考虑本地化的字符排序，返回</a:t>
+            </a:r>
+            <a:r>
+              <a:rPr lang="en-US" altLang="zh-CN" sz="2000" dirty="0">
+                <a:solidFill>
+                  <a:schemeClr val="tx1"/>
+                </a:solidFill>
+                <a:sym typeface="+mn-ea"/>
+              </a:rPr>
+              <a:t>0</a:t>
+            </a:r>
+            <a:r>
+              <a:rPr lang="zh-CN" altLang="en-US" sz="2000" dirty="0">
+                <a:solidFill>
+                  <a:schemeClr val="tx1"/>
+                </a:solidFill>
+                <a:sym typeface="+mn-ea"/>
+              </a:rPr>
+              <a:t>或非</a:t>
+            </a:r>
+            <a:r>
+              <a:rPr lang="en-US" altLang="zh-CN" sz="2000" dirty="0">
+                <a:solidFill>
+                  <a:schemeClr val="tx1"/>
+                </a:solidFill>
+                <a:sym typeface="+mn-ea"/>
+              </a:rPr>
+              <a:t>0</a:t>
+            </a:r>
+            <a:endParaRPr lang="zh-CN" altLang="en-US" sz="2000" dirty="0">
+              <a:solidFill>
+                <a:schemeClr val="tx1"/>
+              </a:solidFill>
+              <a:sym typeface="+mn-ea"/>
+            </a:endParaRPr>
+          </a:p>
+          <a:p>
+            <a:pPr>
+              <a:lnSpc>
+                <a:spcPct val="150000"/>
+              </a:lnSpc>
+            </a:pPr>
+            <a:r>
+              <a:rPr lang="zh-CN" altLang="en-US" sz="3200" dirty="0">
+                <a:solidFill>
+                  <a:schemeClr val="tx1"/>
+                </a:solidFill>
+                <a:sym typeface="+mn-ea"/>
+              </a:rPr>
+              <a:t>字符串拼接</a:t>
+            </a:r>
+            <a:br>
+              <a:rPr lang="zh-CN" altLang="en-US" sz="3200" dirty="0">
+                <a:solidFill>
+                  <a:schemeClr val="tx1"/>
+                </a:solidFill>
+                <a:sym typeface="+mn-ea"/>
+              </a:rPr>
+            </a:br>
+            <a:r>
+              <a:rPr lang="en-US" altLang="zh-CN" sz="2000" dirty="0">
+                <a:solidFill>
+                  <a:schemeClr val="tx1"/>
+                </a:solidFill>
+                <a:sym typeface="+mn-ea"/>
+              </a:rPr>
+              <a:t>- </a:t>
+            </a:r>
+            <a:r>
+              <a:rPr lang="zh-CN" altLang="en-US" sz="2000" dirty="0">
+                <a:solidFill>
+                  <a:schemeClr val="tx1"/>
+                </a:solidFill>
+                <a:sym typeface="+mn-ea"/>
+              </a:rPr>
+              <a:t>合并：加号运算符（</a:t>
+            </a:r>
+            <a:r>
+              <a:rPr lang="en-US" altLang="zh-CN" sz="2000" dirty="0">
+                <a:solidFill>
+                  <a:schemeClr val="tx1"/>
+                </a:solidFill>
+                <a:sym typeface="+mn-ea"/>
+              </a:rPr>
+              <a:t>+</a:t>
+            </a:r>
+            <a:r>
+              <a:rPr lang="zh-CN" altLang="en-US" sz="2000" dirty="0">
+                <a:solidFill>
+                  <a:schemeClr val="tx1"/>
+                </a:solidFill>
+                <a:sym typeface="+mn-ea"/>
+              </a:rPr>
+              <a:t>、</a:t>
+            </a:r>
+            <a:r>
+              <a:rPr lang="en-US" altLang="zh-CN" sz="2000" dirty="0">
+                <a:solidFill>
+                  <a:schemeClr val="tx1"/>
+                </a:solidFill>
+                <a:sym typeface="+mn-ea"/>
+              </a:rPr>
+              <a:t>+=</a:t>
+            </a:r>
+            <a:r>
+              <a:rPr lang="zh-CN" altLang="en-US" sz="2000" dirty="0">
+                <a:solidFill>
+                  <a:schemeClr val="tx1"/>
+                </a:solidFill>
+                <a:sym typeface="+mn-ea"/>
+              </a:rPr>
+              <a:t>）</a:t>
+            </a:r>
+            <a:br>
+              <a:rPr lang="zh-CN" altLang="en-US" sz="2000" dirty="0">
+                <a:solidFill>
+                  <a:schemeClr val="tx1"/>
+                </a:solidFill>
+                <a:sym typeface="+mn-ea"/>
+              </a:rPr>
+            </a:br>
+            <a:r>
+              <a:rPr lang="en-US" altLang="zh-CN" sz="2000" dirty="0">
+                <a:solidFill>
+                  <a:schemeClr val="tx1"/>
+                </a:solidFill>
+                <a:sym typeface="+mn-ea"/>
+              </a:rPr>
+              <a:t>- </a:t>
+            </a:r>
+            <a:r>
+              <a:rPr lang="zh-CN" altLang="en-US" sz="2000" dirty="0">
+                <a:solidFill>
+                  <a:schemeClr val="tx1"/>
+                </a:solidFill>
+                <a:sym typeface="+mn-ea"/>
+              </a:rPr>
+              <a:t>合并：拼接字符串数组（通过数组方法</a:t>
+            </a:r>
+            <a:r>
+              <a:rPr lang="en-US" altLang="zh-CN" sz="2000" dirty="0">
+                <a:solidFill>
+                  <a:schemeClr val="tx1"/>
+                </a:solidFill>
+                <a:sym typeface="+mn-ea"/>
+              </a:rPr>
+              <a:t>push</a:t>
+            </a:r>
+            <a:r>
+              <a:rPr lang="zh-CN" altLang="en-US" sz="2000" dirty="0">
+                <a:solidFill>
+                  <a:schemeClr val="tx1"/>
+                </a:solidFill>
+                <a:sym typeface="+mn-ea"/>
+              </a:rPr>
+              <a:t>、</a:t>
+            </a:r>
+            <a:r>
+              <a:rPr lang="en-US" altLang="zh-CN" sz="2000" dirty="0">
+                <a:solidFill>
+                  <a:schemeClr val="tx1"/>
+                </a:solidFill>
+                <a:sym typeface="+mn-ea"/>
+              </a:rPr>
+              <a:t>join</a:t>
+            </a:r>
+            <a:r>
+              <a:rPr lang="zh-CN" altLang="en-US" sz="2000" dirty="0">
+                <a:solidFill>
+                  <a:schemeClr val="tx1"/>
+                </a:solidFill>
+                <a:sym typeface="+mn-ea"/>
+              </a:rPr>
+              <a:t>等）</a:t>
+            </a:r>
+            <a:endParaRPr lang="zh-CN" altLang="en-US" sz="2000" dirty="0">
+              <a:solidFill>
+                <a:schemeClr val="tx1"/>
+              </a:solidFill>
+              <a:sym typeface="+mn-ea"/>
+            </a:endParaRPr>
+          </a:p>
+          <a:p>
+            <a:pPr>
+              <a:lnSpc>
+                <a:spcPct val="150000"/>
+              </a:lnSpc>
+            </a:pPr>
+            <a:r>
+              <a:rPr lang="en-US" altLang="zh-CN" sz="3200" dirty="0">
+                <a:solidFill>
+                  <a:schemeClr val="tx1"/>
+                </a:solidFill>
+                <a:sym typeface="+mn-ea"/>
+              </a:rPr>
+              <a:t>String</a:t>
+            </a:r>
+            <a:r>
+              <a:rPr lang="zh-CN" altLang="en-US" sz="3200" dirty="0">
+                <a:solidFill>
+                  <a:schemeClr val="tx1"/>
+                </a:solidFill>
+                <a:sym typeface="+mn-ea"/>
+              </a:rPr>
+              <a:t>函数的使用</a:t>
+            </a:r>
+            <a:br>
+              <a:rPr lang="zh-CN" altLang="en-US" sz="2000" dirty="0">
+                <a:solidFill>
+                  <a:schemeClr val="tx1"/>
+                </a:solidFill>
+                <a:sym typeface="+mn-ea"/>
+              </a:rPr>
+            </a:br>
+            <a:r>
+              <a:rPr lang="en-US" altLang="zh-CN" sz="2000" dirty="0">
+                <a:solidFill>
+                  <a:schemeClr val="tx1"/>
+                </a:solidFill>
+                <a:sym typeface="+mn-ea"/>
+              </a:rPr>
+              <a:t>- </a:t>
+            </a:r>
+            <a:r>
+              <a:rPr lang="zh-CN" altLang="en-US" sz="2000" dirty="0">
+                <a:solidFill>
+                  <a:schemeClr val="tx1"/>
+                </a:solidFill>
+                <a:sym typeface="+mn-ea"/>
+              </a:rPr>
+              <a:t>类型转换、实例化字符串对象</a:t>
+            </a:r>
+            <a:endParaRPr lang="zh-CN" altLang="en-US" sz="2000" dirty="0">
+              <a:solidFill>
+                <a:schemeClr val="tx1"/>
+              </a:solidFill>
+              <a:sym typeface="+mn-ea"/>
+            </a:endParaRPr>
+          </a:p>
+          <a:p>
+            <a:pPr>
+              <a:lnSpc>
+                <a:spcPct val="150000"/>
+              </a:lnSpc>
+            </a:pPr>
+            <a:endParaRPr lang="en-US" altLang="zh-CN" sz="2000" dirty="0">
+              <a:solidFill>
+                <a:schemeClr val="tx1"/>
+              </a:solidFill>
+            </a:endParaRPr>
+          </a:p>
+          <a:p>
+            <a:pPr marL="0" indent="0">
+              <a:lnSpc>
+                <a:spcPct val="150000"/>
+              </a:lnSpc>
+              <a:buNone/>
+            </a:pPr>
+            <a:endParaRPr lang="zh-CN" altLang="en-US" sz="2000" dirty="0">
               <a:solidFill>
                 <a:schemeClr val="tx1"/>
               </a:solidFill>
@@ -6927,30 +6865,61 @@
           </a:p>
         </p:txBody>
       </p:sp>
-      <p:pic>
-        <p:nvPicPr>
-          <p:cNvPr id="4" name="图片 3" descr="%VB~3(DEKSZ1@VET4Z4Y{`F"/>
-          <p:cNvPicPr>
-            <a:picLocks noChangeAspect="1"/>
-          </p:cNvPicPr>
+      <p:sp>
+        <p:nvSpPr>
+          <p:cNvPr id="4" name="文本框 3"/>
+          <p:cNvSpPr txBox="1"/>
           <p:nvPr/>
-        </p:nvPicPr>
-        <p:blipFill>
-          <a:blip r:embed="rId1"/>
-          <a:stretch>
-            <a:fillRect/>
-          </a:stretch>
-        </p:blipFill>
+        </p:nvSpPr>
         <p:spPr>
           <a:xfrm>
-            <a:off x="1410335" y="4754245"/>
-            <a:ext cx="4742815" cy="1142365"/>
+            <a:off x="7530465" y="5124450"/>
+            <a:ext cx="3656965" cy="429895"/>
           </a:xfrm>
           <a:prstGeom prst="rect">
             <a:avLst/>
           </a:prstGeom>
+          <a:noFill/>
         </p:spPr>
-      </p:pic>
+        <p:txBody>
+          <a:bodyPr wrap="square" rtlCol="0">
+            <a:spAutoFit/>
+          </a:bodyPr>
+          <a:lstStyle/>
+          <a:p>
+            <a:pPr algn="l"/>
+            <a:r>
+              <a:rPr lang="zh-CN" altLang="en-US" sz="2200">
+                <a:solidFill>
+                  <a:srgbClr val="FF0000"/>
+                </a:solidFill>
+                <a:latin typeface="+mn-ea"/>
+                <a:ea typeface="+mn-ea"/>
+                <a:sym typeface="+mn-ea"/>
+              </a:rPr>
+              <a:t>参见实例</a:t>
+            </a:r>
+            <a:r>
+              <a:rPr lang="en-US" altLang="zh-CN" sz="2200">
+                <a:solidFill>
+                  <a:srgbClr val="FF0000"/>
+                </a:solidFill>
+                <a:latin typeface="+mn-ea"/>
+                <a:ea typeface="+mn-ea"/>
+                <a:sym typeface="+mn-ea"/>
+              </a:rPr>
+              <a:t>demo14  Part0</a:t>
+            </a:r>
+            <a:endParaRPr lang="en-US" altLang="zh-CN" sz="2200">
+              <a:solidFill>
+                <a:srgbClr val="FF0000"/>
+              </a:solidFill>
+              <a:latin typeface="+mn-ea"/>
+              <a:ea typeface="+mn-ea"/>
+            </a:endParaRPr>
+          </a:p>
+        </p:txBody>
+      </p:sp>
     </p:spTree>
   </p:cSld>
   <p:clrMapOvr>
@@ -7203,32 +7172,6 @@
               </a:rPr>
               <a:t>- String.prototype.split(separator?,limit?);</a:t>
             </a:r>
-            <a:endParaRPr lang="en-US" altLang="zh-CN" sz="2000" dirty="0">
-              <a:solidFill>
-                <a:schemeClr val="tx1"/>
-              </a:solidFill>
-              <a:sym typeface="+mn-ea"/>
-            </a:endParaRPr>
-          </a:p>
-          <a:p>
-            <a:pPr>
-              <a:lnSpc>
-                <a:spcPct val="150000"/>
-              </a:lnSpc>
-            </a:pPr>
-            <a:endParaRPr lang="zh-CN" altLang="en-US" sz="2000" dirty="0">
-              <a:solidFill>
-                <a:schemeClr val="tx1"/>
-              </a:solidFill>
-              <a:sym typeface="+mn-ea"/>
-            </a:endParaRPr>
-          </a:p>
-          <a:p>
-            <a:pPr>
-              <a:lnSpc>
-                <a:spcPct val="150000"/>
-              </a:lnSpc>
-            </a:pPr>
             <a:endParaRPr lang="zh-CN" altLang="en-US" sz="3200" dirty="0">
               <a:solidFill>
                 <a:srgbClr val="FF0000"/>

--- a/课程PPT/03.基本（原始）数据类型进阶.pptx
+++ b/课程PPT/03.基本（原始）数据类型进阶.pptx
@@ -3091,7 +3091,25 @@
                 </a:solidFill>
                 <a:sym typeface="+mn-ea"/>
               </a:rPr>
-              <a:t>- String.prototype.search(regexp);</a:t>
+              <a:t>- String.prototype.</a:t>
+            </a:r>
+            <a:r>
+              <a:rPr lang="en-US" altLang="zh-CN" sz="2000" dirty="0">
+                <a:solidFill>
+                  <a:srgbClr val="FF0000"/>
+                </a:solidFill>
+                <a:sym typeface="+mn-ea"/>
+              </a:rPr>
+              <a:t>search</a:t>
+            </a:r>
+            <a:r>
+              <a:rPr lang="en-US" altLang="zh-CN" sz="2000" dirty="0">
+                <a:solidFill>
+                  <a:schemeClr val="tx1"/>
+                </a:solidFill>
+                <a:sym typeface="+mn-ea"/>
+              </a:rPr>
+              <a:t>(regexp);</a:t>
             </a:r>
             <a:br>
               <a:rPr lang="en-US" altLang="zh-CN" sz="2000" dirty="0">
@@ -3108,7 +3126,25 @@
                 </a:solidFill>
                 <a:sym typeface="+mn-ea"/>
               </a:rPr>
-              <a:t>- String.prototype.match(regexp);</a:t>
+              <a:t>- String.prototype.</a:t>
+            </a:r>
+            <a:r>
+              <a:rPr lang="en-US" altLang="zh-CN" sz="2000" dirty="0">
+                <a:solidFill>
+                  <a:srgbClr val="FF0000"/>
+                </a:solidFill>
+                <a:sym typeface="+mn-ea"/>
+              </a:rPr>
+              <a:t>match</a:t>
+            </a:r>
+            <a:r>
+              <a:rPr lang="en-US" altLang="zh-CN" sz="2000" dirty="0">
+                <a:solidFill>
+                  <a:schemeClr val="tx1"/>
+                </a:solidFill>
+                <a:sym typeface="+mn-ea"/>
+              </a:rPr>
+              <a:t>(regexp);</a:t>
             </a:r>
             <a:br>
               <a:rPr lang="en-US" altLang="zh-CN" sz="2000" dirty="0">
@@ -3125,7 +3161,25 @@
                 </a:solidFill>
                 <a:sym typeface="+mn-ea"/>
               </a:rPr>
-              <a:t>- String.prototype.replace(regexp); </a:t>
+              <a:t>- String.prototype.</a:t>
+            </a:r>
+            <a:r>
+              <a:rPr lang="en-US" altLang="zh-CN" sz="2000" dirty="0">
+                <a:solidFill>
+                  <a:srgbClr val="FF0000"/>
+                </a:solidFill>
+                <a:sym typeface="+mn-ea"/>
+              </a:rPr>
+              <a:t>replace</a:t>
+            </a:r>
+            <a:r>
+              <a:rPr lang="en-US" altLang="zh-CN" sz="2000" dirty="0">
+                <a:solidFill>
+                  <a:schemeClr val="tx1"/>
+                </a:solidFill>
+                <a:sym typeface="+mn-ea"/>
+              </a:rPr>
+              <a:t>(regexp); </a:t>
             </a:r>
             <a:endParaRPr lang="zh-CN" altLang="en-US" sz="2000" dirty="0">
               <a:solidFill>
@@ -7078,7 +7132,23 @@
                   <a:schemeClr val="tx1"/>
                 </a:solidFill>
               </a:rPr>
-              <a:t>- String.prototype.charAt(pos);</a:t>
+              <a:t>- String.prototype.</a:t>
+            </a:r>
+            <a:r>
+              <a:rPr lang="en-US" altLang="zh-CN" sz="2000" dirty="0">
+                <a:solidFill>
+                  <a:srgbClr val="FF0000"/>
+                </a:solidFill>
+              </a:rPr>
+              <a:t>charAt</a:t>
+            </a:r>
+            <a:r>
+              <a:rPr lang="en-US" altLang="zh-CN" sz="2000" dirty="0">
+                <a:solidFill>
+                  <a:schemeClr val="tx1"/>
+                </a:solidFill>
+              </a:rPr>
+              <a:t>(pos);</a:t>
             </a:r>
             <a:br>
               <a:rPr lang="en-US" altLang="zh-CN" sz="2000" dirty="0">
@@ -7102,7 +7172,25 @@
                 </a:solidFill>
                 <a:sym typeface="+mn-ea"/>
               </a:rPr>
-              <a:t>String.prototype.charCodeAt(pos);</a:t>
+              <a:t>String.prototype.</a:t>
+            </a:r>
+            <a:r>
+              <a:rPr lang="en-US" altLang="zh-CN" sz="2000" dirty="0">
+                <a:solidFill>
+                  <a:srgbClr val="FF0000"/>
+                </a:solidFill>
+                <a:sym typeface="+mn-ea"/>
+              </a:rPr>
+              <a:t>charCodeAt</a:t>
+            </a:r>
+            <a:r>
+              <a:rPr lang="en-US" altLang="zh-CN" sz="2000" dirty="0">
+                <a:solidFill>
+                  <a:schemeClr val="tx1"/>
+                </a:solidFill>
+                <a:sym typeface="+mn-ea"/>
+              </a:rPr>
+              <a:t>(pos);</a:t>
             </a:r>
             <a:br>
               <a:rPr lang="en-US" altLang="zh-CN" sz="2000" dirty="0">
@@ -7119,7 +7207,25 @@
                 </a:solidFill>
                 <a:sym typeface="+mn-ea"/>
               </a:rPr>
-              <a:t>- String.prototype.slice(start,end?);</a:t>
+              <a:t>- String.prototype.</a:t>
+            </a:r>
+            <a:r>
+              <a:rPr lang="en-US" altLang="zh-CN" sz="2000" dirty="0">
+                <a:solidFill>
+                  <a:srgbClr val="FF0000"/>
+                </a:solidFill>
+                <a:sym typeface="+mn-ea"/>
+              </a:rPr>
+              <a:t>slice</a:t>
+            </a:r>
+            <a:r>
+              <a:rPr lang="en-US" altLang="zh-CN" sz="2000" dirty="0">
+                <a:solidFill>
+                  <a:schemeClr val="tx1"/>
+                </a:solidFill>
+                <a:sym typeface="+mn-ea"/>
+              </a:rPr>
+              <a:t>(start,end?);</a:t>
             </a:r>
             <a:br>
               <a:rPr lang="en-US" altLang="zh-CN" sz="2000" dirty="0">
@@ -7136,7 +7242,25 @@
                 </a:solidFill>
                 <a:sym typeface="+mn-ea"/>
               </a:rPr>
-              <a:t>- String.prototype.substr(start,length?)</a:t>
+              <a:t>- String.prototype.</a:t>
+            </a:r>
+            <a:r>
+              <a:rPr lang="en-US" altLang="zh-CN" sz="2000" dirty="0">
+                <a:solidFill>
+                  <a:srgbClr val="FF0000"/>
+                </a:solidFill>
+                <a:sym typeface="+mn-ea"/>
+              </a:rPr>
+              <a:t>substr</a:t>
+            </a:r>
+            <a:r>
+              <a:rPr lang="en-US" altLang="zh-CN" sz="2000" dirty="0">
+                <a:solidFill>
+                  <a:schemeClr val="tx1"/>
+                </a:solidFill>
+                <a:sym typeface="+mn-ea"/>
+              </a:rPr>
+              <a:t>(start,length?)</a:t>
             </a:r>
             <a:br>
               <a:rPr lang="en-US" altLang="zh-CN" sz="2000" dirty="0">
@@ -7153,7 +7277,25 @@
                 </a:solidFill>
                 <a:sym typeface="+mn-ea"/>
               </a:rPr>
-              <a:t>- String.prototype.substring(start,end?);</a:t>
+              <a:t>- String.prototype.</a:t>
+            </a:r>
+            <a:r>
+              <a:rPr lang="en-US" altLang="zh-CN" sz="2000" dirty="0">
+                <a:solidFill>
+                  <a:srgbClr val="FF0000"/>
+                </a:solidFill>
+                <a:sym typeface="+mn-ea"/>
+              </a:rPr>
+              <a:t>substring</a:t>
+            </a:r>
+            <a:r>
+              <a:rPr lang="en-US" altLang="zh-CN" sz="2000" dirty="0">
+                <a:solidFill>
+                  <a:schemeClr val="tx1"/>
+                </a:solidFill>
+                <a:sym typeface="+mn-ea"/>
+              </a:rPr>
+              <a:t>(start,end?);</a:t>
             </a:r>
             <a:br>
               <a:rPr lang="en-US" altLang="zh-CN" sz="2000" dirty="0">
@@ -7170,7 +7312,25 @@
                 </a:solidFill>
                 <a:sym typeface="+mn-ea"/>
               </a:rPr>
-              <a:t>- String.prototype.split(separator?,limit?);</a:t>
+              <a:t>- String.prototype.</a:t>
+            </a:r>
+            <a:r>
+              <a:rPr lang="en-US" altLang="zh-CN" sz="2000" dirty="0">
+                <a:solidFill>
+                  <a:srgbClr val="FF0000"/>
+                </a:solidFill>
+                <a:sym typeface="+mn-ea"/>
+              </a:rPr>
+              <a:t>split</a:t>
+            </a:r>
+            <a:r>
+              <a:rPr lang="en-US" altLang="zh-CN" sz="2000" dirty="0">
+                <a:solidFill>
+                  <a:schemeClr val="tx1"/>
+                </a:solidFill>
+                <a:sym typeface="+mn-ea"/>
+              </a:rPr>
+              <a:t>(separator?,limit?);</a:t>
             </a:r>
             <a:endParaRPr lang="zh-CN" altLang="en-US" sz="3200" dirty="0">
               <a:solidFill>
@@ -7399,7 +7559,25 @@
                 </a:solidFill>
                 <a:sym typeface="+mn-ea"/>
               </a:rPr>
-              <a:t>- String.prototype.trim( );</a:t>
+              <a:t>- String.prototype.</a:t>
+            </a:r>
+            <a:r>
+              <a:rPr lang="en-US" altLang="zh-CN" sz="2000" dirty="0">
+                <a:solidFill>
+                  <a:srgbClr val="FF0000"/>
+                </a:solidFill>
+                <a:sym typeface="+mn-ea"/>
+              </a:rPr>
+              <a:t>trim</a:t>
+            </a:r>
+            <a:r>
+              <a:rPr lang="en-US" altLang="zh-CN" sz="2000" dirty="0">
+                <a:solidFill>
+                  <a:schemeClr val="tx1"/>
+                </a:solidFill>
+                <a:sym typeface="+mn-ea"/>
+              </a:rPr>
+              <a:t>( );</a:t>
             </a:r>
             <a:br>
               <a:rPr lang="en-US" altLang="zh-CN" sz="2000" dirty="0">
@@ -7416,7 +7594,25 @@
                 </a:solidFill>
                 <a:sym typeface="+mn-ea"/>
               </a:rPr>
-              <a:t>- String.prototype.concat(str1?,str2?);</a:t>
+              <a:t>- String.prototype.</a:t>
+            </a:r>
+            <a:r>
+              <a:rPr lang="en-US" altLang="zh-CN" sz="2000" dirty="0">
+                <a:solidFill>
+                  <a:srgbClr val="FF0000"/>
+                </a:solidFill>
+                <a:sym typeface="+mn-ea"/>
+              </a:rPr>
+              <a:t>concat</a:t>
+            </a:r>
+            <a:r>
+              <a:rPr lang="en-US" altLang="zh-CN" sz="2000" dirty="0">
+                <a:solidFill>
+                  <a:schemeClr val="tx1"/>
+                </a:solidFill>
+                <a:sym typeface="+mn-ea"/>
+              </a:rPr>
+              <a:t>(str1?,str2?);</a:t>
             </a:r>
             <a:br>
               <a:rPr lang="en-US" altLang="zh-CN" sz="2000" dirty="0">
@@ -7433,7 +7629,43 @@
                 </a:solidFill>
                 <a:sym typeface="+mn-ea"/>
               </a:rPr>
-              <a:t>- String.prototype.toLowerCase( ); String.prototype.toLocaleLowerCase( );</a:t>
+              <a:t>- String.prototype.</a:t>
+            </a:r>
+            <a:r>
+              <a:rPr lang="en-US" altLang="zh-CN" sz="2000" dirty="0">
+                <a:solidFill>
+                  <a:srgbClr val="FF0000"/>
+                </a:solidFill>
+                <a:sym typeface="+mn-ea"/>
+              </a:rPr>
+              <a:t>toLowerCase</a:t>
+            </a:r>
+            <a:r>
+              <a:rPr lang="en-US" altLang="zh-CN" sz="2000" dirty="0">
+                <a:solidFill>
+                  <a:schemeClr val="tx1"/>
+                </a:solidFill>
+                <a:sym typeface="+mn-ea"/>
+              </a:rPr>
+              <a:t>( ); String.prototype.</a:t>
+            </a:r>
+            <a:r>
+              <a:rPr lang="en-US" altLang="zh-CN" sz="2000" dirty="0">
+                <a:solidFill>
+                  <a:srgbClr val="FF0000"/>
+                </a:solidFill>
+                <a:sym typeface="+mn-ea"/>
+              </a:rPr>
+              <a:t>toLocaleLowerCase</a:t>
+            </a:r>
+            <a:r>
+              <a:rPr lang="en-US" altLang="zh-CN" sz="2000" dirty="0">
+                <a:solidFill>
+                  <a:schemeClr val="tx1"/>
+                </a:solidFill>
+                <a:sym typeface="+mn-ea"/>
+              </a:rPr>
+              <a:t>( );</a:t>
             </a:r>
             <a:br>
               <a:rPr lang="en-US" altLang="zh-CN" sz="2000" dirty="0">
@@ -7450,7 +7682,43 @@
                 </a:solidFill>
                 <a:sym typeface="+mn-ea"/>
               </a:rPr>
-              <a:t>- String.prototype.toUpperCase( ); String.prototype.toLocaleUpperCase( );</a:t>
+              <a:t>- String.prototype.</a:t>
+            </a:r>
+            <a:r>
+              <a:rPr lang="en-US" altLang="zh-CN" sz="2000" dirty="0">
+                <a:solidFill>
+                  <a:srgbClr val="FF0000"/>
+                </a:solidFill>
+                <a:sym typeface="+mn-ea"/>
+              </a:rPr>
+              <a:t>toUpperCase</a:t>
+            </a:r>
+            <a:r>
+              <a:rPr lang="en-US" altLang="zh-CN" sz="2000" dirty="0">
+                <a:solidFill>
+                  <a:schemeClr val="tx1"/>
+                </a:solidFill>
+                <a:sym typeface="+mn-ea"/>
+              </a:rPr>
+              <a:t>( ); String.prototype.</a:t>
+            </a:r>
+            <a:r>
+              <a:rPr lang="en-US" altLang="zh-CN" sz="2000" dirty="0">
+                <a:solidFill>
+                  <a:srgbClr val="FF0000"/>
+                </a:solidFill>
+                <a:sym typeface="+mn-ea"/>
+              </a:rPr>
+              <a:t>toLocaleUpperCase</a:t>
+            </a:r>
+            <a:r>
+              <a:rPr lang="en-US" altLang="zh-CN" sz="2000" dirty="0">
+                <a:solidFill>
+                  <a:schemeClr val="tx1"/>
+                </a:solidFill>
+                <a:sym typeface="+mn-ea"/>
+              </a:rPr>
+              <a:t>( );</a:t>
             </a:r>
             <a:endParaRPr lang="en-US" altLang="zh-CN" sz="2000" dirty="0">
               <a:solidFill>
@@ -7510,7 +7778,23 @@
                   <a:schemeClr val="tx1"/>
                 </a:solidFill>
               </a:rPr>
-              <a:t>- String.prototype.indexOf(searchingString,position?);</a:t>
+              <a:t>- String.prototype.</a:t>
+            </a:r>
+            <a:r>
+              <a:rPr lang="en-US" altLang="zh-CN" sz="2000" dirty="0">
+                <a:solidFill>
+                  <a:srgbClr val="FF0000"/>
+                </a:solidFill>
+              </a:rPr>
+              <a:t>indexOf</a:t>
+            </a:r>
+            <a:r>
+              <a:rPr lang="en-US" altLang="zh-CN" sz="2000" dirty="0">
+                <a:solidFill>
+                  <a:schemeClr val="tx1"/>
+                </a:solidFill>
+              </a:rPr>
+              <a:t>(searchingString,position?);</a:t>
             </a:r>
             <a:br>
               <a:rPr lang="en-US" altLang="zh-CN" sz="2000" dirty="0">
@@ -7527,7 +7811,25 @@
                 </a:solidFill>
                 <a:sym typeface="+mn-ea"/>
               </a:rPr>
-              <a:t>- String.prototype.lastIndexOf(searchingString,position?);</a:t>
+              <a:t>- String.prototype.</a:t>
+            </a:r>
+            <a:r>
+              <a:rPr lang="en-US" altLang="zh-CN" sz="2000" dirty="0">
+                <a:solidFill>
+                  <a:srgbClr val="FF0000"/>
+                </a:solidFill>
+                <a:sym typeface="+mn-ea"/>
+              </a:rPr>
+              <a:t>lastIndexOf</a:t>
+            </a:r>
+            <a:r>
+              <a:rPr lang="en-US" altLang="zh-CN" sz="2000" dirty="0">
+                <a:solidFill>
+                  <a:schemeClr val="tx1"/>
+                </a:solidFill>
+                <a:sym typeface="+mn-ea"/>
+              </a:rPr>
+              <a:t>(searchingString,position?);</a:t>
             </a:r>
             <a:br>
               <a:rPr lang="en-US" altLang="zh-CN" sz="2000" dirty="0">
@@ -7544,7 +7846,25 @@
                 </a:solidFill>
                 <a:sym typeface="+mn-ea"/>
               </a:rPr>
-              <a:t>- String.prototype.localeCompare(other);</a:t>
+              <a:t>- String.prototype.</a:t>
+            </a:r>
+            <a:r>
+              <a:rPr lang="en-US" altLang="zh-CN" sz="2000" dirty="0">
+                <a:solidFill>
+                  <a:srgbClr val="FF0000"/>
+                </a:solidFill>
+                <a:sym typeface="+mn-ea"/>
+              </a:rPr>
+              <a:t>localeCompare</a:t>
+            </a:r>
+            <a:r>
+              <a:rPr lang="en-US" altLang="zh-CN" sz="2000" dirty="0">
+                <a:solidFill>
+                  <a:schemeClr val="tx1"/>
+                </a:solidFill>
+                <a:sym typeface="+mn-ea"/>
+              </a:rPr>
+              <a:t>(other);</a:t>
             </a:r>
             <a:endParaRPr lang="en-US" altLang="zh-CN" sz="2000" dirty="0">
               <a:solidFill>
